--- a/DOCS/Дослідження_часової_ефективності_відображення_комп`ютерної_графіки.pptx
+++ b/DOCS/Дослідження_часової_ефективності_відображення_комп`ютерної_графіки.pptx
@@ -2,7 +2,7 @@
 <file path=ppt/presentation.xml><?xml version="1.0" encoding="utf-8"?>
 <p:presentation xmlns:a="http://schemas.openxmlformats.org/drawingml/2006/main" xmlns:r="http://schemas.openxmlformats.org/officeDocument/2006/relationships" xmlns:p="http://schemas.openxmlformats.org/presentationml/2006/main" autoCompressPictures="0">
   <p:sldMasterIdLst>
-    <p:sldMasterId id="2147483648" r:id="rId1"/>
+    <p:sldMasterId id="2147483998" r:id="rId1"/>
   </p:sldMasterIdLst>
   <p:sldIdLst>
     <p:sldId id="256" r:id="rId2"/>
@@ -138,6 +138,14 @@
 <file path=ppt/slideLayouts/slideLayout1.xml><?xml version="1.0" encoding="utf-8"?>
 <p:sldLayout xmlns:a="http://schemas.openxmlformats.org/drawingml/2006/main" xmlns:r="http://schemas.openxmlformats.org/officeDocument/2006/relationships" xmlns:p="http://schemas.openxmlformats.org/presentationml/2006/main" showMasterSp="0" type="title" preserve="1">
   <p:cSld name="Титульный слайд">
+    <p:bg>
+      <p:bgPr>
+        <a:solidFill>
+          <a:schemeClr val="bg2"/>
+        </a:solidFill>
+        <a:effectLst/>
+      </p:bgPr>
+    </p:bg>
     <p:spTree>
       <p:nvGrpSpPr>
         <p:cNvPr id="1" name=""/>
@@ -152,6 +160,226 @@
           <a:chExt cx="0" cy="0"/>
         </a:xfrm>
       </p:grpSpPr>
+      <p:sp>
+        <p:nvSpPr>
+          <p:cNvPr id="2" name="Title 1"/>
+          <p:cNvSpPr>
+            <a:spLocks noGrp="1"/>
+          </p:cNvSpPr>
+          <p:nvPr>
+            <p:ph type="ctrTitle"/>
+          </p:nvPr>
+        </p:nvSpPr>
+        <p:spPr>
+          <a:xfrm>
+            <a:off x="1915128" y="1788454"/>
+            <a:ext cx="8361229" cy="2098226"/>
+          </a:xfrm>
+        </p:spPr>
+        <p:txBody>
+          <a:bodyPr anchor="b">
+            <a:noAutofit/>
+          </a:bodyPr>
+          <a:lstStyle>
+            <a:lvl1pPr algn="ctr">
+              <a:defRPr sz="7200" cap="all" baseline="0">
+                <a:solidFill>
+                  <a:schemeClr val="tx2"/>
+                </a:solidFill>
+              </a:defRPr>
+            </a:lvl1pPr>
+          </a:lstStyle>
+          <a:p>
+            <a:r>
+              <a:rPr lang="ru-RU"/>
+              <a:t>Образец заголовка</a:t>
+            </a:r>
+            <a:endParaRPr lang="en-US" dirty="0"/>
+          </a:p>
+        </p:txBody>
+      </p:sp>
+      <p:sp>
+        <p:nvSpPr>
+          <p:cNvPr id="3" name="Subtitle 2"/>
+          <p:cNvSpPr>
+            <a:spLocks noGrp="1"/>
+          </p:cNvSpPr>
+          <p:nvPr>
+            <p:ph type="subTitle" idx="1"/>
+          </p:nvPr>
+        </p:nvSpPr>
+        <p:spPr>
+          <a:xfrm>
+            <a:off x="2679906" y="3956279"/>
+            <a:ext cx="6831673" cy="1086237"/>
+          </a:xfrm>
+        </p:spPr>
+        <p:txBody>
+          <a:bodyPr>
+            <a:normAutofit/>
+          </a:bodyPr>
+          <a:lstStyle>
+            <a:lvl1pPr marL="0" indent="0" algn="ctr">
+              <a:lnSpc>
+                <a:spcPct val="112000"/>
+              </a:lnSpc>
+              <a:spcBef>
+                <a:spcPts val="0"/>
+              </a:spcBef>
+              <a:spcAft>
+                <a:spcPts val="0"/>
+              </a:spcAft>
+              <a:buNone/>
+              <a:defRPr sz="2300"/>
+            </a:lvl1pPr>
+            <a:lvl2pPr marL="457200" indent="0" algn="ctr">
+              <a:buNone/>
+              <a:defRPr sz="2000"/>
+            </a:lvl2pPr>
+            <a:lvl3pPr marL="914400" indent="0" algn="ctr">
+              <a:buNone/>
+              <a:defRPr sz="1800"/>
+            </a:lvl3pPr>
+            <a:lvl4pPr marL="1371600" indent="0" algn="ctr">
+              <a:buNone/>
+              <a:defRPr sz="1600"/>
+            </a:lvl4pPr>
+            <a:lvl5pPr marL="1828800" indent="0" algn="ctr">
+              <a:buNone/>
+              <a:defRPr sz="1600"/>
+            </a:lvl5pPr>
+            <a:lvl6pPr marL="2286000" indent="0" algn="ctr">
+              <a:buNone/>
+              <a:defRPr sz="1600"/>
+            </a:lvl6pPr>
+            <a:lvl7pPr marL="2743200" indent="0" algn="ctr">
+              <a:buNone/>
+              <a:defRPr sz="1600"/>
+            </a:lvl7pPr>
+            <a:lvl8pPr marL="3200400" indent="0" algn="ctr">
+              <a:buNone/>
+              <a:defRPr sz="1600"/>
+            </a:lvl8pPr>
+            <a:lvl9pPr marL="3657600" indent="0" algn="ctr">
+              <a:buNone/>
+              <a:defRPr sz="1600"/>
+            </a:lvl9pPr>
+          </a:lstStyle>
+          <a:p>
+            <a:r>
+              <a:rPr lang="ru-RU"/>
+              <a:t>Образец подзаголовка</a:t>
+            </a:r>
+            <a:endParaRPr lang="en-US" dirty="0"/>
+          </a:p>
+        </p:txBody>
+      </p:sp>
+      <p:sp>
+        <p:nvSpPr>
+          <p:cNvPr id="4" name="Date Placeholder 3"/>
+          <p:cNvSpPr>
+            <a:spLocks noGrp="1"/>
+          </p:cNvSpPr>
+          <p:nvPr>
+            <p:ph type="dt" sz="half" idx="10"/>
+          </p:nvPr>
+        </p:nvSpPr>
+        <p:spPr>
+          <a:xfrm>
+            <a:off x="752858" y="6453386"/>
+            <a:ext cx="1607944" cy="404614"/>
+          </a:xfrm>
+        </p:spPr>
+        <p:txBody>
+          <a:bodyPr/>
+          <a:lstStyle>
+            <a:lvl1pPr>
+              <a:defRPr baseline="0">
+                <a:solidFill>
+                  <a:schemeClr val="tx2"/>
+                </a:solidFill>
+              </a:defRPr>
+            </a:lvl1pPr>
+          </a:lstStyle>
+          <a:p>
+            <a:fld id="{B61BEF0D-F0BB-DE4B-95CE-6DB70DBA9567}" type="datetimeFigureOut">
+              <a:rPr lang="en-US" smtClean="0"/>
+              <a:pPr/>
+              <a:t>12/17/2020</a:t>
+            </a:fld>
+            <a:endParaRPr lang="en-US" dirty="0"/>
+          </a:p>
+        </p:txBody>
+      </p:sp>
+      <p:sp>
+        <p:nvSpPr>
+          <p:cNvPr id="5" name="Footer Placeholder 4"/>
+          <p:cNvSpPr>
+            <a:spLocks noGrp="1"/>
+          </p:cNvSpPr>
+          <p:nvPr>
+            <p:ph type="ftr" sz="quarter" idx="11"/>
+          </p:nvPr>
+        </p:nvSpPr>
+        <p:spPr>
+          <a:xfrm>
+            <a:off x="2584054" y="6453386"/>
+            <a:ext cx="7023377" cy="404614"/>
+          </a:xfrm>
+        </p:spPr>
+        <p:txBody>
+          <a:bodyPr/>
+          <a:lstStyle>
+            <a:lvl1pPr algn="ctr">
+              <a:defRPr baseline="0">
+                <a:solidFill>
+                  <a:schemeClr val="tx2"/>
+                </a:solidFill>
+              </a:defRPr>
+            </a:lvl1pPr>
+          </a:lstStyle>
+          <a:p>
+            <a:endParaRPr lang="en-US" dirty="0"/>
+          </a:p>
+        </p:txBody>
+      </p:sp>
+      <p:sp>
+        <p:nvSpPr>
+          <p:cNvPr id="6" name="Slide Number Placeholder 5"/>
+          <p:cNvSpPr>
+            <a:spLocks noGrp="1"/>
+          </p:cNvSpPr>
+          <p:nvPr>
+            <p:ph type="sldNum" sz="quarter" idx="12"/>
+          </p:nvPr>
+        </p:nvSpPr>
+        <p:spPr>
+          <a:xfrm>
+            <a:off x="9830683" y="6453386"/>
+            <a:ext cx="1596292" cy="404614"/>
+          </a:xfrm>
+        </p:spPr>
+        <p:txBody>
+          <a:bodyPr/>
+          <a:lstStyle>
+            <a:lvl1pPr>
+              <a:defRPr baseline="0">
+                <a:solidFill>
+                  <a:schemeClr val="tx2"/>
+                </a:solidFill>
+              </a:defRPr>
+            </a:lvl1pPr>
+          </a:lstStyle>
+          <a:p>
+            <a:fld id="{D57F1E4F-1CFF-5643-939E-217C01CDF565}" type="slidenum">
+              <a:rPr lang="en-US" smtClean="0"/>
+              <a:pPr/>
+              <a:t>‹#›</a:t>
+            </a:fld>
+            <a:endParaRPr lang="en-US" dirty="0"/>
+          </a:p>
+        </p:txBody>
+      </p:sp>
       <p:grpSp>
         <p:nvGrpSpPr>
           <p:cNvPr id="7" name="Group 6"/>
@@ -160,96 +388,22 @@
         </p:nvGrpSpPr>
         <p:grpSpPr>
           <a:xfrm>
-            <a:off x="0" y="-8467"/>
-            <a:ext cx="12192000" cy="6866467"/>
-            <a:chOff x="0" y="-8467"/>
-            <a:chExt cx="12192000" cy="6866467"/>
+            <a:off x="752858" y="744469"/>
+            <a:ext cx="10674117" cy="5349671"/>
+            <a:chOff x="752858" y="744469"/>
+            <a:chExt cx="10674117" cy="5349671"/>
           </a:xfrm>
         </p:grpSpPr>
-        <p:cxnSp>
-          <p:nvCxnSpPr>
-            <p:cNvPr id="32" name="Straight Connector 31"/>
-            <p:cNvCxnSpPr/>
-            <p:nvPr/>
-          </p:nvCxnSpPr>
-          <p:spPr>
-            <a:xfrm>
-              <a:off x="9371012" y="0"/>
-              <a:ext cx="1219200" cy="6858000"/>
-            </a:xfrm>
-            <a:prstGeom prst="line">
-              <a:avLst/>
-            </a:prstGeom>
-            <a:ln w="9525">
-              <a:solidFill>
-                <a:schemeClr val="bg1">
-                  <a:lumMod val="75000"/>
-                </a:schemeClr>
-              </a:solidFill>
-            </a:ln>
-          </p:spPr>
-          <p:style>
-            <a:lnRef idx="2">
-              <a:schemeClr val="accent1"/>
-            </a:lnRef>
-            <a:fillRef idx="0">
-              <a:schemeClr val="accent1"/>
-            </a:fillRef>
-            <a:effectRef idx="1">
-              <a:schemeClr val="accent1"/>
-            </a:effectRef>
-            <a:fontRef idx="minor">
-              <a:schemeClr val="tx1"/>
-            </a:fontRef>
-          </p:style>
-        </p:cxnSp>
-        <p:cxnSp>
-          <p:nvCxnSpPr>
-            <p:cNvPr id="21" name="Straight Connector 20"/>
-            <p:cNvCxnSpPr/>
-            <p:nvPr/>
-          </p:nvCxnSpPr>
-          <p:spPr>
-            <a:xfrm flipH="1">
-              <a:off x="7425267" y="3681413"/>
-              <a:ext cx="4763558" cy="3176587"/>
-            </a:xfrm>
-            <a:prstGeom prst="line">
-              <a:avLst/>
-            </a:prstGeom>
-            <a:ln w="9525">
-              <a:solidFill>
-                <a:schemeClr val="bg1">
-                  <a:lumMod val="85000"/>
-                </a:schemeClr>
-              </a:solidFill>
-            </a:ln>
-          </p:spPr>
-          <p:style>
-            <a:lnRef idx="2">
-              <a:schemeClr val="accent1"/>
-            </a:lnRef>
-            <a:fillRef idx="0">
-              <a:schemeClr val="accent1"/>
-            </a:fillRef>
-            <a:effectRef idx="1">
-              <a:schemeClr val="accent1"/>
-            </a:effectRef>
-            <a:fontRef idx="minor">
-              <a:schemeClr val="tx1"/>
-            </a:fontRef>
-          </p:style>
-        </p:cxnSp>
         <p:sp>
           <p:nvSpPr>
-            <p:cNvPr id="24" name="Rectangle 23"/>
+            <p:cNvPr id="11" name="Freeform 6"/>
             <p:cNvSpPr/>
             <p:nvPr/>
           </p:nvSpPr>
-          <p:spPr>
+          <p:spPr bwMode="auto">
             <a:xfrm>
-              <a:off x="9181476" y="-8467"/>
-              <a:ext cx="3007349" cy="6866467"/>
+              <a:off x="8151962" y="1685652"/>
+              <a:ext cx="3275013" cy="4408488"/>
             </a:xfrm>
             <a:custGeom>
               <a:avLst/>
@@ -258,61 +412,54 @@
               <a:cxnLst/>
               <a:rect l="l" t="t" r="r" b="b"/>
               <a:pathLst>
-                <a:path w="3007349" h="6866467">
+                <a:path w="10000" h="10000">
                   <a:moveTo>
-                    <a:pt x="2045532" y="0"/>
+                    <a:pt x="8761" y="0"/>
                   </a:moveTo>
                   <a:lnTo>
-                    <a:pt x="3007349" y="0"/>
+                    <a:pt x="10000" y="0"/>
                   </a:lnTo>
                   <a:lnTo>
-                    <a:pt x="3007349" y="6866467"/>
+                    <a:pt x="10000" y="10000"/>
                   </a:lnTo>
                   <a:lnTo>
-                    <a:pt x="0" y="6866467"/>
+                    <a:pt x="0" y="10000"/>
                   </a:lnTo>
                   <a:lnTo>
-                    <a:pt x="2045532" y="0"/>
+                    <a:pt x="0" y="9126"/>
+                  </a:lnTo>
+                  <a:lnTo>
+                    <a:pt x="8761" y="9127"/>
+                  </a:lnTo>
+                  <a:lnTo>
+                    <a:pt x="8761" y="0"/>
                   </a:lnTo>
                   <a:close/>
                 </a:path>
               </a:pathLst>
             </a:custGeom>
             <a:solidFill>
-              <a:schemeClr val="accent1">
-                <a:alpha val="30000"/>
-              </a:schemeClr>
+              <a:schemeClr val="tx2"/>
             </a:solidFill>
-            <a:ln>
+            <a:ln w="0">
               <a:noFill/>
+              <a:prstDash val="solid"/>
+              <a:round/>
+              <a:headEnd/>
+              <a:tailEnd/>
             </a:ln>
-            <a:effectLst/>
           </p:spPr>
-          <p:style>
-            <a:lnRef idx="1">
-              <a:schemeClr val="accent1"/>
-            </a:lnRef>
-            <a:fillRef idx="3">
-              <a:schemeClr val="accent1"/>
-            </a:fillRef>
-            <a:effectRef idx="2">
-              <a:schemeClr val="accent1"/>
-            </a:effectRef>
-            <a:fontRef idx="minor">
-              <a:schemeClr val="lt1"/>
-            </a:fontRef>
-          </p:style>
         </p:sp>
         <p:sp>
           <p:nvSpPr>
-            <p:cNvPr id="26" name="Rectangle 25"/>
+            <p:cNvPr id="14" name="Freeform 6"/>
             <p:cNvSpPr/>
             <p:nvPr/>
           </p:nvSpPr>
-          <p:spPr>
-            <a:xfrm>
-              <a:off x="9603442" y="-8467"/>
-              <a:ext cx="2588558" cy="6866467"/>
+          <p:spPr bwMode="auto">
+            <a:xfrm flipH="1" flipV="1">
+              <a:off x="752858" y="744469"/>
+              <a:ext cx="3275668" cy="4408488"/>
             </a:xfrm>
             <a:custGeom>
               <a:avLst/>
@@ -321,2199 +468,61 @@
               <a:cxnLst/>
               <a:rect l="l" t="t" r="r" b="b"/>
               <a:pathLst>
-                <a:path w="2573311" h="6866467">
+                <a:path w="10002" h="10000">
                   <a:moveTo>
-                    <a:pt x="0" y="0"/>
+                    <a:pt x="8763" y="0"/>
                   </a:moveTo>
                   <a:lnTo>
-                    <a:pt x="2573311" y="0"/>
+                    <a:pt x="10002" y="0"/>
                   </a:lnTo>
                   <a:lnTo>
-                    <a:pt x="2573311" y="6866467"/>
+                    <a:pt x="10002" y="10000"/>
                   </a:lnTo>
                   <a:lnTo>
-                    <a:pt x="1202336" y="6866467"/>
+                    <a:pt x="2" y="10000"/>
+                  </a:lnTo>
+                  <a:cubicBezTo>
+                    <a:pt x="-2" y="9698"/>
+                    <a:pt x="4" y="9427"/>
+                    <a:pt x="0" y="9125"/>
+                  </a:cubicBezTo>
+                  <a:lnTo>
+                    <a:pt x="8763" y="9128"/>
                   </a:lnTo>
                   <a:lnTo>
-                    <a:pt x="0" y="0"/>
+                    <a:pt x="8763" y="0"/>
                   </a:lnTo>
                   <a:close/>
                 </a:path>
               </a:pathLst>
             </a:custGeom>
             <a:solidFill>
-              <a:schemeClr val="accent1">
-                <a:alpha val="20000"/>
-              </a:schemeClr>
+              <a:schemeClr val="tx2"/>
             </a:solidFill>
-            <a:ln>
+            <a:ln w="0">
               <a:noFill/>
+              <a:prstDash val="solid"/>
+              <a:round/>
+              <a:headEnd/>
+              <a:tailEnd/>
             </a:ln>
-            <a:effectLst/>
           </p:spPr>
-          <p:style>
-            <a:lnRef idx="1">
-              <a:schemeClr val="accent1"/>
-            </a:lnRef>
-            <a:fillRef idx="3">
-              <a:schemeClr val="accent1"/>
-            </a:fillRef>
-            <a:effectRef idx="2">
-              <a:schemeClr val="accent1"/>
-            </a:effectRef>
-            <a:fontRef idx="minor">
-              <a:schemeClr val="lt1"/>
-            </a:fontRef>
-          </p:style>
-        </p:sp>
-        <p:sp>
-          <p:nvSpPr>
-            <p:cNvPr id="27" name="Isosceles Triangle 26"/>
-            <p:cNvSpPr/>
-            <p:nvPr/>
-          </p:nvSpPr>
-          <p:spPr>
-            <a:xfrm>
-              <a:off x="8932333" y="3048000"/>
-              <a:ext cx="3259667" cy="3810000"/>
-            </a:xfrm>
-            <a:prstGeom prst="triangle">
-              <a:avLst>
-                <a:gd name="adj" fmla="val 100000"/>
-              </a:avLst>
-            </a:prstGeom>
-            <a:solidFill>
-              <a:schemeClr val="accent2">
-                <a:alpha val="72000"/>
-              </a:schemeClr>
-            </a:solidFill>
-            <a:ln>
-              <a:noFill/>
-            </a:ln>
-            <a:effectLst/>
-          </p:spPr>
-          <p:style>
-            <a:lnRef idx="1">
-              <a:schemeClr val="accent1"/>
-            </a:lnRef>
-            <a:fillRef idx="3">
-              <a:schemeClr val="accent1"/>
-            </a:fillRef>
-            <a:effectRef idx="2">
-              <a:schemeClr val="accent1"/>
-            </a:effectRef>
-            <a:fontRef idx="minor">
-              <a:schemeClr val="lt1"/>
-            </a:fontRef>
-          </p:style>
-        </p:sp>
-        <p:sp>
-          <p:nvSpPr>
-            <p:cNvPr id="28" name="Rectangle 27"/>
-            <p:cNvSpPr/>
-            <p:nvPr/>
-          </p:nvSpPr>
-          <p:spPr>
-            <a:xfrm>
-              <a:off x="9334500" y="-8467"/>
-              <a:ext cx="2854326" cy="6866467"/>
-            </a:xfrm>
-            <a:custGeom>
-              <a:avLst/>
-              <a:gdLst/>
-              <a:ahLst/>
-              <a:cxnLst/>
-              <a:rect l="l" t="t" r="r" b="b"/>
-              <a:pathLst>
-                <a:path w="2858013" h="6866467">
-                  <a:moveTo>
-                    <a:pt x="0" y="0"/>
-                  </a:moveTo>
-                  <a:lnTo>
-                    <a:pt x="2858013" y="0"/>
-                  </a:lnTo>
-                  <a:lnTo>
-                    <a:pt x="2858013" y="6866467"/>
-                  </a:lnTo>
-                  <a:lnTo>
-                    <a:pt x="2473942" y="6866467"/>
-                  </a:lnTo>
-                  <a:lnTo>
-                    <a:pt x="0" y="0"/>
-                  </a:lnTo>
-                  <a:close/>
-                </a:path>
-              </a:pathLst>
-            </a:custGeom>
-            <a:solidFill>
-              <a:schemeClr val="accent2">
-                <a:lumMod val="75000"/>
-                <a:alpha val="70000"/>
-              </a:schemeClr>
-            </a:solidFill>
-            <a:ln>
-              <a:noFill/>
-            </a:ln>
-            <a:effectLst/>
-          </p:spPr>
-          <p:style>
-            <a:lnRef idx="1">
-              <a:schemeClr val="accent1"/>
-            </a:lnRef>
-            <a:fillRef idx="3">
-              <a:schemeClr val="accent1"/>
-            </a:fillRef>
-            <a:effectRef idx="2">
-              <a:schemeClr val="accent1"/>
-            </a:effectRef>
-            <a:fontRef idx="minor">
-              <a:schemeClr val="lt1"/>
-            </a:fontRef>
-          </p:style>
-        </p:sp>
-        <p:sp>
-          <p:nvSpPr>
-            <p:cNvPr id="29" name="Rectangle 28"/>
-            <p:cNvSpPr/>
-            <p:nvPr/>
-          </p:nvSpPr>
-          <p:spPr>
-            <a:xfrm>
-              <a:off x="10898730" y="-8467"/>
-              <a:ext cx="1290094" cy="6866467"/>
-            </a:xfrm>
-            <a:custGeom>
-              <a:avLst/>
-              <a:gdLst/>
-              <a:ahLst/>
-              <a:cxnLst/>
-              <a:rect l="l" t="t" r="r" b="b"/>
-              <a:pathLst>
-                <a:path w="1290094" h="6858000">
-                  <a:moveTo>
-                    <a:pt x="1019735" y="0"/>
-                  </a:moveTo>
-                  <a:lnTo>
-                    <a:pt x="1290094" y="0"/>
-                  </a:lnTo>
-                  <a:lnTo>
-                    <a:pt x="1290094" y="6858000"/>
-                  </a:lnTo>
-                  <a:lnTo>
-                    <a:pt x="0" y="6858000"/>
-                  </a:lnTo>
-                  <a:lnTo>
-                    <a:pt x="1019735" y="0"/>
-                  </a:lnTo>
-                  <a:close/>
-                </a:path>
-              </a:pathLst>
-            </a:custGeom>
-            <a:solidFill>
-              <a:schemeClr val="accent1">
-                <a:lumMod val="60000"/>
-                <a:lumOff val="40000"/>
-                <a:alpha val="70000"/>
-              </a:schemeClr>
-            </a:solidFill>
-            <a:ln>
-              <a:noFill/>
-            </a:ln>
-            <a:effectLst/>
-          </p:spPr>
-          <p:style>
-            <a:lnRef idx="1">
-              <a:schemeClr val="accent1"/>
-            </a:lnRef>
-            <a:fillRef idx="3">
-              <a:schemeClr val="accent1"/>
-            </a:fillRef>
-            <a:effectRef idx="2">
-              <a:schemeClr val="accent1"/>
-            </a:effectRef>
-            <a:fontRef idx="minor">
-              <a:schemeClr val="lt1"/>
-            </a:fontRef>
-          </p:style>
-        </p:sp>
-        <p:sp>
-          <p:nvSpPr>
-            <p:cNvPr id="30" name="Rectangle 29"/>
-            <p:cNvSpPr/>
-            <p:nvPr/>
-          </p:nvSpPr>
-          <p:spPr>
-            <a:xfrm>
-              <a:off x="10938999" y="-8467"/>
-              <a:ext cx="1249825" cy="6866467"/>
-            </a:xfrm>
-            <a:custGeom>
-              <a:avLst/>
-              <a:gdLst/>
-              <a:ahLst/>
-              <a:cxnLst/>
-              <a:rect l="l" t="t" r="r" b="b"/>
-              <a:pathLst>
-                <a:path w="1249825" h="6858000">
-                  <a:moveTo>
-                    <a:pt x="0" y="0"/>
-                  </a:moveTo>
-                  <a:lnTo>
-                    <a:pt x="1249825" y="0"/>
-                  </a:lnTo>
-                  <a:lnTo>
-                    <a:pt x="1249825" y="6858000"/>
-                  </a:lnTo>
-                  <a:lnTo>
-                    <a:pt x="1109382" y="6858000"/>
-                  </a:lnTo>
-                  <a:lnTo>
-                    <a:pt x="0" y="0"/>
-                  </a:lnTo>
-                  <a:close/>
-                </a:path>
-              </a:pathLst>
-            </a:custGeom>
-            <a:solidFill>
-              <a:schemeClr val="accent1">
-                <a:alpha val="65000"/>
-              </a:schemeClr>
-            </a:solidFill>
-            <a:ln>
-              <a:noFill/>
-            </a:ln>
-            <a:effectLst/>
-          </p:spPr>
-          <p:style>
-            <a:lnRef idx="1">
-              <a:schemeClr val="accent1"/>
-            </a:lnRef>
-            <a:fillRef idx="3">
-              <a:schemeClr val="accent1"/>
-            </a:fillRef>
-            <a:effectRef idx="2">
-              <a:schemeClr val="accent1"/>
-            </a:effectRef>
-            <a:fontRef idx="minor">
-              <a:schemeClr val="lt1"/>
-            </a:fontRef>
-          </p:style>
-        </p:sp>
-        <p:sp>
-          <p:nvSpPr>
-            <p:cNvPr id="31" name="Isosceles Triangle 30"/>
-            <p:cNvSpPr/>
-            <p:nvPr/>
-          </p:nvSpPr>
-          <p:spPr>
-            <a:xfrm>
-              <a:off x="10371666" y="3589867"/>
-              <a:ext cx="1817159" cy="3268133"/>
-            </a:xfrm>
-            <a:prstGeom prst="triangle">
-              <a:avLst>
-                <a:gd name="adj" fmla="val 100000"/>
-              </a:avLst>
-            </a:prstGeom>
-            <a:solidFill>
-              <a:schemeClr val="accent1">
-                <a:alpha val="80000"/>
-              </a:schemeClr>
-            </a:solidFill>
-            <a:ln>
-              <a:noFill/>
-            </a:ln>
-            <a:effectLst/>
-          </p:spPr>
-          <p:style>
-            <a:lnRef idx="1">
-              <a:schemeClr val="accent1"/>
-            </a:lnRef>
-            <a:fillRef idx="3">
-              <a:schemeClr val="accent1"/>
-            </a:fillRef>
-            <a:effectRef idx="2">
-              <a:schemeClr val="accent1"/>
-            </a:effectRef>
-            <a:fontRef idx="minor">
-              <a:schemeClr val="lt1"/>
-            </a:fontRef>
-          </p:style>
-        </p:sp>
-        <p:sp>
-          <p:nvSpPr>
-            <p:cNvPr id="19" name="Isosceles Triangle 18"/>
-            <p:cNvSpPr/>
-            <p:nvPr/>
-          </p:nvSpPr>
-          <p:spPr>
-            <a:xfrm rot="10800000">
-              <a:off x="0" y="0"/>
-              <a:ext cx="842596" cy="5666154"/>
-            </a:xfrm>
-            <a:prstGeom prst="triangle">
-              <a:avLst>
-                <a:gd name="adj" fmla="val 100000"/>
-              </a:avLst>
-            </a:prstGeom>
-            <a:solidFill>
-              <a:schemeClr val="accent1">
-                <a:alpha val="85000"/>
-              </a:schemeClr>
-            </a:solidFill>
-            <a:ln>
-              <a:noFill/>
-            </a:ln>
-            <a:effectLst/>
-          </p:spPr>
-          <p:style>
-            <a:lnRef idx="1">
-              <a:schemeClr val="accent1"/>
-            </a:lnRef>
-            <a:fillRef idx="3">
-              <a:schemeClr val="accent1"/>
-            </a:fillRef>
-            <a:effectRef idx="2">
-              <a:schemeClr val="accent1"/>
-            </a:effectRef>
-            <a:fontRef idx="minor">
-              <a:schemeClr val="lt1"/>
-            </a:fontRef>
-          </p:style>
         </p:sp>
       </p:grpSp>
-      <p:sp>
-        <p:nvSpPr>
-          <p:cNvPr id="2" name="Title 1"/>
-          <p:cNvSpPr>
-            <a:spLocks noGrp="1"/>
-          </p:cNvSpPr>
-          <p:nvPr>
-            <p:ph type="ctrTitle"/>
-          </p:nvPr>
-        </p:nvSpPr>
-        <p:spPr>
-          <a:xfrm>
-            <a:off x="1507067" y="2404534"/>
-            <a:ext cx="7766936" cy="1646302"/>
-          </a:xfrm>
-        </p:spPr>
-        <p:txBody>
-          <a:bodyPr anchor="b">
-            <a:noAutofit/>
-          </a:bodyPr>
-          <a:lstStyle>
-            <a:lvl1pPr algn="r">
-              <a:defRPr sz="5400">
-                <a:solidFill>
-                  <a:schemeClr val="accent1"/>
-                </a:solidFill>
-              </a:defRPr>
-            </a:lvl1pPr>
-          </a:lstStyle>
-          <a:p>
-            <a:r>
-              <a:rPr lang="ru-RU"/>
-              <a:t>Образец заголовка</a:t>
-            </a:r>
-            <a:endParaRPr lang="en-US" dirty="0"/>
-          </a:p>
-        </p:txBody>
-      </p:sp>
-      <p:sp>
-        <p:nvSpPr>
-          <p:cNvPr id="3" name="Subtitle 2"/>
-          <p:cNvSpPr>
-            <a:spLocks noGrp="1"/>
-          </p:cNvSpPr>
-          <p:nvPr>
-            <p:ph type="subTitle" idx="1"/>
-          </p:nvPr>
-        </p:nvSpPr>
-        <p:spPr>
-          <a:xfrm>
-            <a:off x="1507067" y="4050833"/>
-            <a:ext cx="7766936" cy="1096899"/>
-          </a:xfrm>
-        </p:spPr>
-        <p:txBody>
-          <a:bodyPr anchor="t"/>
-          <a:lstStyle>
-            <a:lvl1pPr marL="0" indent="0" algn="r">
-              <a:buNone/>
-              <a:defRPr>
-                <a:solidFill>
-                  <a:schemeClr val="tx1">
-                    <a:lumMod val="50000"/>
-                    <a:lumOff val="50000"/>
-                  </a:schemeClr>
-                </a:solidFill>
-              </a:defRPr>
-            </a:lvl1pPr>
-            <a:lvl2pPr marL="457200" indent="0" algn="ctr">
-              <a:buNone/>
-              <a:defRPr>
-                <a:solidFill>
-                  <a:schemeClr val="tx1">
-                    <a:tint val="75000"/>
-                  </a:schemeClr>
-                </a:solidFill>
-              </a:defRPr>
-            </a:lvl2pPr>
-            <a:lvl3pPr marL="914400" indent="0" algn="ctr">
-              <a:buNone/>
-              <a:defRPr>
-                <a:solidFill>
-                  <a:schemeClr val="tx1">
-                    <a:tint val="75000"/>
-                  </a:schemeClr>
-                </a:solidFill>
-              </a:defRPr>
-            </a:lvl3pPr>
-            <a:lvl4pPr marL="1371600" indent="0" algn="ctr">
-              <a:buNone/>
-              <a:defRPr>
-                <a:solidFill>
-                  <a:schemeClr val="tx1">
-                    <a:tint val="75000"/>
-                  </a:schemeClr>
-                </a:solidFill>
-              </a:defRPr>
-            </a:lvl4pPr>
-            <a:lvl5pPr marL="1828800" indent="0" algn="ctr">
-              <a:buNone/>
-              <a:defRPr>
-                <a:solidFill>
-                  <a:schemeClr val="tx1">
-                    <a:tint val="75000"/>
-                  </a:schemeClr>
-                </a:solidFill>
-              </a:defRPr>
-            </a:lvl5pPr>
-            <a:lvl6pPr marL="2286000" indent="0" algn="ctr">
-              <a:buNone/>
-              <a:defRPr>
-                <a:solidFill>
-                  <a:schemeClr val="tx1">
-                    <a:tint val="75000"/>
-                  </a:schemeClr>
-                </a:solidFill>
-              </a:defRPr>
-            </a:lvl6pPr>
-            <a:lvl7pPr marL="2743200" indent="0" algn="ctr">
-              <a:buNone/>
-              <a:defRPr>
-                <a:solidFill>
-                  <a:schemeClr val="tx1">
-                    <a:tint val="75000"/>
-                  </a:schemeClr>
-                </a:solidFill>
-              </a:defRPr>
-            </a:lvl7pPr>
-            <a:lvl8pPr marL="3200400" indent="0" algn="ctr">
-              <a:buNone/>
-              <a:defRPr>
-                <a:solidFill>
-                  <a:schemeClr val="tx1">
-                    <a:tint val="75000"/>
-                  </a:schemeClr>
-                </a:solidFill>
-              </a:defRPr>
-            </a:lvl8pPr>
-            <a:lvl9pPr marL="3657600" indent="0" algn="ctr">
-              <a:buNone/>
-              <a:defRPr>
-                <a:solidFill>
-                  <a:schemeClr val="tx1">
-                    <a:tint val="75000"/>
-                  </a:schemeClr>
-                </a:solidFill>
-              </a:defRPr>
-            </a:lvl9pPr>
-          </a:lstStyle>
-          <a:p>
-            <a:r>
-              <a:rPr lang="ru-RU"/>
-              <a:t>Образец подзаголовка</a:t>
-            </a:r>
-            <a:endParaRPr lang="en-US" dirty="0"/>
-          </a:p>
-        </p:txBody>
-      </p:sp>
-      <p:sp>
-        <p:nvSpPr>
-          <p:cNvPr id="4" name="Date Placeholder 3"/>
-          <p:cNvSpPr>
-            <a:spLocks noGrp="1"/>
-          </p:cNvSpPr>
-          <p:nvPr>
-            <p:ph type="dt" sz="half" idx="10"/>
-          </p:nvPr>
-        </p:nvSpPr>
-        <p:spPr/>
-        <p:txBody>
-          <a:bodyPr/>
-          <a:lstStyle/>
-          <a:p>
-            <a:fld id="{B61BEF0D-F0BB-DE4B-95CE-6DB70DBA9567}" type="datetimeFigureOut">
-              <a:rPr lang="en-US" dirty="0"/>
-              <a:pPr/>
-              <a:t>12/6/2020</a:t>
-            </a:fld>
-            <a:endParaRPr lang="en-US" dirty="0"/>
-          </a:p>
-        </p:txBody>
-      </p:sp>
-      <p:sp>
-        <p:nvSpPr>
-          <p:cNvPr id="5" name="Footer Placeholder 4"/>
-          <p:cNvSpPr>
-            <a:spLocks noGrp="1"/>
-          </p:cNvSpPr>
-          <p:nvPr>
-            <p:ph type="ftr" sz="quarter" idx="11"/>
-          </p:nvPr>
-        </p:nvSpPr>
-        <p:spPr/>
-        <p:txBody>
-          <a:bodyPr/>
-          <a:lstStyle/>
-          <a:p>
-            <a:endParaRPr lang="en-US" dirty="0"/>
-          </a:p>
-        </p:txBody>
-      </p:sp>
-      <p:sp>
-        <p:nvSpPr>
-          <p:cNvPr id="6" name="Slide Number Placeholder 5"/>
-          <p:cNvSpPr>
-            <a:spLocks noGrp="1"/>
-          </p:cNvSpPr>
-          <p:nvPr>
-            <p:ph type="sldNum" sz="quarter" idx="12"/>
-          </p:nvPr>
-        </p:nvSpPr>
-        <p:spPr/>
-        <p:txBody>
-          <a:bodyPr/>
-          <a:lstStyle/>
-          <a:p>
-            <a:fld id="{D57F1E4F-1CFF-5643-939E-217C01CDF565}" type="slidenum">
-              <a:rPr lang="en-US" dirty="0"/>
-              <a:pPr/>
-              <a:t>‹#›</a:t>
-            </a:fld>
-            <a:endParaRPr lang="en-US" dirty="0"/>
-          </a:p>
-        </p:txBody>
-      </p:sp>
     </p:spTree>
+    <p:extLst>
+      <p:ext uri="{BB962C8B-B14F-4D97-AF65-F5344CB8AC3E}">
+        <p14:creationId xmlns:p14="http://schemas.microsoft.com/office/powerpoint/2010/main" val="3785714082"/>
+      </p:ext>
+    </p:extLst>
   </p:cSld>
   <p:clrMapOvr>
-    <a:masterClrMapping/>
+    <a:overrideClrMapping bg1="lt1" tx1="dk1" bg2="lt2" tx2="dk2" accent1="accent1" accent2="accent2" accent3="accent3" accent4="accent4" accent5="accent5" accent6="accent6" hlink="hlink" folHlink="folHlink"/>
   </p:clrMapOvr>
 </p:sldLayout>
 </file>
 
 <file path=ppt/slideLayouts/slideLayout10.xml><?xml version="1.0" encoding="utf-8"?>
-<p:sldLayout xmlns:a="http://schemas.openxmlformats.org/drawingml/2006/main" xmlns:r="http://schemas.openxmlformats.org/officeDocument/2006/relationships" xmlns:p="http://schemas.openxmlformats.org/presentationml/2006/main" preserve="1">
-  <p:cSld name="Заголовок и подпись">
-    <p:spTree>
-      <p:nvGrpSpPr>
-        <p:cNvPr id="1" name=""/>
-        <p:cNvGrpSpPr/>
-        <p:nvPr/>
-      </p:nvGrpSpPr>
-      <p:grpSpPr>
-        <a:xfrm>
-          <a:off x="0" y="0"/>
-          <a:ext cx="0" cy="0"/>
-          <a:chOff x="0" y="0"/>
-          <a:chExt cx="0" cy="0"/>
-        </a:xfrm>
-      </p:grpSpPr>
-      <p:sp>
-        <p:nvSpPr>
-          <p:cNvPr id="2" name="Title 1"/>
-          <p:cNvSpPr>
-            <a:spLocks noGrp="1"/>
-          </p:cNvSpPr>
-          <p:nvPr>
-            <p:ph type="title"/>
-          </p:nvPr>
-        </p:nvSpPr>
-        <p:spPr>
-          <a:xfrm>
-            <a:off x="677335" y="609600"/>
-            <a:ext cx="8596668" cy="3403600"/>
-          </a:xfrm>
-        </p:spPr>
-        <p:txBody>
-          <a:bodyPr anchor="ctr">
-            <a:normAutofit/>
-          </a:bodyPr>
-          <a:lstStyle>
-            <a:lvl1pPr algn="l">
-              <a:defRPr sz="4400" b="0" cap="none"/>
-            </a:lvl1pPr>
-          </a:lstStyle>
-          <a:p>
-            <a:r>
-              <a:rPr lang="ru-RU"/>
-              <a:t>Образец заголовка</a:t>
-            </a:r>
-            <a:endParaRPr lang="en-US" dirty="0"/>
-          </a:p>
-        </p:txBody>
-      </p:sp>
-      <p:sp>
-        <p:nvSpPr>
-          <p:cNvPr id="3" name="Text Placeholder 2"/>
-          <p:cNvSpPr>
-            <a:spLocks noGrp="1"/>
-          </p:cNvSpPr>
-          <p:nvPr>
-            <p:ph type="body" idx="1"/>
-          </p:nvPr>
-        </p:nvSpPr>
-        <p:spPr>
-          <a:xfrm>
-            <a:off x="677335" y="4470400"/>
-            <a:ext cx="8596668" cy="1570962"/>
-          </a:xfrm>
-        </p:spPr>
-        <p:txBody>
-          <a:bodyPr anchor="ctr">
-            <a:normAutofit/>
-          </a:bodyPr>
-          <a:lstStyle>
-            <a:lvl1pPr marL="0" indent="0" algn="l">
-              <a:buNone/>
-              <a:defRPr sz="1800">
-                <a:solidFill>
-                  <a:schemeClr val="tx1">
-                    <a:lumMod val="75000"/>
-                    <a:lumOff val="25000"/>
-                  </a:schemeClr>
-                </a:solidFill>
-              </a:defRPr>
-            </a:lvl1pPr>
-            <a:lvl2pPr marL="457200" indent="0">
-              <a:buNone/>
-              <a:defRPr sz="1800">
-                <a:solidFill>
-                  <a:schemeClr val="tx1">
-                    <a:tint val="75000"/>
-                  </a:schemeClr>
-                </a:solidFill>
-              </a:defRPr>
-            </a:lvl2pPr>
-            <a:lvl3pPr marL="914400" indent="0">
-              <a:buNone/>
-              <a:defRPr sz="1600">
-                <a:solidFill>
-                  <a:schemeClr val="tx1">
-                    <a:tint val="75000"/>
-                  </a:schemeClr>
-                </a:solidFill>
-              </a:defRPr>
-            </a:lvl3pPr>
-            <a:lvl4pPr marL="1371600" indent="0">
-              <a:buNone/>
-              <a:defRPr sz="1400">
-                <a:solidFill>
-                  <a:schemeClr val="tx1">
-                    <a:tint val="75000"/>
-                  </a:schemeClr>
-                </a:solidFill>
-              </a:defRPr>
-            </a:lvl4pPr>
-            <a:lvl5pPr marL="1828800" indent="0">
-              <a:buNone/>
-              <a:defRPr sz="1400">
-                <a:solidFill>
-                  <a:schemeClr val="tx1">
-                    <a:tint val="75000"/>
-                  </a:schemeClr>
-                </a:solidFill>
-              </a:defRPr>
-            </a:lvl5pPr>
-            <a:lvl6pPr marL="2286000" indent="0">
-              <a:buNone/>
-              <a:defRPr sz="1400">
-                <a:solidFill>
-                  <a:schemeClr val="tx1">
-                    <a:tint val="75000"/>
-                  </a:schemeClr>
-                </a:solidFill>
-              </a:defRPr>
-            </a:lvl6pPr>
-            <a:lvl7pPr marL="2743200" indent="0">
-              <a:buNone/>
-              <a:defRPr sz="1400">
-                <a:solidFill>
-                  <a:schemeClr val="tx1">
-                    <a:tint val="75000"/>
-                  </a:schemeClr>
-                </a:solidFill>
-              </a:defRPr>
-            </a:lvl7pPr>
-            <a:lvl8pPr marL="3200400" indent="0">
-              <a:buNone/>
-              <a:defRPr sz="1400">
-                <a:solidFill>
-                  <a:schemeClr val="tx1">
-                    <a:tint val="75000"/>
-                  </a:schemeClr>
-                </a:solidFill>
-              </a:defRPr>
-            </a:lvl8pPr>
-            <a:lvl9pPr marL="3657600" indent="0">
-              <a:buNone/>
-              <a:defRPr sz="1400">
-                <a:solidFill>
-                  <a:schemeClr val="tx1">
-                    <a:tint val="75000"/>
-                  </a:schemeClr>
-                </a:solidFill>
-              </a:defRPr>
-            </a:lvl9pPr>
-          </a:lstStyle>
-          <a:p>
-            <a:pPr lvl="0"/>
-            <a:r>
-              <a:rPr lang="ru-RU"/>
-              <a:t>Образец текста</a:t>
-            </a:r>
-          </a:p>
-        </p:txBody>
-      </p:sp>
-      <p:sp>
-        <p:nvSpPr>
-          <p:cNvPr id="4" name="Date Placeholder 3"/>
-          <p:cNvSpPr>
-            <a:spLocks noGrp="1"/>
-          </p:cNvSpPr>
-          <p:nvPr>
-            <p:ph type="dt" sz="half" idx="10"/>
-          </p:nvPr>
-        </p:nvSpPr>
-        <p:spPr/>
-        <p:txBody>
-          <a:bodyPr/>
-          <a:lstStyle/>
-          <a:p>
-            <a:fld id="{B61BEF0D-F0BB-DE4B-95CE-6DB70DBA9567}" type="datetimeFigureOut">
-              <a:rPr lang="en-US" dirty="0"/>
-              <a:pPr/>
-              <a:t>12/6/2020</a:t>
-            </a:fld>
-            <a:endParaRPr lang="en-US" dirty="0"/>
-          </a:p>
-        </p:txBody>
-      </p:sp>
-      <p:sp>
-        <p:nvSpPr>
-          <p:cNvPr id="5" name="Footer Placeholder 4"/>
-          <p:cNvSpPr>
-            <a:spLocks noGrp="1"/>
-          </p:cNvSpPr>
-          <p:nvPr>
-            <p:ph type="ftr" sz="quarter" idx="11"/>
-          </p:nvPr>
-        </p:nvSpPr>
-        <p:spPr/>
-        <p:txBody>
-          <a:bodyPr/>
-          <a:lstStyle/>
-          <a:p>
-            <a:endParaRPr lang="en-US" dirty="0"/>
-          </a:p>
-        </p:txBody>
-      </p:sp>
-      <p:sp>
-        <p:nvSpPr>
-          <p:cNvPr id="6" name="Slide Number Placeholder 5"/>
-          <p:cNvSpPr>
-            <a:spLocks noGrp="1"/>
-          </p:cNvSpPr>
-          <p:nvPr>
-            <p:ph type="sldNum" sz="quarter" idx="12"/>
-          </p:nvPr>
-        </p:nvSpPr>
-        <p:spPr/>
-        <p:txBody>
-          <a:bodyPr/>
-          <a:lstStyle/>
-          <a:p>
-            <a:fld id="{D57F1E4F-1CFF-5643-939E-217C01CDF565}" type="slidenum">
-              <a:rPr lang="en-US" dirty="0"/>
-              <a:pPr/>
-              <a:t>‹#›</a:t>
-            </a:fld>
-            <a:endParaRPr lang="en-US" dirty="0"/>
-          </a:p>
-        </p:txBody>
-      </p:sp>
-    </p:spTree>
-  </p:cSld>
-  <p:clrMapOvr>
-    <a:masterClrMapping/>
-  </p:clrMapOvr>
-</p:sldLayout>
-</file>
-
-<file path=ppt/slideLayouts/slideLayout11.xml><?xml version="1.0" encoding="utf-8"?>
-<p:sldLayout xmlns:a="http://schemas.openxmlformats.org/drawingml/2006/main" xmlns:r="http://schemas.openxmlformats.org/officeDocument/2006/relationships" xmlns:p="http://schemas.openxmlformats.org/presentationml/2006/main" preserve="1">
-  <p:cSld name="Цитата с подписью">
-    <p:spTree>
-      <p:nvGrpSpPr>
-        <p:cNvPr id="1" name=""/>
-        <p:cNvGrpSpPr/>
-        <p:nvPr/>
-      </p:nvGrpSpPr>
-      <p:grpSpPr>
-        <a:xfrm>
-          <a:off x="0" y="0"/>
-          <a:ext cx="0" cy="0"/>
-          <a:chOff x="0" y="0"/>
-          <a:chExt cx="0" cy="0"/>
-        </a:xfrm>
-      </p:grpSpPr>
-      <p:sp>
-        <p:nvSpPr>
-          <p:cNvPr id="2" name="Title 1"/>
-          <p:cNvSpPr>
-            <a:spLocks noGrp="1"/>
-          </p:cNvSpPr>
-          <p:nvPr>
-            <p:ph type="title"/>
-          </p:nvPr>
-        </p:nvSpPr>
-        <p:spPr>
-          <a:xfrm>
-            <a:off x="931334" y="609600"/>
-            <a:ext cx="8094134" cy="3022600"/>
-          </a:xfrm>
-        </p:spPr>
-        <p:txBody>
-          <a:bodyPr anchor="ctr">
-            <a:normAutofit/>
-          </a:bodyPr>
-          <a:lstStyle>
-            <a:lvl1pPr algn="l">
-              <a:defRPr sz="4400" b="0" cap="none"/>
-            </a:lvl1pPr>
-          </a:lstStyle>
-          <a:p>
-            <a:r>
-              <a:rPr lang="ru-RU"/>
-              <a:t>Образец заголовка</a:t>
-            </a:r>
-            <a:endParaRPr lang="en-US" dirty="0"/>
-          </a:p>
-        </p:txBody>
-      </p:sp>
-      <p:sp>
-        <p:nvSpPr>
-          <p:cNvPr id="23" name="Text Placeholder 9"/>
-          <p:cNvSpPr>
-            <a:spLocks noGrp="1"/>
-          </p:cNvSpPr>
-          <p:nvPr>
-            <p:ph type="body" sz="quarter" idx="13"/>
-          </p:nvPr>
-        </p:nvSpPr>
-        <p:spPr>
-          <a:xfrm>
-            <a:off x="1366139" y="3632200"/>
-            <a:ext cx="7224524" cy="381000"/>
-          </a:xfrm>
-        </p:spPr>
-        <p:txBody>
-          <a:bodyPr anchor="ctr">
-            <a:noAutofit/>
-          </a:bodyPr>
-          <a:lstStyle>
-            <a:lvl1pPr marL="0" indent="0">
-              <a:buFontTx/>
-              <a:buNone/>
-              <a:defRPr sz="1600">
-                <a:solidFill>
-                  <a:schemeClr val="tx1">
-                    <a:lumMod val="50000"/>
-                    <a:lumOff val="50000"/>
-                  </a:schemeClr>
-                </a:solidFill>
-              </a:defRPr>
-            </a:lvl1pPr>
-            <a:lvl2pPr marL="457200" indent="0">
-              <a:buFontTx/>
-              <a:buNone/>
-              <a:defRPr/>
-            </a:lvl2pPr>
-            <a:lvl3pPr marL="914400" indent="0">
-              <a:buFontTx/>
-              <a:buNone/>
-              <a:defRPr/>
-            </a:lvl3pPr>
-            <a:lvl4pPr marL="1371600" indent="0">
-              <a:buFontTx/>
-              <a:buNone/>
-              <a:defRPr/>
-            </a:lvl4pPr>
-            <a:lvl5pPr marL="1828800" indent="0">
-              <a:buFontTx/>
-              <a:buNone/>
-              <a:defRPr/>
-            </a:lvl5pPr>
-          </a:lstStyle>
-          <a:p>
-            <a:pPr lvl="0"/>
-            <a:r>
-              <a:rPr lang="ru-RU"/>
-              <a:t>Образец текста</a:t>
-            </a:r>
-          </a:p>
-        </p:txBody>
-      </p:sp>
-      <p:sp>
-        <p:nvSpPr>
-          <p:cNvPr id="3" name="Text Placeholder 2"/>
-          <p:cNvSpPr>
-            <a:spLocks noGrp="1"/>
-          </p:cNvSpPr>
-          <p:nvPr>
-            <p:ph type="body" idx="1"/>
-          </p:nvPr>
-        </p:nvSpPr>
-        <p:spPr>
-          <a:xfrm>
-            <a:off x="677335" y="4470400"/>
-            <a:ext cx="8596668" cy="1570962"/>
-          </a:xfrm>
-        </p:spPr>
-        <p:txBody>
-          <a:bodyPr anchor="ctr">
-            <a:normAutofit/>
-          </a:bodyPr>
-          <a:lstStyle>
-            <a:lvl1pPr marL="0" indent="0" algn="l">
-              <a:buNone/>
-              <a:defRPr sz="1800">
-                <a:solidFill>
-                  <a:schemeClr val="tx1">
-                    <a:lumMod val="75000"/>
-                    <a:lumOff val="25000"/>
-                  </a:schemeClr>
-                </a:solidFill>
-              </a:defRPr>
-            </a:lvl1pPr>
-            <a:lvl2pPr marL="457200" indent="0">
-              <a:buNone/>
-              <a:defRPr sz="1800">
-                <a:solidFill>
-                  <a:schemeClr val="tx1">
-                    <a:tint val="75000"/>
-                  </a:schemeClr>
-                </a:solidFill>
-              </a:defRPr>
-            </a:lvl2pPr>
-            <a:lvl3pPr marL="914400" indent="0">
-              <a:buNone/>
-              <a:defRPr sz="1600">
-                <a:solidFill>
-                  <a:schemeClr val="tx1">
-                    <a:tint val="75000"/>
-                  </a:schemeClr>
-                </a:solidFill>
-              </a:defRPr>
-            </a:lvl3pPr>
-            <a:lvl4pPr marL="1371600" indent="0">
-              <a:buNone/>
-              <a:defRPr sz="1400">
-                <a:solidFill>
-                  <a:schemeClr val="tx1">
-                    <a:tint val="75000"/>
-                  </a:schemeClr>
-                </a:solidFill>
-              </a:defRPr>
-            </a:lvl4pPr>
-            <a:lvl5pPr marL="1828800" indent="0">
-              <a:buNone/>
-              <a:defRPr sz="1400">
-                <a:solidFill>
-                  <a:schemeClr val="tx1">
-                    <a:tint val="75000"/>
-                  </a:schemeClr>
-                </a:solidFill>
-              </a:defRPr>
-            </a:lvl5pPr>
-            <a:lvl6pPr marL="2286000" indent="0">
-              <a:buNone/>
-              <a:defRPr sz="1400">
-                <a:solidFill>
-                  <a:schemeClr val="tx1">
-                    <a:tint val="75000"/>
-                  </a:schemeClr>
-                </a:solidFill>
-              </a:defRPr>
-            </a:lvl6pPr>
-            <a:lvl7pPr marL="2743200" indent="0">
-              <a:buNone/>
-              <a:defRPr sz="1400">
-                <a:solidFill>
-                  <a:schemeClr val="tx1">
-                    <a:tint val="75000"/>
-                  </a:schemeClr>
-                </a:solidFill>
-              </a:defRPr>
-            </a:lvl7pPr>
-            <a:lvl8pPr marL="3200400" indent="0">
-              <a:buNone/>
-              <a:defRPr sz="1400">
-                <a:solidFill>
-                  <a:schemeClr val="tx1">
-                    <a:tint val="75000"/>
-                  </a:schemeClr>
-                </a:solidFill>
-              </a:defRPr>
-            </a:lvl8pPr>
-            <a:lvl9pPr marL="3657600" indent="0">
-              <a:buNone/>
-              <a:defRPr sz="1400">
-                <a:solidFill>
-                  <a:schemeClr val="tx1">
-                    <a:tint val="75000"/>
-                  </a:schemeClr>
-                </a:solidFill>
-              </a:defRPr>
-            </a:lvl9pPr>
-          </a:lstStyle>
-          <a:p>
-            <a:pPr lvl="0"/>
-            <a:r>
-              <a:rPr lang="ru-RU"/>
-              <a:t>Образец текста</a:t>
-            </a:r>
-          </a:p>
-        </p:txBody>
-      </p:sp>
-      <p:sp>
-        <p:nvSpPr>
-          <p:cNvPr id="4" name="Date Placeholder 3"/>
-          <p:cNvSpPr>
-            <a:spLocks noGrp="1"/>
-          </p:cNvSpPr>
-          <p:nvPr>
-            <p:ph type="dt" sz="half" idx="10"/>
-          </p:nvPr>
-        </p:nvSpPr>
-        <p:spPr/>
-        <p:txBody>
-          <a:bodyPr/>
-          <a:lstStyle/>
-          <a:p>
-            <a:fld id="{B61BEF0D-F0BB-DE4B-95CE-6DB70DBA9567}" type="datetimeFigureOut">
-              <a:rPr lang="en-US" dirty="0"/>
-              <a:pPr/>
-              <a:t>12/6/2020</a:t>
-            </a:fld>
-            <a:endParaRPr lang="en-US" dirty="0"/>
-          </a:p>
-        </p:txBody>
-      </p:sp>
-      <p:sp>
-        <p:nvSpPr>
-          <p:cNvPr id="5" name="Footer Placeholder 4"/>
-          <p:cNvSpPr>
-            <a:spLocks noGrp="1"/>
-          </p:cNvSpPr>
-          <p:nvPr>
-            <p:ph type="ftr" sz="quarter" idx="11"/>
-          </p:nvPr>
-        </p:nvSpPr>
-        <p:spPr/>
-        <p:txBody>
-          <a:bodyPr/>
-          <a:lstStyle/>
-          <a:p>
-            <a:endParaRPr lang="en-US" dirty="0"/>
-          </a:p>
-        </p:txBody>
-      </p:sp>
-      <p:sp>
-        <p:nvSpPr>
-          <p:cNvPr id="6" name="Slide Number Placeholder 5"/>
-          <p:cNvSpPr>
-            <a:spLocks noGrp="1"/>
-          </p:cNvSpPr>
-          <p:nvPr>
-            <p:ph type="sldNum" sz="quarter" idx="12"/>
-          </p:nvPr>
-        </p:nvSpPr>
-        <p:spPr/>
-        <p:txBody>
-          <a:bodyPr/>
-          <a:lstStyle/>
-          <a:p>
-            <a:fld id="{D57F1E4F-1CFF-5643-939E-217C01CDF565}" type="slidenum">
-              <a:rPr lang="en-US" dirty="0"/>
-              <a:pPr/>
-              <a:t>‹#›</a:t>
-            </a:fld>
-            <a:endParaRPr lang="en-US" dirty="0"/>
-          </a:p>
-        </p:txBody>
-      </p:sp>
-      <p:sp>
-        <p:nvSpPr>
-          <p:cNvPr id="20" name="TextBox 19"/>
-          <p:cNvSpPr txBox="1"/>
-          <p:nvPr/>
-        </p:nvSpPr>
-        <p:spPr>
-          <a:xfrm>
-            <a:off x="541870" y="790378"/>
-            <a:ext cx="609600" cy="584776"/>
-          </a:xfrm>
-          <a:prstGeom prst="rect">
-            <a:avLst/>
-          </a:prstGeom>
-        </p:spPr>
-        <p:txBody>
-          <a:bodyPr vert="horz" lIns="91440" tIns="45720" rIns="91440" bIns="45720" rtlCol="0" anchor="ctr">
-            <a:noAutofit/>
-          </a:bodyPr>
-          <a:lstStyle/>
-          <a:p>
-            <a:pPr lvl="0"/>
-            <a:r>
-              <a:rPr lang="en-US" sz="8000" baseline="0" dirty="0">
-                <a:ln w="3175" cmpd="sng">
-                  <a:noFill/>
-                </a:ln>
-                <a:solidFill>
-                  <a:schemeClr val="accent1">
-                    <a:lumMod val="60000"/>
-                    <a:lumOff val="40000"/>
-                  </a:schemeClr>
-                </a:solidFill>
-                <a:effectLst/>
-                <a:latin typeface="Arial"/>
-              </a:rPr>
-              <a:t>“</a:t>
-            </a:r>
-          </a:p>
-        </p:txBody>
-      </p:sp>
-      <p:sp>
-        <p:nvSpPr>
-          <p:cNvPr id="22" name="TextBox 21"/>
-          <p:cNvSpPr txBox="1"/>
-          <p:nvPr/>
-        </p:nvSpPr>
-        <p:spPr>
-          <a:xfrm>
-            <a:off x="8893011" y="2886556"/>
-            <a:ext cx="609600" cy="584776"/>
-          </a:xfrm>
-          <a:prstGeom prst="rect">
-            <a:avLst/>
-          </a:prstGeom>
-        </p:spPr>
-        <p:txBody>
-          <a:bodyPr vert="horz" lIns="91440" tIns="45720" rIns="91440" bIns="45720" rtlCol="0" anchor="ctr">
-            <a:noAutofit/>
-          </a:bodyPr>
-          <a:lstStyle/>
-          <a:p>
-            <a:pPr lvl="0"/>
-            <a:r>
-              <a:rPr lang="en-US" sz="8000" baseline="0" dirty="0">
-                <a:ln w="3175" cmpd="sng">
-                  <a:noFill/>
-                </a:ln>
-                <a:solidFill>
-                  <a:schemeClr val="accent1">
-                    <a:lumMod val="60000"/>
-                    <a:lumOff val="40000"/>
-                  </a:schemeClr>
-                </a:solidFill>
-                <a:latin typeface="Arial"/>
-              </a:rPr>
-              <a:t>”</a:t>
-            </a:r>
-            <a:endParaRPr lang="en-US" dirty="0">
-              <a:solidFill>
-                <a:schemeClr val="accent1">
-                  <a:lumMod val="60000"/>
-                  <a:lumOff val="40000"/>
-                </a:schemeClr>
-              </a:solidFill>
-              <a:latin typeface="Arial"/>
-            </a:endParaRPr>
-          </a:p>
-        </p:txBody>
-      </p:sp>
-    </p:spTree>
-  </p:cSld>
-  <p:clrMapOvr>
-    <a:masterClrMapping/>
-  </p:clrMapOvr>
-</p:sldLayout>
-</file>
-
-<file path=ppt/slideLayouts/slideLayout12.xml><?xml version="1.0" encoding="utf-8"?>
-<p:sldLayout xmlns:a="http://schemas.openxmlformats.org/drawingml/2006/main" xmlns:r="http://schemas.openxmlformats.org/officeDocument/2006/relationships" xmlns:p="http://schemas.openxmlformats.org/presentationml/2006/main" preserve="1">
-  <p:cSld name="Карточка имени">
-    <p:spTree>
-      <p:nvGrpSpPr>
-        <p:cNvPr id="1" name=""/>
-        <p:cNvGrpSpPr/>
-        <p:nvPr/>
-      </p:nvGrpSpPr>
-      <p:grpSpPr>
-        <a:xfrm>
-          <a:off x="0" y="0"/>
-          <a:ext cx="0" cy="0"/>
-          <a:chOff x="0" y="0"/>
-          <a:chExt cx="0" cy="0"/>
-        </a:xfrm>
-      </p:grpSpPr>
-      <p:sp>
-        <p:nvSpPr>
-          <p:cNvPr id="2" name="Title 1"/>
-          <p:cNvSpPr>
-            <a:spLocks noGrp="1"/>
-          </p:cNvSpPr>
-          <p:nvPr>
-            <p:ph type="title"/>
-          </p:nvPr>
-        </p:nvSpPr>
-        <p:spPr>
-          <a:xfrm>
-            <a:off x="677335" y="1931988"/>
-            <a:ext cx="8596668" cy="2595460"/>
-          </a:xfrm>
-        </p:spPr>
-        <p:txBody>
-          <a:bodyPr anchor="b">
-            <a:normAutofit/>
-          </a:bodyPr>
-          <a:lstStyle>
-            <a:lvl1pPr algn="l">
-              <a:defRPr sz="4400" b="0" cap="none"/>
-            </a:lvl1pPr>
-          </a:lstStyle>
-          <a:p>
-            <a:r>
-              <a:rPr lang="ru-RU"/>
-              <a:t>Образец заголовка</a:t>
-            </a:r>
-            <a:endParaRPr lang="en-US" dirty="0"/>
-          </a:p>
-        </p:txBody>
-      </p:sp>
-      <p:sp>
-        <p:nvSpPr>
-          <p:cNvPr id="3" name="Text Placeholder 2"/>
-          <p:cNvSpPr>
-            <a:spLocks noGrp="1"/>
-          </p:cNvSpPr>
-          <p:nvPr>
-            <p:ph type="body" idx="1"/>
-          </p:nvPr>
-        </p:nvSpPr>
-        <p:spPr>
-          <a:xfrm>
-            <a:off x="677335" y="4527448"/>
-            <a:ext cx="8596668" cy="1513914"/>
-          </a:xfrm>
-        </p:spPr>
-        <p:txBody>
-          <a:bodyPr anchor="t">
-            <a:normAutofit/>
-          </a:bodyPr>
-          <a:lstStyle>
-            <a:lvl1pPr marL="0" indent="0" algn="l">
-              <a:buNone/>
-              <a:defRPr sz="1800">
-                <a:solidFill>
-                  <a:schemeClr val="tx1">
-                    <a:lumMod val="75000"/>
-                    <a:lumOff val="25000"/>
-                  </a:schemeClr>
-                </a:solidFill>
-              </a:defRPr>
-            </a:lvl1pPr>
-            <a:lvl2pPr marL="457200" indent="0">
-              <a:buNone/>
-              <a:defRPr sz="1800">
-                <a:solidFill>
-                  <a:schemeClr val="tx1">
-                    <a:tint val="75000"/>
-                  </a:schemeClr>
-                </a:solidFill>
-              </a:defRPr>
-            </a:lvl2pPr>
-            <a:lvl3pPr marL="914400" indent="0">
-              <a:buNone/>
-              <a:defRPr sz="1600">
-                <a:solidFill>
-                  <a:schemeClr val="tx1">
-                    <a:tint val="75000"/>
-                  </a:schemeClr>
-                </a:solidFill>
-              </a:defRPr>
-            </a:lvl3pPr>
-            <a:lvl4pPr marL="1371600" indent="0">
-              <a:buNone/>
-              <a:defRPr sz="1400">
-                <a:solidFill>
-                  <a:schemeClr val="tx1">
-                    <a:tint val="75000"/>
-                  </a:schemeClr>
-                </a:solidFill>
-              </a:defRPr>
-            </a:lvl4pPr>
-            <a:lvl5pPr marL="1828800" indent="0">
-              <a:buNone/>
-              <a:defRPr sz="1400">
-                <a:solidFill>
-                  <a:schemeClr val="tx1">
-                    <a:tint val="75000"/>
-                  </a:schemeClr>
-                </a:solidFill>
-              </a:defRPr>
-            </a:lvl5pPr>
-            <a:lvl6pPr marL="2286000" indent="0">
-              <a:buNone/>
-              <a:defRPr sz="1400">
-                <a:solidFill>
-                  <a:schemeClr val="tx1">
-                    <a:tint val="75000"/>
-                  </a:schemeClr>
-                </a:solidFill>
-              </a:defRPr>
-            </a:lvl6pPr>
-            <a:lvl7pPr marL="2743200" indent="0">
-              <a:buNone/>
-              <a:defRPr sz="1400">
-                <a:solidFill>
-                  <a:schemeClr val="tx1">
-                    <a:tint val="75000"/>
-                  </a:schemeClr>
-                </a:solidFill>
-              </a:defRPr>
-            </a:lvl7pPr>
-            <a:lvl8pPr marL="3200400" indent="0">
-              <a:buNone/>
-              <a:defRPr sz="1400">
-                <a:solidFill>
-                  <a:schemeClr val="tx1">
-                    <a:tint val="75000"/>
-                  </a:schemeClr>
-                </a:solidFill>
-              </a:defRPr>
-            </a:lvl8pPr>
-            <a:lvl9pPr marL="3657600" indent="0">
-              <a:buNone/>
-              <a:defRPr sz="1400">
-                <a:solidFill>
-                  <a:schemeClr val="tx1">
-                    <a:tint val="75000"/>
-                  </a:schemeClr>
-                </a:solidFill>
-              </a:defRPr>
-            </a:lvl9pPr>
-          </a:lstStyle>
-          <a:p>
-            <a:pPr lvl="0"/>
-            <a:r>
-              <a:rPr lang="ru-RU"/>
-              <a:t>Образец текста</a:t>
-            </a:r>
-          </a:p>
-        </p:txBody>
-      </p:sp>
-      <p:sp>
-        <p:nvSpPr>
-          <p:cNvPr id="4" name="Date Placeholder 3"/>
-          <p:cNvSpPr>
-            <a:spLocks noGrp="1"/>
-          </p:cNvSpPr>
-          <p:nvPr>
-            <p:ph type="dt" sz="half" idx="10"/>
-          </p:nvPr>
-        </p:nvSpPr>
-        <p:spPr/>
-        <p:txBody>
-          <a:bodyPr/>
-          <a:lstStyle/>
-          <a:p>
-            <a:fld id="{B61BEF0D-F0BB-DE4B-95CE-6DB70DBA9567}" type="datetimeFigureOut">
-              <a:rPr lang="en-US" dirty="0"/>
-              <a:pPr/>
-              <a:t>12/6/2020</a:t>
-            </a:fld>
-            <a:endParaRPr lang="en-US" dirty="0"/>
-          </a:p>
-        </p:txBody>
-      </p:sp>
-      <p:sp>
-        <p:nvSpPr>
-          <p:cNvPr id="5" name="Footer Placeholder 4"/>
-          <p:cNvSpPr>
-            <a:spLocks noGrp="1"/>
-          </p:cNvSpPr>
-          <p:nvPr>
-            <p:ph type="ftr" sz="quarter" idx="11"/>
-          </p:nvPr>
-        </p:nvSpPr>
-        <p:spPr/>
-        <p:txBody>
-          <a:bodyPr/>
-          <a:lstStyle/>
-          <a:p>
-            <a:endParaRPr lang="en-US" dirty="0"/>
-          </a:p>
-        </p:txBody>
-      </p:sp>
-      <p:sp>
-        <p:nvSpPr>
-          <p:cNvPr id="6" name="Slide Number Placeholder 5"/>
-          <p:cNvSpPr>
-            <a:spLocks noGrp="1"/>
-          </p:cNvSpPr>
-          <p:nvPr>
-            <p:ph type="sldNum" sz="quarter" idx="12"/>
-          </p:nvPr>
-        </p:nvSpPr>
-        <p:spPr/>
-        <p:txBody>
-          <a:bodyPr/>
-          <a:lstStyle/>
-          <a:p>
-            <a:fld id="{D57F1E4F-1CFF-5643-939E-217C01CDF565}" type="slidenum">
-              <a:rPr lang="en-US" dirty="0"/>
-              <a:pPr/>
-              <a:t>‹#›</a:t>
-            </a:fld>
-            <a:endParaRPr lang="en-US" dirty="0"/>
-          </a:p>
-        </p:txBody>
-      </p:sp>
-    </p:spTree>
-  </p:cSld>
-  <p:clrMapOvr>
-    <a:masterClrMapping/>
-  </p:clrMapOvr>
-</p:sldLayout>
-</file>
-
-<file path=ppt/slideLayouts/slideLayout13.xml><?xml version="1.0" encoding="utf-8"?>
-<p:sldLayout xmlns:a="http://schemas.openxmlformats.org/drawingml/2006/main" xmlns:r="http://schemas.openxmlformats.org/officeDocument/2006/relationships" xmlns:p="http://schemas.openxmlformats.org/presentationml/2006/main" preserve="1">
-  <p:cSld name="Цитата карточки имени">
-    <p:spTree>
-      <p:nvGrpSpPr>
-        <p:cNvPr id="1" name=""/>
-        <p:cNvGrpSpPr/>
-        <p:nvPr/>
-      </p:nvGrpSpPr>
-      <p:grpSpPr>
-        <a:xfrm>
-          <a:off x="0" y="0"/>
-          <a:ext cx="0" cy="0"/>
-          <a:chOff x="0" y="0"/>
-          <a:chExt cx="0" cy="0"/>
-        </a:xfrm>
-      </p:grpSpPr>
-      <p:sp>
-        <p:nvSpPr>
-          <p:cNvPr id="2" name="Title 1"/>
-          <p:cNvSpPr>
-            <a:spLocks noGrp="1"/>
-          </p:cNvSpPr>
-          <p:nvPr>
-            <p:ph type="title"/>
-          </p:nvPr>
-        </p:nvSpPr>
-        <p:spPr>
-          <a:xfrm>
-            <a:off x="931334" y="609600"/>
-            <a:ext cx="8094134" cy="3022600"/>
-          </a:xfrm>
-        </p:spPr>
-        <p:txBody>
-          <a:bodyPr anchor="ctr">
-            <a:normAutofit/>
-          </a:bodyPr>
-          <a:lstStyle>
-            <a:lvl1pPr algn="l">
-              <a:defRPr sz="4400" b="0" cap="none"/>
-            </a:lvl1pPr>
-          </a:lstStyle>
-          <a:p>
-            <a:r>
-              <a:rPr lang="ru-RU"/>
-              <a:t>Образец заголовка</a:t>
-            </a:r>
-            <a:endParaRPr lang="en-US" dirty="0"/>
-          </a:p>
-        </p:txBody>
-      </p:sp>
-      <p:sp>
-        <p:nvSpPr>
-          <p:cNvPr id="23" name="Text Placeholder 9"/>
-          <p:cNvSpPr>
-            <a:spLocks noGrp="1"/>
-          </p:cNvSpPr>
-          <p:nvPr>
-            <p:ph type="body" sz="quarter" idx="13"/>
-          </p:nvPr>
-        </p:nvSpPr>
-        <p:spPr>
-          <a:xfrm>
-            <a:off x="677332" y="4013200"/>
-            <a:ext cx="8596669" cy="514248"/>
-          </a:xfrm>
-        </p:spPr>
-        <p:txBody>
-          <a:bodyPr anchor="b">
-            <a:noAutofit/>
-          </a:bodyPr>
-          <a:lstStyle>
-            <a:lvl1pPr marL="0" indent="0">
-              <a:buFontTx/>
-              <a:buNone/>
-              <a:defRPr sz="2400">
-                <a:solidFill>
-                  <a:schemeClr val="tx1">
-                    <a:lumMod val="75000"/>
-                    <a:lumOff val="25000"/>
-                  </a:schemeClr>
-                </a:solidFill>
-              </a:defRPr>
-            </a:lvl1pPr>
-            <a:lvl2pPr marL="457200" indent="0">
-              <a:buFontTx/>
-              <a:buNone/>
-              <a:defRPr/>
-            </a:lvl2pPr>
-            <a:lvl3pPr marL="914400" indent="0">
-              <a:buFontTx/>
-              <a:buNone/>
-              <a:defRPr/>
-            </a:lvl3pPr>
-            <a:lvl4pPr marL="1371600" indent="0">
-              <a:buFontTx/>
-              <a:buNone/>
-              <a:defRPr/>
-            </a:lvl4pPr>
-            <a:lvl5pPr marL="1828800" indent="0">
-              <a:buFontTx/>
-              <a:buNone/>
-              <a:defRPr/>
-            </a:lvl5pPr>
-          </a:lstStyle>
-          <a:p>
-            <a:pPr lvl="0"/>
-            <a:r>
-              <a:rPr lang="ru-RU"/>
-              <a:t>Образец текста</a:t>
-            </a:r>
-          </a:p>
-        </p:txBody>
-      </p:sp>
-      <p:sp>
-        <p:nvSpPr>
-          <p:cNvPr id="3" name="Text Placeholder 2"/>
-          <p:cNvSpPr>
-            <a:spLocks noGrp="1"/>
-          </p:cNvSpPr>
-          <p:nvPr>
-            <p:ph type="body" idx="1"/>
-          </p:nvPr>
-        </p:nvSpPr>
-        <p:spPr>
-          <a:xfrm>
-            <a:off x="677335" y="4527448"/>
-            <a:ext cx="8596668" cy="1513914"/>
-          </a:xfrm>
-        </p:spPr>
-        <p:txBody>
-          <a:bodyPr anchor="t">
-            <a:normAutofit/>
-          </a:bodyPr>
-          <a:lstStyle>
-            <a:lvl1pPr marL="0" indent="0" algn="l">
-              <a:buNone/>
-              <a:defRPr sz="1800">
-                <a:solidFill>
-                  <a:schemeClr val="tx1">
-                    <a:lumMod val="50000"/>
-                    <a:lumOff val="50000"/>
-                  </a:schemeClr>
-                </a:solidFill>
-              </a:defRPr>
-            </a:lvl1pPr>
-            <a:lvl2pPr marL="457200" indent="0">
-              <a:buNone/>
-              <a:defRPr sz="1800">
-                <a:solidFill>
-                  <a:schemeClr val="tx1">
-                    <a:tint val="75000"/>
-                  </a:schemeClr>
-                </a:solidFill>
-              </a:defRPr>
-            </a:lvl2pPr>
-            <a:lvl3pPr marL="914400" indent="0">
-              <a:buNone/>
-              <a:defRPr sz="1600">
-                <a:solidFill>
-                  <a:schemeClr val="tx1">
-                    <a:tint val="75000"/>
-                  </a:schemeClr>
-                </a:solidFill>
-              </a:defRPr>
-            </a:lvl3pPr>
-            <a:lvl4pPr marL="1371600" indent="0">
-              <a:buNone/>
-              <a:defRPr sz="1400">
-                <a:solidFill>
-                  <a:schemeClr val="tx1">
-                    <a:tint val="75000"/>
-                  </a:schemeClr>
-                </a:solidFill>
-              </a:defRPr>
-            </a:lvl4pPr>
-            <a:lvl5pPr marL="1828800" indent="0">
-              <a:buNone/>
-              <a:defRPr sz="1400">
-                <a:solidFill>
-                  <a:schemeClr val="tx1">
-                    <a:tint val="75000"/>
-                  </a:schemeClr>
-                </a:solidFill>
-              </a:defRPr>
-            </a:lvl5pPr>
-            <a:lvl6pPr marL="2286000" indent="0">
-              <a:buNone/>
-              <a:defRPr sz="1400">
-                <a:solidFill>
-                  <a:schemeClr val="tx1">
-                    <a:tint val="75000"/>
-                  </a:schemeClr>
-                </a:solidFill>
-              </a:defRPr>
-            </a:lvl6pPr>
-            <a:lvl7pPr marL="2743200" indent="0">
-              <a:buNone/>
-              <a:defRPr sz="1400">
-                <a:solidFill>
-                  <a:schemeClr val="tx1">
-                    <a:tint val="75000"/>
-                  </a:schemeClr>
-                </a:solidFill>
-              </a:defRPr>
-            </a:lvl7pPr>
-            <a:lvl8pPr marL="3200400" indent="0">
-              <a:buNone/>
-              <a:defRPr sz="1400">
-                <a:solidFill>
-                  <a:schemeClr val="tx1">
-                    <a:tint val="75000"/>
-                  </a:schemeClr>
-                </a:solidFill>
-              </a:defRPr>
-            </a:lvl8pPr>
-            <a:lvl9pPr marL="3657600" indent="0">
-              <a:buNone/>
-              <a:defRPr sz="1400">
-                <a:solidFill>
-                  <a:schemeClr val="tx1">
-                    <a:tint val="75000"/>
-                  </a:schemeClr>
-                </a:solidFill>
-              </a:defRPr>
-            </a:lvl9pPr>
-          </a:lstStyle>
-          <a:p>
-            <a:pPr lvl="0"/>
-            <a:r>
-              <a:rPr lang="ru-RU"/>
-              <a:t>Образец текста</a:t>
-            </a:r>
-          </a:p>
-        </p:txBody>
-      </p:sp>
-      <p:sp>
-        <p:nvSpPr>
-          <p:cNvPr id="4" name="Date Placeholder 3"/>
-          <p:cNvSpPr>
-            <a:spLocks noGrp="1"/>
-          </p:cNvSpPr>
-          <p:nvPr>
-            <p:ph type="dt" sz="half" idx="10"/>
-          </p:nvPr>
-        </p:nvSpPr>
-        <p:spPr/>
-        <p:txBody>
-          <a:bodyPr/>
-          <a:lstStyle/>
-          <a:p>
-            <a:fld id="{B61BEF0D-F0BB-DE4B-95CE-6DB70DBA9567}" type="datetimeFigureOut">
-              <a:rPr lang="en-US" dirty="0"/>
-              <a:pPr/>
-              <a:t>12/6/2020</a:t>
-            </a:fld>
-            <a:endParaRPr lang="en-US" dirty="0"/>
-          </a:p>
-        </p:txBody>
-      </p:sp>
-      <p:sp>
-        <p:nvSpPr>
-          <p:cNvPr id="5" name="Footer Placeholder 4"/>
-          <p:cNvSpPr>
-            <a:spLocks noGrp="1"/>
-          </p:cNvSpPr>
-          <p:nvPr>
-            <p:ph type="ftr" sz="quarter" idx="11"/>
-          </p:nvPr>
-        </p:nvSpPr>
-        <p:spPr/>
-        <p:txBody>
-          <a:bodyPr/>
-          <a:lstStyle/>
-          <a:p>
-            <a:endParaRPr lang="en-US" dirty="0"/>
-          </a:p>
-        </p:txBody>
-      </p:sp>
-      <p:sp>
-        <p:nvSpPr>
-          <p:cNvPr id="6" name="Slide Number Placeholder 5"/>
-          <p:cNvSpPr>
-            <a:spLocks noGrp="1"/>
-          </p:cNvSpPr>
-          <p:nvPr>
-            <p:ph type="sldNum" sz="quarter" idx="12"/>
-          </p:nvPr>
-        </p:nvSpPr>
-        <p:spPr/>
-        <p:txBody>
-          <a:bodyPr/>
-          <a:lstStyle/>
-          <a:p>
-            <a:fld id="{D57F1E4F-1CFF-5643-939E-217C01CDF565}" type="slidenum">
-              <a:rPr lang="en-US" dirty="0"/>
-              <a:pPr/>
-              <a:t>‹#›</a:t>
-            </a:fld>
-            <a:endParaRPr lang="en-US" dirty="0"/>
-          </a:p>
-        </p:txBody>
-      </p:sp>
-      <p:sp>
-        <p:nvSpPr>
-          <p:cNvPr id="24" name="TextBox 23"/>
-          <p:cNvSpPr txBox="1"/>
-          <p:nvPr/>
-        </p:nvSpPr>
-        <p:spPr>
-          <a:xfrm>
-            <a:off x="541870" y="790378"/>
-            <a:ext cx="609600" cy="584776"/>
-          </a:xfrm>
-          <a:prstGeom prst="rect">
-            <a:avLst/>
-          </a:prstGeom>
-        </p:spPr>
-        <p:txBody>
-          <a:bodyPr vert="horz" lIns="91440" tIns="45720" rIns="91440" bIns="45720" rtlCol="0" anchor="ctr">
-            <a:noAutofit/>
-          </a:bodyPr>
-          <a:lstStyle/>
-          <a:p>
-            <a:pPr lvl="0"/>
-            <a:r>
-              <a:rPr lang="en-US" sz="8000" baseline="0" dirty="0">
-                <a:ln w="3175" cmpd="sng">
-                  <a:noFill/>
-                </a:ln>
-                <a:solidFill>
-                  <a:schemeClr val="accent1">
-                    <a:lumMod val="60000"/>
-                    <a:lumOff val="40000"/>
-                  </a:schemeClr>
-                </a:solidFill>
-                <a:effectLst/>
-                <a:latin typeface="Arial"/>
-              </a:rPr>
-              <a:t>“</a:t>
-            </a:r>
-          </a:p>
-        </p:txBody>
-      </p:sp>
-      <p:sp>
-        <p:nvSpPr>
-          <p:cNvPr id="25" name="TextBox 24"/>
-          <p:cNvSpPr txBox="1"/>
-          <p:nvPr/>
-        </p:nvSpPr>
-        <p:spPr>
-          <a:xfrm>
-            <a:off x="8893011" y="2886556"/>
-            <a:ext cx="609600" cy="584776"/>
-          </a:xfrm>
-          <a:prstGeom prst="rect">
-            <a:avLst/>
-          </a:prstGeom>
-        </p:spPr>
-        <p:txBody>
-          <a:bodyPr vert="horz" lIns="91440" tIns="45720" rIns="91440" bIns="45720" rtlCol="0" anchor="ctr">
-            <a:noAutofit/>
-          </a:bodyPr>
-          <a:lstStyle/>
-          <a:p>
-            <a:pPr lvl="0"/>
-            <a:r>
-              <a:rPr lang="en-US" sz="8000" baseline="0" dirty="0">
-                <a:ln w="3175" cmpd="sng">
-                  <a:noFill/>
-                </a:ln>
-                <a:solidFill>
-                  <a:schemeClr val="accent1">
-                    <a:lumMod val="60000"/>
-                    <a:lumOff val="40000"/>
-                  </a:schemeClr>
-                </a:solidFill>
-                <a:effectLst/>
-                <a:latin typeface="Arial"/>
-              </a:rPr>
-              <a:t>”</a:t>
-            </a:r>
-          </a:p>
-        </p:txBody>
-      </p:sp>
-    </p:spTree>
-  </p:cSld>
-  <p:clrMapOvr>
-    <a:masterClrMapping/>
-  </p:clrMapOvr>
-</p:sldLayout>
-</file>
-
-<file path=ppt/slideLayouts/slideLayout14.xml><?xml version="1.0" encoding="utf-8"?>
-<p:sldLayout xmlns:a="http://schemas.openxmlformats.org/drawingml/2006/main" xmlns:r="http://schemas.openxmlformats.org/officeDocument/2006/relationships" xmlns:p="http://schemas.openxmlformats.org/presentationml/2006/main" preserve="1">
-  <p:cSld name="Истина или ложь">
-    <p:spTree>
-      <p:nvGrpSpPr>
-        <p:cNvPr id="1" name=""/>
-        <p:cNvGrpSpPr/>
-        <p:nvPr/>
-      </p:nvGrpSpPr>
-      <p:grpSpPr>
-        <a:xfrm>
-          <a:off x="0" y="0"/>
-          <a:ext cx="0" cy="0"/>
-          <a:chOff x="0" y="0"/>
-          <a:chExt cx="0" cy="0"/>
-        </a:xfrm>
-      </p:grpSpPr>
-      <p:sp>
-        <p:nvSpPr>
-          <p:cNvPr id="2" name="Title 1"/>
-          <p:cNvSpPr>
-            <a:spLocks noGrp="1"/>
-          </p:cNvSpPr>
-          <p:nvPr>
-            <p:ph type="title"/>
-          </p:nvPr>
-        </p:nvSpPr>
-        <p:spPr>
-          <a:xfrm>
-            <a:off x="685799" y="609600"/>
-            <a:ext cx="8588203" cy="3022600"/>
-          </a:xfrm>
-        </p:spPr>
-        <p:txBody>
-          <a:bodyPr anchor="ctr">
-            <a:normAutofit/>
-          </a:bodyPr>
-          <a:lstStyle>
-            <a:lvl1pPr algn="l">
-              <a:defRPr sz="4400" b="0" cap="none"/>
-            </a:lvl1pPr>
-          </a:lstStyle>
-          <a:p>
-            <a:r>
-              <a:rPr lang="ru-RU"/>
-              <a:t>Образец заголовка</a:t>
-            </a:r>
-            <a:endParaRPr lang="en-US" dirty="0"/>
-          </a:p>
-        </p:txBody>
-      </p:sp>
-      <p:sp>
-        <p:nvSpPr>
-          <p:cNvPr id="23" name="Text Placeholder 9"/>
-          <p:cNvSpPr>
-            <a:spLocks noGrp="1"/>
-          </p:cNvSpPr>
-          <p:nvPr>
-            <p:ph type="body" sz="quarter" idx="13"/>
-          </p:nvPr>
-        </p:nvSpPr>
-        <p:spPr>
-          <a:xfrm>
-            <a:off x="677332" y="4013200"/>
-            <a:ext cx="8596669" cy="514248"/>
-          </a:xfrm>
-        </p:spPr>
-        <p:txBody>
-          <a:bodyPr anchor="b">
-            <a:noAutofit/>
-          </a:bodyPr>
-          <a:lstStyle>
-            <a:lvl1pPr marL="0" indent="0">
-              <a:buFontTx/>
-              <a:buNone/>
-              <a:defRPr sz="2400">
-                <a:solidFill>
-                  <a:schemeClr val="accent1"/>
-                </a:solidFill>
-              </a:defRPr>
-            </a:lvl1pPr>
-            <a:lvl2pPr marL="457200" indent="0">
-              <a:buFontTx/>
-              <a:buNone/>
-              <a:defRPr/>
-            </a:lvl2pPr>
-            <a:lvl3pPr marL="914400" indent="0">
-              <a:buFontTx/>
-              <a:buNone/>
-              <a:defRPr/>
-            </a:lvl3pPr>
-            <a:lvl4pPr marL="1371600" indent="0">
-              <a:buFontTx/>
-              <a:buNone/>
-              <a:defRPr/>
-            </a:lvl4pPr>
-            <a:lvl5pPr marL="1828800" indent="0">
-              <a:buFontTx/>
-              <a:buNone/>
-              <a:defRPr/>
-            </a:lvl5pPr>
-          </a:lstStyle>
-          <a:p>
-            <a:pPr lvl="0"/>
-            <a:r>
-              <a:rPr lang="ru-RU"/>
-              <a:t>Образец текста</a:t>
-            </a:r>
-          </a:p>
-        </p:txBody>
-      </p:sp>
-      <p:sp>
-        <p:nvSpPr>
-          <p:cNvPr id="3" name="Text Placeholder 2"/>
-          <p:cNvSpPr>
-            <a:spLocks noGrp="1"/>
-          </p:cNvSpPr>
-          <p:nvPr>
-            <p:ph type="body" idx="1"/>
-          </p:nvPr>
-        </p:nvSpPr>
-        <p:spPr>
-          <a:xfrm>
-            <a:off x="677335" y="4527448"/>
-            <a:ext cx="8596668" cy="1513914"/>
-          </a:xfrm>
-        </p:spPr>
-        <p:txBody>
-          <a:bodyPr anchor="t">
-            <a:normAutofit/>
-          </a:bodyPr>
-          <a:lstStyle>
-            <a:lvl1pPr marL="0" indent="0" algn="l">
-              <a:buNone/>
-              <a:defRPr sz="1800">
-                <a:solidFill>
-                  <a:schemeClr val="tx1">
-                    <a:lumMod val="50000"/>
-                    <a:lumOff val="50000"/>
-                  </a:schemeClr>
-                </a:solidFill>
-              </a:defRPr>
-            </a:lvl1pPr>
-            <a:lvl2pPr marL="457200" indent="0">
-              <a:buNone/>
-              <a:defRPr sz="1800">
-                <a:solidFill>
-                  <a:schemeClr val="tx1">
-                    <a:tint val="75000"/>
-                  </a:schemeClr>
-                </a:solidFill>
-              </a:defRPr>
-            </a:lvl2pPr>
-            <a:lvl3pPr marL="914400" indent="0">
-              <a:buNone/>
-              <a:defRPr sz="1600">
-                <a:solidFill>
-                  <a:schemeClr val="tx1">
-                    <a:tint val="75000"/>
-                  </a:schemeClr>
-                </a:solidFill>
-              </a:defRPr>
-            </a:lvl3pPr>
-            <a:lvl4pPr marL="1371600" indent="0">
-              <a:buNone/>
-              <a:defRPr sz="1400">
-                <a:solidFill>
-                  <a:schemeClr val="tx1">
-                    <a:tint val="75000"/>
-                  </a:schemeClr>
-                </a:solidFill>
-              </a:defRPr>
-            </a:lvl4pPr>
-            <a:lvl5pPr marL="1828800" indent="0">
-              <a:buNone/>
-              <a:defRPr sz="1400">
-                <a:solidFill>
-                  <a:schemeClr val="tx1">
-                    <a:tint val="75000"/>
-                  </a:schemeClr>
-                </a:solidFill>
-              </a:defRPr>
-            </a:lvl5pPr>
-            <a:lvl6pPr marL="2286000" indent="0">
-              <a:buNone/>
-              <a:defRPr sz="1400">
-                <a:solidFill>
-                  <a:schemeClr val="tx1">
-                    <a:tint val="75000"/>
-                  </a:schemeClr>
-                </a:solidFill>
-              </a:defRPr>
-            </a:lvl6pPr>
-            <a:lvl7pPr marL="2743200" indent="0">
-              <a:buNone/>
-              <a:defRPr sz="1400">
-                <a:solidFill>
-                  <a:schemeClr val="tx1">
-                    <a:tint val="75000"/>
-                  </a:schemeClr>
-                </a:solidFill>
-              </a:defRPr>
-            </a:lvl7pPr>
-            <a:lvl8pPr marL="3200400" indent="0">
-              <a:buNone/>
-              <a:defRPr sz="1400">
-                <a:solidFill>
-                  <a:schemeClr val="tx1">
-                    <a:tint val="75000"/>
-                  </a:schemeClr>
-                </a:solidFill>
-              </a:defRPr>
-            </a:lvl8pPr>
-            <a:lvl9pPr marL="3657600" indent="0">
-              <a:buNone/>
-              <a:defRPr sz="1400">
-                <a:solidFill>
-                  <a:schemeClr val="tx1">
-                    <a:tint val="75000"/>
-                  </a:schemeClr>
-                </a:solidFill>
-              </a:defRPr>
-            </a:lvl9pPr>
-          </a:lstStyle>
-          <a:p>
-            <a:pPr lvl="0"/>
-            <a:r>
-              <a:rPr lang="ru-RU"/>
-              <a:t>Образец текста</a:t>
-            </a:r>
-          </a:p>
-        </p:txBody>
-      </p:sp>
-      <p:sp>
-        <p:nvSpPr>
-          <p:cNvPr id="4" name="Date Placeholder 3"/>
-          <p:cNvSpPr>
-            <a:spLocks noGrp="1"/>
-          </p:cNvSpPr>
-          <p:nvPr>
-            <p:ph type="dt" sz="half" idx="10"/>
-          </p:nvPr>
-        </p:nvSpPr>
-        <p:spPr/>
-        <p:txBody>
-          <a:bodyPr/>
-          <a:lstStyle/>
-          <a:p>
-            <a:fld id="{B61BEF0D-F0BB-DE4B-95CE-6DB70DBA9567}" type="datetimeFigureOut">
-              <a:rPr lang="en-US" dirty="0"/>
-              <a:pPr/>
-              <a:t>12/6/2020</a:t>
-            </a:fld>
-            <a:endParaRPr lang="en-US" dirty="0"/>
-          </a:p>
-        </p:txBody>
-      </p:sp>
-      <p:sp>
-        <p:nvSpPr>
-          <p:cNvPr id="5" name="Footer Placeholder 4"/>
-          <p:cNvSpPr>
-            <a:spLocks noGrp="1"/>
-          </p:cNvSpPr>
-          <p:nvPr>
-            <p:ph type="ftr" sz="quarter" idx="11"/>
-          </p:nvPr>
-        </p:nvSpPr>
-        <p:spPr/>
-        <p:txBody>
-          <a:bodyPr/>
-          <a:lstStyle/>
-          <a:p>
-            <a:endParaRPr lang="en-US" dirty="0"/>
-          </a:p>
-        </p:txBody>
-      </p:sp>
-      <p:sp>
-        <p:nvSpPr>
-          <p:cNvPr id="6" name="Slide Number Placeholder 5"/>
-          <p:cNvSpPr>
-            <a:spLocks noGrp="1"/>
-          </p:cNvSpPr>
-          <p:nvPr>
-            <p:ph type="sldNum" sz="quarter" idx="12"/>
-          </p:nvPr>
-        </p:nvSpPr>
-        <p:spPr/>
-        <p:txBody>
-          <a:bodyPr/>
-          <a:lstStyle/>
-          <a:p>
-            <a:fld id="{D57F1E4F-1CFF-5643-939E-217C01CDF565}" type="slidenum">
-              <a:rPr lang="en-US" dirty="0"/>
-              <a:pPr/>
-              <a:t>‹#›</a:t>
-            </a:fld>
-            <a:endParaRPr lang="en-US" dirty="0"/>
-          </a:p>
-        </p:txBody>
-      </p:sp>
-    </p:spTree>
-  </p:cSld>
-  <p:clrMapOvr>
-    <a:masterClrMapping/>
-  </p:clrMapOvr>
-</p:sldLayout>
-</file>
-
-<file path=ppt/slideLayouts/slideLayout15.xml><?xml version="1.0" encoding="utf-8"?>
 <p:sldLayout xmlns:a="http://schemas.openxmlformats.org/drawingml/2006/main" xmlns:r="http://schemas.openxmlformats.org/officeDocument/2006/relationships" xmlns:p="http://schemas.openxmlformats.org/presentationml/2006/main" type="vertTx" preserve="1">
   <p:cSld name="Заголовок и вертикальный текст">
     <p:spTree>
@@ -2563,7 +572,12 @@
             <p:ph type="body" orient="vert" idx="1"/>
           </p:nvPr>
         </p:nvSpPr>
-        <p:spPr/>
+        <p:spPr>
+          <a:xfrm>
+            <a:off x="1371600" y="2295525"/>
+            <a:ext cx="9601200" cy="3571875"/>
+          </a:xfrm>
+        </p:spPr>
         <p:txBody>
           <a:bodyPr vert="eaVert"/>
           <a:lstStyle/>
@@ -2620,9 +634,10 @@
           <a:bodyPr/>
           <a:lstStyle/>
           <a:p>
-            <a:fld id="{55C6B4A9-1611-4792-9094-5F34BCA07E0B}" type="datetimeFigureOut">
-              <a:rPr lang="en-US" dirty="0"/>
-              <a:t>12/6/2020</a:t>
+            <a:fld id="{B61BEF0D-F0BB-DE4B-95CE-6DB70DBA9567}" type="datetimeFigureOut">
+              <a:rPr lang="en-US" smtClean="0"/>
+              <a:pPr/>
+              <a:t>12/17/2020</a:t>
             </a:fld>
             <a:endParaRPr lang="en-US" dirty="0"/>
           </a:p>
@@ -2662,8 +677,9 @@
           <a:bodyPr/>
           <a:lstStyle/>
           <a:p>
-            <a:fld id="{89333C77-0158-454C-844F-B7AB9BD7DAD4}" type="slidenum">
-              <a:rPr lang="en-US" dirty="0"/>
+            <a:fld id="{D57F1E4F-1CFF-5643-939E-217C01CDF565}" type="slidenum">
+              <a:rPr lang="en-US" smtClean="0"/>
+              <a:pPr/>
               <a:t>‹#›</a:t>
             </a:fld>
             <a:endParaRPr lang="en-US" dirty="0"/>
@@ -2671,6 +687,11 @@
         </p:txBody>
       </p:sp>
     </p:spTree>
+    <p:extLst>
+      <p:ext uri="{BB962C8B-B14F-4D97-AF65-F5344CB8AC3E}">
+        <p14:creationId xmlns:p14="http://schemas.microsoft.com/office/powerpoint/2010/main" val="1204164097"/>
+      </p:ext>
+    </p:extLst>
   </p:cSld>
   <p:clrMapOvr>
     <a:masterClrMapping/>
@@ -2678,7 +699,7 @@
 </p:sldLayout>
 </file>
 
-<file path=ppt/slideLayouts/slideLayout16.xml><?xml version="1.0" encoding="utf-8"?>
+<file path=ppt/slideLayouts/slideLayout11.xml><?xml version="1.0" encoding="utf-8"?>
 <p:sldLayout xmlns:a="http://schemas.openxmlformats.org/drawingml/2006/main" xmlns:r="http://schemas.openxmlformats.org/officeDocument/2006/relationships" xmlns:p="http://schemas.openxmlformats.org/presentationml/2006/main" type="vertTitleAndTx" preserve="1">
   <p:cSld name="Вертикальный заголовок и текст">
     <p:spTree>
@@ -2707,12 +728,12 @@
         </p:nvSpPr>
         <p:spPr>
           <a:xfrm>
-            <a:off x="7967673" y="609599"/>
-            <a:ext cx="1304743" cy="5251451"/>
+            <a:off x="9596561" y="624156"/>
+            <a:ext cx="1565766" cy="5243244"/>
           </a:xfrm>
         </p:spPr>
         <p:txBody>
-          <a:bodyPr vert="eaVert" anchor="ctr"/>
+          <a:bodyPr vert="eaVert"/>
           <a:lstStyle/>
           <a:p>
             <a:r>
@@ -2735,8 +756,8 @@
         </p:nvSpPr>
         <p:spPr>
           <a:xfrm>
-            <a:off x="677335" y="609600"/>
-            <a:ext cx="7060150" cy="5251450"/>
+            <a:off x="1371600" y="624156"/>
+            <a:ext cx="8179641" cy="5243244"/>
           </a:xfrm>
         </p:spPr>
         <p:txBody>
@@ -2796,9 +817,9 @@
           <a:lstStyle/>
           <a:p>
             <a:fld id="{B61BEF0D-F0BB-DE4B-95CE-6DB70DBA9567}" type="datetimeFigureOut">
-              <a:rPr lang="en-US" dirty="0"/>
+              <a:rPr lang="en-US" smtClean="0"/>
               <a:pPr/>
-              <a:t>12/6/2020</a:t>
+              <a:t>12/17/2020</a:t>
             </a:fld>
             <a:endParaRPr lang="en-US" dirty="0"/>
           </a:p>
@@ -2839,7 +860,7 @@
           <a:lstStyle/>
           <a:p>
             <a:fld id="{D57F1E4F-1CFF-5643-939E-217C01CDF565}" type="slidenum">
-              <a:rPr lang="en-US" dirty="0"/>
+              <a:rPr lang="en-US" smtClean="0"/>
               <a:pPr/>
               <a:t>‹#›</a:t>
             </a:fld>
@@ -2848,6 +869,11 @@
         </p:txBody>
       </p:sp>
     </p:spTree>
+    <p:extLst>
+      <p:ext uri="{BB962C8B-B14F-4D97-AF65-F5344CB8AC3E}">
+        <p14:creationId xmlns:p14="http://schemas.microsoft.com/office/powerpoint/2010/main" val="940950100"/>
+      </p:ext>
+    </p:extLst>
   </p:cSld>
   <p:clrMapOvr>
     <a:masterClrMapping/>
@@ -2884,14 +910,8 @@
         </p:nvSpPr>
         <p:spPr/>
         <p:txBody>
-          <a:bodyPr>
-            <a:normAutofit/>
-          </a:bodyPr>
-          <a:lstStyle>
-            <a:lvl1pPr>
-              <a:defRPr sz="3600"/>
-            </a:lvl1pPr>
-          </a:lstStyle>
+          <a:bodyPr/>
+          <a:lstStyle/>
           <a:p>
             <a:r>
               <a:rPr lang="ru-RU"/>
@@ -2969,9 +989,9 @@
           <a:lstStyle/>
           <a:p>
             <a:fld id="{B61BEF0D-F0BB-DE4B-95CE-6DB70DBA9567}" type="datetimeFigureOut">
-              <a:rPr lang="en-US" dirty="0"/>
+              <a:rPr lang="en-US" smtClean="0"/>
               <a:pPr/>
-              <a:t>12/6/2020</a:t>
+              <a:t>12/17/2020</a:t>
             </a:fld>
             <a:endParaRPr lang="en-US" dirty="0"/>
           </a:p>
@@ -3012,7 +1032,7 @@
           <a:lstStyle/>
           <a:p>
             <a:fld id="{D57F1E4F-1CFF-5643-939E-217C01CDF565}" type="slidenum">
-              <a:rPr lang="en-US" dirty="0"/>
+              <a:rPr lang="en-US" smtClean="0"/>
               <a:pPr/>
               <a:t>‹#›</a:t>
             </a:fld>
@@ -3021,6 +1041,11 @@
         </p:txBody>
       </p:sp>
     </p:spTree>
+    <p:extLst>
+      <p:ext uri="{BB962C8B-B14F-4D97-AF65-F5344CB8AC3E}">
+        <p14:creationId xmlns:p14="http://schemas.microsoft.com/office/powerpoint/2010/main" val="2425546532"/>
+      </p:ext>
+    </p:extLst>
   </p:cSld>
   <p:clrMapOvr>
     <a:masterClrMapping/>
@@ -3029,8 +1054,13 @@
 </file>
 
 <file path=ppt/slideLayouts/slideLayout3.xml><?xml version="1.0" encoding="utf-8"?>
-<p:sldLayout xmlns:a="http://schemas.openxmlformats.org/drawingml/2006/main" xmlns:r="http://schemas.openxmlformats.org/officeDocument/2006/relationships" xmlns:p="http://schemas.openxmlformats.org/presentationml/2006/main" type="secHead" preserve="1">
+<p:sldLayout xmlns:a="http://schemas.openxmlformats.org/drawingml/2006/main" xmlns:r="http://schemas.openxmlformats.org/officeDocument/2006/relationships" xmlns:p="http://schemas.openxmlformats.org/presentationml/2006/main" showMasterSp="0" type="secHead" preserve="1">
   <p:cSld name="Заголовок раздела">
+    <p:bg>
+      <p:bgRef idx="1001">
+        <a:schemeClr val="bg2"/>
+      </p:bgRef>
+    </p:bg>
     <p:spTree>
       <p:nvGrpSpPr>
         <p:cNvPr id="1" name=""/>
@@ -3057,15 +1087,21 @@
         </p:nvSpPr>
         <p:spPr>
           <a:xfrm>
-            <a:off x="677335" y="2700867"/>
-            <a:ext cx="8596668" cy="1826581"/>
+            <a:off x="765025" y="1301360"/>
+            <a:ext cx="9612971" cy="2852737"/>
           </a:xfrm>
         </p:spPr>
         <p:txBody>
-          <a:bodyPr anchor="b"/>
+          <a:bodyPr anchor="b">
+            <a:normAutofit/>
+          </a:bodyPr>
           <a:lstStyle>
-            <a:lvl1pPr algn="l">
-              <a:defRPr sz="4000" b="0" cap="none"/>
+            <a:lvl1pPr algn="r">
+              <a:defRPr sz="7200" cap="all" baseline="0">
+                <a:solidFill>
+                  <a:schemeClr val="tx2"/>
+                </a:solidFill>
+              </a:defRPr>
             </a:lvl1pPr>
           </a:lstStyle>
           <a:p>
@@ -3089,27 +1125,33 @@
         </p:nvSpPr>
         <p:spPr>
           <a:xfrm>
-            <a:off x="677335" y="4527448"/>
-            <a:ext cx="8596668" cy="860400"/>
+            <a:off x="765025" y="4216328"/>
+            <a:ext cx="9612971" cy="1143324"/>
           </a:xfrm>
         </p:spPr>
         <p:txBody>
-          <a:bodyPr anchor="t"/>
+          <a:bodyPr/>
           <a:lstStyle>
-            <a:lvl1pPr marL="0" indent="0" algn="l">
+            <a:lvl1pPr marL="0" indent="0" algn="r">
+              <a:lnSpc>
+                <a:spcPct val="112000"/>
+              </a:lnSpc>
+              <a:spcBef>
+                <a:spcPts val="0"/>
+              </a:spcBef>
+              <a:spcAft>
+                <a:spcPts val="0"/>
+              </a:spcAft>
               <a:buNone/>
-              <a:defRPr sz="2000">
-                <a:solidFill>
-                  <a:schemeClr val="tx1">
-                    <a:lumMod val="50000"/>
-                    <a:lumOff val="50000"/>
-                  </a:schemeClr>
+              <a:defRPr sz="2400">
+                <a:solidFill>
+                  <a:schemeClr val="tx2"/>
                 </a:solidFill>
               </a:defRPr>
             </a:lvl1pPr>
             <a:lvl2pPr marL="457200" indent="0">
               <a:buNone/>
-              <a:defRPr sz="1800">
+              <a:defRPr sz="2000">
                 <a:solidFill>
                   <a:schemeClr val="tx1">
                     <a:tint val="75000"/>
@@ -3119,7 +1161,7 @@
             </a:lvl2pPr>
             <a:lvl3pPr marL="914400" indent="0">
               <a:buNone/>
-              <a:defRPr sz="1600">
+              <a:defRPr sz="1800">
                 <a:solidFill>
                   <a:schemeClr val="tx1">
                     <a:tint val="75000"/>
@@ -3129,7 +1171,7 @@
             </a:lvl3pPr>
             <a:lvl4pPr marL="1371600" indent="0">
               <a:buNone/>
-              <a:defRPr sz="1400">
+              <a:defRPr sz="1600">
                 <a:solidFill>
                   <a:schemeClr val="tx1">
                     <a:tint val="75000"/>
@@ -3139,7 +1181,7 @@
             </a:lvl4pPr>
             <a:lvl5pPr marL="1828800" indent="0">
               <a:buNone/>
-              <a:defRPr sz="1400">
+              <a:defRPr sz="1600">
                 <a:solidFill>
                   <a:schemeClr val="tx1">
                     <a:tint val="75000"/>
@@ -3149,7 +1191,7 @@
             </a:lvl5pPr>
             <a:lvl6pPr marL="2286000" indent="0">
               <a:buNone/>
-              <a:defRPr sz="1400">
+              <a:defRPr sz="1600">
                 <a:solidFill>
                   <a:schemeClr val="tx1">
                     <a:tint val="75000"/>
@@ -3159,7 +1201,7 @@
             </a:lvl6pPr>
             <a:lvl7pPr marL="2743200" indent="0">
               <a:buNone/>
-              <a:defRPr sz="1400">
+              <a:defRPr sz="1600">
                 <a:solidFill>
                   <a:schemeClr val="tx1">
                     <a:tint val="75000"/>
@@ -3169,7 +1211,7 @@
             </a:lvl7pPr>
             <a:lvl8pPr marL="3200400" indent="0">
               <a:buNone/>
-              <a:defRPr sz="1400">
+              <a:defRPr sz="1600">
                 <a:solidFill>
                   <a:schemeClr val="tx1">
                     <a:tint val="75000"/>
@@ -3179,7 +1221,7 @@
             </a:lvl8pPr>
             <a:lvl9pPr marL="3657600" indent="0">
               <a:buNone/>
-              <a:defRPr sz="1400">
+              <a:defRPr sz="1600">
                 <a:solidFill>
                   <a:schemeClr val="tx1">
                     <a:tint val="75000"/>
@@ -3207,15 +1249,28 @@
             <p:ph type="dt" sz="half" idx="10"/>
           </p:nvPr>
         </p:nvSpPr>
-        <p:spPr/>
+        <p:spPr>
+          <a:xfrm>
+            <a:off x="738908" y="6453386"/>
+            <a:ext cx="1622409" cy="404614"/>
+          </a:xfrm>
+        </p:spPr>
         <p:txBody>
           <a:bodyPr/>
-          <a:lstStyle/>
+          <a:lstStyle>
+            <a:lvl1pPr>
+              <a:defRPr>
+                <a:solidFill>
+                  <a:schemeClr val="tx2"/>
+                </a:solidFill>
+              </a:defRPr>
+            </a:lvl1pPr>
+          </a:lstStyle>
           <a:p>
             <a:fld id="{B61BEF0D-F0BB-DE4B-95CE-6DB70DBA9567}" type="datetimeFigureOut">
-              <a:rPr lang="en-US" dirty="0"/>
+              <a:rPr lang="en-US" smtClean="0"/>
               <a:pPr/>
-              <a:t>12/6/2020</a:t>
+              <a:t>12/17/2020</a:t>
             </a:fld>
             <a:endParaRPr lang="en-US" dirty="0"/>
           </a:p>
@@ -3231,10 +1286,23 @@
             <p:ph type="ftr" sz="quarter" idx="11"/>
           </p:nvPr>
         </p:nvSpPr>
-        <p:spPr/>
+        <p:spPr>
+          <a:xfrm>
+            <a:off x="2584312" y="6453386"/>
+            <a:ext cx="7023377" cy="404614"/>
+          </a:xfrm>
+        </p:spPr>
         <p:txBody>
           <a:bodyPr/>
-          <a:lstStyle/>
+          <a:lstStyle>
+            <a:lvl1pPr algn="ctr">
+              <a:defRPr>
+                <a:solidFill>
+                  <a:schemeClr val="tx2"/>
+                </a:solidFill>
+              </a:defRPr>
+            </a:lvl1pPr>
+          </a:lstStyle>
           <a:p>
             <a:endParaRPr lang="en-US" dirty="0"/>
           </a:p>
@@ -3250,13 +1318,26 @@
             <p:ph type="sldNum" sz="quarter" idx="12"/>
           </p:nvPr>
         </p:nvSpPr>
-        <p:spPr/>
+        <p:spPr>
+          <a:xfrm>
+            <a:off x="9830683" y="6453386"/>
+            <a:ext cx="1596292" cy="404614"/>
+          </a:xfrm>
+        </p:spPr>
         <p:txBody>
           <a:bodyPr/>
-          <a:lstStyle/>
+          <a:lstStyle>
+            <a:lvl1pPr>
+              <a:defRPr>
+                <a:solidFill>
+                  <a:schemeClr val="tx2"/>
+                </a:solidFill>
+              </a:defRPr>
+            </a:lvl1pPr>
+          </a:lstStyle>
           <a:p>
             <a:fld id="{D57F1E4F-1CFF-5643-939E-217C01CDF565}" type="slidenum">
-              <a:rPr lang="en-US" dirty="0"/>
+              <a:rPr lang="en-US" smtClean="0"/>
               <a:pPr/>
               <a:t>‹#›</a:t>
             </a:fld>
@@ -3264,10 +1345,71 @@
           </a:p>
         </p:txBody>
       </p:sp>
+      <p:sp>
+        <p:nvSpPr>
+          <p:cNvPr id="7" name="Freeform 6" title="Crop Mark"/>
+          <p:cNvSpPr/>
+          <p:nvPr/>
+        </p:nvSpPr>
+        <p:spPr bwMode="auto">
+          <a:xfrm>
+            <a:off x="8151962" y="1685652"/>
+            <a:ext cx="3275013" cy="4408488"/>
+          </a:xfrm>
+          <a:custGeom>
+            <a:avLst/>
+            <a:gdLst/>
+            <a:ahLst/>
+            <a:cxnLst/>
+            <a:rect l="0" t="0" r="r" b="b"/>
+            <a:pathLst>
+              <a:path w="4125" h="5554">
+                <a:moveTo>
+                  <a:pt x="3614" y="0"/>
+                </a:moveTo>
+                <a:lnTo>
+                  <a:pt x="4125" y="0"/>
+                </a:lnTo>
+                <a:lnTo>
+                  <a:pt x="4125" y="5554"/>
+                </a:lnTo>
+                <a:lnTo>
+                  <a:pt x="0" y="5554"/>
+                </a:lnTo>
+                <a:lnTo>
+                  <a:pt x="0" y="5074"/>
+                </a:lnTo>
+                <a:lnTo>
+                  <a:pt x="3614" y="5074"/>
+                </a:lnTo>
+                <a:lnTo>
+                  <a:pt x="3614" y="0"/>
+                </a:lnTo>
+                <a:close/>
+              </a:path>
+            </a:pathLst>
+          </a:custGeom>
+          <a:solidFill>
+            <a:schemeClr val="tx2"/>
+          </a:solidFill>
+          <a:ln w="0">
+            <a:noFill/>
+            <a:prstDash val="solid"/>
+            <a:round/>
+            <a:headEnd/>
+            <a:tailEnd/>
+          </a:ln>
+        </p:spPr>
+      </p:sp>
     </p:spTree>
+    <p:extLst>
+      <p:ext uri="{BB962C8B-B14F-4D97-AF65-F5344CB8AC3E}">
+        <p14:creationId xmlns:p14="http://schemas.microsoft.com/office/powerpoint/2010/main" val="3538206515"/>
+      </p:ext>
+    </p:extLst>
   </p:cSld>
   <p:clrMapOvr>
-    <a:masterClrMapping/>
+    <a:overrideClrMapping bg1="dk1" tx1="lt1" bg2="dk2" tx2="lt2" accent1="accent1" accent2="accent2" accent3="accent3" accent4="accent4" accent5="accent5" accent6="accent6" hlink="hlink" folHlink="folHlink"/>
   </p:clrMapOvr>
 </p:sldLayout>
 </file>
@@ -3302,7 +1444,15 @@
         <p:spPr/>
         <p:txBody>
           <a:bodyPr/>
-          <a:lstStyle/>
+          <a:lstStyle>
+            <a:lvl1pPr>
+              <a:defRPr>
+                <a:solidFill>
+                  <a:schemeClr val="tx2"/>
+                </a:solidFill>
+              </a:defRPr>
+            </a:lvl1pPr>
+          </a:lstStyle>
           <a:p>
             <a:r>
               <a:rPr lang="ru-RU"/>
@@ -3324,13 +1474,49 @@
         </p:nvSpPr>
         <p:spPr>
           <a:xfrm>
-            <a:off x="677334" y="2160589"/>
-            <a:ext cx="4184035" cy="3880772"/>
+            <a:off x="1371600" y="2285999"/>
+            <a:ext cx="4447786" cy="3581401"/>
           </a:xfrm>
         </p:spPr>
         <p:txBody>
           <a:bodyPr/>
-          <a:lstStyle/>
+          <a:lstStyle>
+            <a:lvl1pPr>
+              <a:defRPr baseline="0">
+                <a:solidFill>
+                  <a:schemeClr val="tx2"/>
+                </a:solidFill>
+              </a:defRPr>
+            </a:lvl1pPr>
+            <a:lvl2pPr>
+              <a:defRPr baseline="0">
+                <a:solidFill>
+                  <a:schemeClr val="tx2"/>
+                </a:solidFill>
+              </a:defRPr>
+            </a:lvl2pPr>
+            <a:lvl3pPr>
+              <a:defRPr baseline="0">
+                <a:solidFill>
+                  <a:schemeClr val="tx2"/>
+                </a:solidFill>
+              </a:defRPr>
+            </a:lvl3pPr>
+            <a:lvl4pPr>
+              <a:defRPr baseline="0">
+                <a:solidFill>
+                  <a:schemeClr val="tx2"/>
+                </a:solidFill>
+              </a:defRPr>
+            </a:lvl4pPr>
+            <a:lvl5pPr>
+              <a:defRPr baseline="0">
+                <a:solidFill>
+                  <a:schemeClr val="tx2"/>
+                </a:solidFill>
+              </a:defRPr>
+            </a:lvl5pPr>
+          </a:lstStyle>
           <a:p>
             <a:pPr lvl="0"/>
             <a:r>
@@ -3381,13 +1567,49 @@
         </p:nvSpPr>
         <p:spPr>
           <a:xfrm>
-            <a:off x="5089970" y="2160589"/>
-            <a:ext cx="4184034" cy="3880773"/>
+            <a:off x="6525403" y="2285999"/>
+            <a:ext cx="4447786" cy="3581401"/>
           </a:xfrm>
         </p:spPr>
         <p:txBody>
           <a:bodyPr/>
-          <a:lstStyle/>
+          <a:lstStyle>
+            <a:lvl1pPr>
+              <a:defRPr>
+                <a:solidFill>
+                  <a:schemeClr val="tx2"/>
+                </a:solidFill>
+              </a:defRPr>
+            </a:lvl1pPr>
+            <a:lvl2pPr>
+              <a:defRPr>
+                <a:solidFill>
+                  <a:schemeClr val="tx2"/>
+                </a:solidFill>
+              </a:defRPr>
+            </a:lvl2pPr>
+            <a:lvl3pPr>
+              <a:defRPr>
+                <a:solidFill>
+                  <a:schemeClr val="tx2"/>
+                </a:solidFill>
+              </a:defRPr>
+            </a:lvl3pPr>
+            <a:lvl4pPr>
+              <a:defRPr>
+                <a:solidFill>
+                  <a:schemeClr val="tx2"/>
+                </a:solidFill>
+              </a:defRPr>
+            </a:lvl4pPr>
+            <a:lvl5pPr>
+              <a:defRPr>
+                <a:solidFill>
+                  <a:schemeClr val="tx2"/>
+                </a:solidFill>
+              </a:defRPr>
+            </a:lvl5pPr>
+          </a:lstStyle>
           <a:p>
             <a:pPr lvl="0"/>
             <a:r>
@@ -3441,9 +1663,10 @@
           <a:bodyPr/>
           <a:lstStyle/>
           <a:p>
-            <a:fld id="{EB712588-04B1-427B-82EE-E8DB90309F08}" type="datetimeFigureOut">
-              <a:rPr lang="en-US" dirty="0"/>
-              <a:t>12/6/2020</a:t>
+            <a:fld id="{B61BEF0D-F0BB-DE4B-95CE-6DB70DBA9567}" type="datetimeFigureOut">
+              <a:rPr lang="en-US" smtClean="0"/>
+              <a:pPr/>
+              <a:t>12/17/2020</a:t>
             </a:fld>
             <a:endParaRPr lang="en-US" dirty="0"/>
           </a:p>
@@ -3483,8 +1706,9 @@
           <a:bodyPr/>
           <a:lstStyle/>
           <a:p>
-            <a:fld id="{6FF9F0C5-380F-41C2-899A-BAC0F0927E16}" type="slidenum">
-              <a:rPr lang="en-US" dirty="0"/>
+            <a:fld id="{D57F1E4F-1CFF-5643-939E-217C01CDF565}" type="slidenum">
+              <a:rPr lang="en-US" smtClean="0"/>
+              <a:pPr/>
               <a:t>‹#›</a:t>
             </a:fld>
             <a:endParaRPr lang="en-US" dirty="0"/>
@@ -3492,6 +1716,11 @@
         </p:txBody>
       </p:sp>
     </p:spTree>
+    <p:extLst>
+      <p:ext uri="{BB962C8B-B14F-4D97-AF65-F5344CB8AC3E}">
+        <p14:creationId xmlns:p14="http://schemas.microsoft.com/office/powerpoint/2010/main" val="3683673557"/>
+      </p:ext>
+    </p:extLst>
   </p:cSld>
   <p:clrMapOvr>
     <a:masterClrMapping/>
@@ -3526,12 +1755,21 @@
             <p:ph type="title"/>
           </p:nvPr>
         </p:nvSpPr>
-        <p:spPr/>
+        <p:spPr>
+          <a:xfrm>
+            <a:off x="1371600" y="685800"/>
+            <a:ext cx="9601200" cy="1485900"/>
+          </a:xfrm>
+        </p:spPr>
         <p:txBody>
           <a:bodyPr/>
           <a:lstStyle>
             <a:lvl1pPr>
-              <a:defRPr/>
+              <a:defRPr>
+                <a:solidFill>
+                  <a:schemeClr val="tx2"/>
+                </a:solidFill>
+              </a:defRPr>
             </a:lvl1pPr>
           </a:lstStyle>
           <a:p>
@@ -3555,8 +1793,8 @@
         </p:nvSpPr>
         <p:spPr>
           <a:xfrm>
-            <a:off x="675745" y="2160983"/>
-            <a:ext cx="4185623" cy="576262"/>
+            <a:off x="1371600" y="2340864"/>
+            <a:ext cx="4443984" cy="823912"/>
           </a:xfrm>
         </p:spPr>
         <p:txBody>
@@ -3565,8 +1803,21 @@
           </a:bodyPr>
           <a:lstStyle>
             <a:lvl1pPr marL="0" indent="0">
+              <a:lnSpc>
+                <a:spcPct val="84000"/>
+              </a:lnSpc>
+              <a:spcBef>
+                <a:spcPts val="0"/>
+              </a:spcBef>
+              <a:spcAft>
+                <a:spcPts val="0"/>
+              </a:spcAft>
               <a:buNone/>
-              <a:defRPr sz="2400" b="0"/>
+              <a:defRPr sz="3000" b="0" baseline="0">
+                <a:solidFill>
+                  <a:schemeClr val="tx2"/>
+                </a:solidFill>
+              </a:defRPr>
             </a:lvl1pPr>
             <a:lvl2pPr marL="457200" indent="0">
               <a:buNone/>
@@ -3622,15 +1873,49 @@
         </p:nvSpPr>
         <p:spPr>
           <a:xfrm>
-            <a:off x="675745" y="2737245"/>
-            <a:ext cx="4185623" cy="3304117"/>
+            <a:off x="1371600" y="3305207"/>
+            <a:ext cx="4443984" cy="2562193"/>
           </a:xfrm>
         </p:spPr>
         <p:txBody>
-          <a:bodyPr>
-            <a:normAutofit/>
-          </a:bodyPr>
-          <a:lstStyle/>
+          <a:bodyPr/>
+          <a:lstStyle>
+            <a:lvl1pPr>
+              <a:defRPr baseline="0">
+                <a:solidFill>
+                  <a:schemeClr val="tx2"/>
+                </a:solidFill>
+              </a:defRPr>
+            </a:lvl1pPr>
+            <a:lvl2pPr>
+              <a:defRPr baseline="0">
+                <a:solidFill>
+                  <a:schemeClr val="tx2"/>
+                </a:solidFill>
+              </a:defRPr>
+            </a:lvl2pPr>
+            <a:lvl3pPr>
+              <a:defRPr baseline="0">
+                <a:solidFill>
+                  <a:schemeClr val="tx2"/>
+                </a:solidFill>
+              </a:defRPr>
+            </a:lvl3pPr>
+            <a:lvl4pPr>
+              <a:defRPr baseline="0">
+                <a:solidFill>
+                  <a:schemeClr val="tx2"/>
+                </a:solidFill>
+              </a:defRPr>
+            </a:lvl4pPr>
+            <a:lvl5pPr>
+              <a:defRPr baseline="0">
+                <a:solidFill>
+                  <a:schemeClr val="tx2"/>
+                </a:solidFill>
+              </a:defRPr>
+            </a:lvl5pPr>
+          </a:lstStyle>
           <a:p>
             <a:pPr lvl="0"/>
             <a:r>
@@ -3681,8 +1966,8 @@
         </p:nvSpPr>
         <p:spPr>
           <a:xfrm>
-            <a:off x="5088383" y="2160983"/>
-            <a:ext cx="4185618" cy="576262"/>
+            <a:off x="6525014" y="2340864"/>
+            <a:ext cx="4443984" cy="823912"/>
           </a:xfrm>
         </p:spPr>
         <p:txBody>
@@ -3691,8 +1976,21 @@
           </a:bodyPr>
           <a:lstStyle>
             <a:lvl1pPr marL="0" indent="0">
+              <a:lnSpc>
+                <a:spcPct val="84000"/>
+              </a:lnSpc>
+              <a:spcBef>
+                <a:spcPts val="0"/>
+              </a:spcBef>
+              <a:spcAft>
+                <a:spcPts val="0"/>
+              </a:spcAft>
               <a:buNone/>
-              <a:defRPr sz="2400" b="0"/>
+              <a:defRPr sz="3000" b="0" baseline="0">
+                <a:solidFill>
+                  <a:schemeClr val="tx2"/>
+                </a:solidFill>
+              </a:defRPr>
             </a:lvl1pPr>
             <a:lvl2pPr marL="457200" indent="0">
               <a:buNone/>
@@ -3748,15 +2046,49 @@
         </p:nvSpPr>
         <p:spPr>
           <a:xfrm>
-            <a:off x="5088384" y="2737245"/>
-            <a:ext cx="4185617" cy="3304117"/>
+            <a:off x="6525014" y="3305207"/>
+            <a:ext cx="4443984" cy="2562193"/>
           </a:xfrm>
         </p:spPr>
         <p:txBody>
-          <a:bodyPr>
-            <a:normAutofit/>
-          </a:bodyPr>
-          <a:lstStyle/>
+          <a:bodyPr/>
+          <a:lstStyle>
+            <a:lvl1pPr>
+              <a:defRPr baseline="0">
+                <a:solidFill>
+                  <a:schemeClr val="tx2"/>
+                </a:solidFill>
+              </a:defRPr>
+            </a:lvl1pPr>
+            <a:lvl2pPr>
+              <a:defRPr baseline="0">
+                <a:solidFill>
+                  <a:schemeClr val="tx2"/>
+                </a:solidFill>
+              </a:defRPr>
+            </a:lvl2pPr>
+            <a:lvl3pPr>
+              <a:defRPr baseline="0">
+                <a:solidFill>
+                  <a:schemeClr val="tx2"/>
+                </a:solidFill>
+              </a:defRPr>
+            </a:lvl3pPr>
+            <a:lvl4pPr>
+              <a:defRPr baseline="0">
+                <a:solidFill>
+                  <a:schemeClr val="tx2"/>
+                </a:solidFill>
+              </a:defRPr>
+            </a:lvl4pPr>
+            <a:lvl5pPr>
+              <a:defRPr baseline="0">
+                <a:solidFill>
+                  <a:schemeClr val="tx2"/>
+                </a:solidFill>
+              </a:defRPr>
+            </a:lvl5pPr>
+          </a:lstStyle>
           <a:p>
             <a:pPr lvl="0"/>
             <a:r>
@@ -3811,9 +2143,9 @@
           <a:lstStyle/>
           <a:p>
             <a:fld id="{B61BEF0D-F0BB-DE4B-95CE-6DB70DBA9567}" type="datetimeFigureOut">
-              <a:rPr lang="en-US" dirty="0"/>
+              <a:rPr lang="en-US" smtClean="0"/>
               <a:pPr/>
-              <a:t>12/6/2020</a:t>
+              <a:t>12/17/2020</a:t>
             </a:fld>
             <a:endParaRPr lang="en-US" dirty="0"/>
           </a:p>
@@ -3854,7 +2186,7 @@
           <a:lstStyle/>
           <a:p>
             <a:fld id="{D57F1E4F-1CFF-5643-939E-217C01CDF565}" type="slidenum">
-              <a:rPr lang="en-US" dirty="0"/>
+              <a:rPr lang="en-US" smtClean="0"/>
               <a:pPr/>
               <a:t>‹#›</a:t>
             </a:fld>
@@ -3863,6 +2195,11 @@
         </p:txBody>
       </p:sp>
     </p:spTree>
+    <p:extLst>
+      <p:ext uri="{BB962C8B-B14F-4D97-AF65-F5344CB8AC3E}">
+        <p14:creationId xmlns:p14="http://schemas.microsoft.com/office/powerpoint/2010/main" val="2461346001"/>
+      </p:ext>
+    </p:extLst>
   </p:cSld>
   <p:clrMapOvr>
     <a:masterClrMapping/>
@@ -3897,12 +2234,7 @@
             <p:ph type="title"/>
           </p:nvPr>
         </p:nvSpPr>
-        <p:spPr>
-          <a:xfrm>
-            <a:off x="677334" y="609600"/>
-            <a:ext cx="8596668" cy="1320800"/>
-          </a:xfrm>
-        </p:spPr>
+        <p:spPr/>
         <p:txBody>
           <a:bodyPr/>
           <a:lstStyle/>
@@ -3931,9 +2263,9 @@
           <a:lstStyle/>
           <a:p>
             <a:fld id="{B61BEF0D-F0BB-DE4B-95CE-6DB70DBA9567}" type="datetimeFigureOut">
-              <a:rPr lang="en-US" dirty="0"/>
+              <a:rPr lang="en-US" smtClean="0"/>
               <a:pPr/>
-              <a:t>12/6/2020</a:t>
+              <a:t>12/17/2020</a:t>
             </a:fld>
             <a:endParaRPr lang="en-US" dirty="0"/>
           </a:p>
@@ -3974,7 +2306,7 @@
           <a:lstStyle/>
           <a:p>
             <a:fld id="{D57F1E4F-1CFF-5643-939E-217C01CDF565}" type="slidenum">
-              <a:rPr lang="en-US" dirty="0"/>
+              <a:rPr lang="en-US" smtClean="0"/>
               <a:pPr/>
               <a:t>‹#›</a:t>
             </a:fld>
@@ -3983,6 +2315,11 @@
         </p:txBody>
       </p:sp>
     </p:spTree>
+    <p:extLst>
+      <p:ext uri="{BB962C8B-B14F-4D97-AF65-F5344CB8AC3E}">
+        <p14:creationId xmlns:p14="http://schemas.microsoft.com/office/powerpoint/2010/main" val="425894137"/>
+      </p:ext>
+    </p:extLst>
   </p:cSld>
   <p:clrMapOvr>
     <a:masterClrMapping/>
@@ -4023,9 +2360,9 @@
           <a:lstStyle/>
           <a:p>
             <a:fld id="{B61BEF0D-F0BB-DE4B-95CE-6DB70DBA9567}" type="datetimeFigureOut">
-              <a:rPr lang="en-US" dirty="0"/>
+              <a:rPr lang="en-US" smtClean="0"/>
               <a:pPr/>
-              <a:t>12/6/2020</a:t>
+              <a:t>12/17/2020</a:t>
             </a:fld>
             <a:endParaRPr lang="en-US" dirty="0"/>
           </a:p>
@@ -4066,7 +2403,7 @@
           <a:lstStyle/>
           <a:p>
             <a:fld id="{D57F1E4F-1CFF-5643-939E-217C01CDF565}" type="slidenum">
-              <a:rPr lang="en-US" dirty="0"/>
+              <a:rPr lang="en-US" smtClean="0"/>
               <a:pPr/>
               <a:t>‹#›</a:t>
             </a:fld>
@@ -4075,6 +2412,11 @@
         </p:txBody>
       </p:sp>
     </p:spTree>
+    <p:extLst>
+      <p:ext uri="{BB962C8B-B14F-4D97-AF65-F5344CB8AC3E}">
+        <p14:creationId xmlns:p14="http://schemas.microsoft.com/office/powerpoint/2010/main" val="3119810530"/>
+      </p:ext>
+    </p:extLst>
   </p:cSld>
   <p:clrMapOvr>
     <a:masterClrMapping/>
@@ -4083,7 +2425,7 @@
 </file>
 
 <file path=ppt/slideLayouts/slideLayout8.xml><?xml version="1.0" encoding="utf-8"?>
-<p:sldLayout xmlns:a="http://schemas.openxmlformats.org/drawingml/2006/main" xmlns:r="http://schemas.openxmlformats.org/officeDocument/2006/relationships" xmlns:p="http://schemas.openxmlformats.org/presentationml/2006/main" type="objTx" preserve="1">
+<p:sldLayout xmlns:a="http://schemas.openxmlformats.org/drawingml/2006/main" xmlns:r="http://schemas.openxmlformats.org/officeDocument/2006/relationships" xmlns:p="http://schemas.openxmlformats.org/presentationml/2006/main" showMasterSp="0" type="objTx" preserve="1">
   <p:cSld name="Объект с подписью">
     <p:spTree>
       <p:nvGrpSpPr>
@@ -4101,6 +2443,44 @@
       </p:grpSpPr>
       <p:sp>
         <p:nvSpPr>
+          <p:cNvPr id="8" name="Rectangle 7" title="Background Shape"/>
+          <p:cNvSpPr/>
+          <p:nvPr/>
+        </p:nvSpPr>
+        <p:spPr>
+          <a:xfrm>
+            <a:off x="0" y="376"/>
+            <a:ext cx="5303520" cy="6857624"/>
+          </a:xfrm>
+          <a:prstGeom prst="rect">
+            <a:avLst/>
+          </a:prstGeom>
+          <a:solidFill>
+            <a:schemeClr val="accent1"/>
+          </a:solidFill>
+          <a:ln>
+            <a:noFill/>
+          </a:ln>
+        </p:spPr>
+        <p:style>
+          <a:lnRef idx="2">
+            <a:schemeClr val="accent1">
+              <a:shade val="50000"/>
+            </a:schemeClr>
+          </a:lnRef>
+          <a:fillRef idx="1">
+            <a:schemeClr val="accent1"/>
+          </a:fillRef>
+          <a:effectRef idx="0">
+            <a:schemeClr val="accent1"/>
+          </a:effectRef>
+          <a:fontRef idx="minor">
+            <a:schemeClr val="lt1"/>
+          </a:fontRef>
+        </p:style>
+      </p:sp>
+      <p:sp>
+        <p:nvSpPr>
           <p:cNvPr id="2" name="Title 1"/>
           <p:cNvSpPr>
             <a:spLocks noGrp="1"/>
@@ -4111,17 +2491,24 @@
         </p:nvSpPr>
         <p:spPr>
           <a:xfrm>
-            <a:off x="677334" y="1498604"/>
-            <a:ext cx="3854528" cy="1278466"/>
+            <a:off x="723900" y="685800"/>
+            <a:ext cx="3855720" cy="2157884"/>
           </a:xfrm>
         </p:spPr>
         <p:txBody>
-          <a:bodyPr anchor="b">
-            <a:normAutofit/>
+          <a:bodyPr anchor="t">
+            <a:noAutofit/>
           </a:bodyPr>
           <a:lstStyle>
             <a:lvl1pPr>
-              <a:defRPr sz="2000"/>
+              <a:lnSpc>
+                <a:spcPct val="84000"/>
+              </a:lnSpc>
+              <a:defRPr sz="4800" baseline="0">
+                <a:solidFill>
+                  <a:schemeClr val="tx2"/>
+                </a:solidFill>
+              </a:defRPr>
             </a:lvl1pPr>
           </a:lstStyle>
           <a:p>
@@ -4145,15 +2532,41 @@
         </p:nvSpPr>
         <p:spPr>
           <a:xfrm>
-            <a:off x="4760461" y="514924"/>
-            <a:ext cx="4513541" cy="5526437"/>
+            <a:off x="6256020" y="685801"/>
+            <a:ext cx="5212080" cy="5175250"/>
           </a:xfrm>
         </p:spPr>
         <p:txBody>
-          <a:bodyPr>
-            <a:normAutofit/>
-          </a:bodyPr>
-          <a:lstStyle/>
+          <a:bodyPr/>
+          <a:lstStyle>
+            <a:lvl1pPr>
+              <a:defRPr sz="2000"/>
+            </a:lvl1pPr>
+            <a:lvl2pPr>
+              <a:defRPr sz="2000"/>
+            </a:lvl2pPr>
+            <a:lvl3pPr>
+              <a:defRPr sz="1800"/>
+            </a:lvl3pPr>
+            <a:lvl4pPr>
+              <a:defRPr sz="1800"/>
+            </a:lvl4pPr>
+            <a:lvl5pPr>
+              <a:defRPr sz="1600"/>
+            </a:lvl5pPr>
+            <a:lvl6pPr>
+              <a:defRPr sz="1600"/>
+            </a:lvl6pPr>
+            <a:lvl7pPr>
+              <a:defRPr sz="1600"/>
+            </a:lvl7pPr>
+            <a:lvl8pPr>
+              <a:defRPr sz="1600"/>
+            </a:lvl8pPr>
+            <a:lvl9pPr>
+              <a:defRPr sz="1600"/>
+            </a:lvl9pPr>
+          </a:lstStyle>
           <a:p>
             <a:pPr lvl="0"/>
             <a:r>
@@ -4204,48 +2617,55 @@
         </p:nvSpPr>
         <p:spPr>
           <a:xfrm>
-            <a:off x="677334" y="2777069"/>
-            <a:ext cx="3854528" cy="2584449"/>
+            <a:off x="723900" y="2856344"/>
+            <a:ext cx="3855720" cy="3011056"/>
           </a:xfrm>
         </p:spPr>
         <p:txBody>
-          <a:bodyPr>
-            <a:normAutofit/>
-          </a:bodyPr>
+          <a:bodyPr/>
           <a:lstStyle>
             <a:lvl1pPr marL="0" indent="0">
+              <a:lnSpc>
+                <a:spcPct val="113000"/>
+              </a:lnSpc>
+              <a:spcBef>
+                <a:spcPts val="0"/>
+              </a:spcBef>
+              <a:spcAft>
+                <a:spcPts val="1500"/>
+              </a:spcAft>
               <a:buNone/>
-              <a:defRPr sz="1400"/>
+              <a:defRPr sz="1600"/>
             </a:lvl1pPr>
-            <a:lvl2pPr marL="457063" indent="0">
+            <a:lvl2pPr marL="457200" indent="0">
               <a:buNone/>
               <a:defRPr sz="1400"/>
             </a:lvl2pPr>
-            <a:lvl3pPr marL="914126" indent="0">
+            <a:lvl3pPr marL="914400" indent="0">
               <a:buNone/>
               <a:defRPr sz="1200"/>
             </a:lvl3pPr>
-            <a:lvl4pPr marL="1371189" indent="0">
+            <a:lvl4pPr marL="1371600" indent="0">
               <a:buNone/>
               <a:defRPr sz="1000"/>
             </a:lvl4pPr>
-            <a:lvl5pPr marL="1828251" indent="0">
+            <a:lvl5pPr marL="1828800" indent="0">
               <a:buNone/>
               <a:defRPr sz="1000"/>
             </a:lvl5pPr>
-            <a:lvl6pPr marL="2285314" indent="0">
+            <a:lvl6pPr marL="2286000" indent="0">
               <a:buNone/>
               <a:defRPr sz="1000"/>
             </a:lvl6pPr>
-            <a:lvl7pPr marL="2742377" indent="0">
+            <a:lvl7pPr marL="2743200" indent="0">
               <a:buNone/>
               <a:defRPr sz="1000"/>
             </a:lvl7pPr>
-            <a:lvl8pPr marL="3199440" indent="0">
+            <a:lvl8pPr marL="3200400" indent="0">
               <a:buNone/>
               <a:defRPr sz="1000"/>
             </a:lvl8pPr>
-            <a:lvl9pPr marL="3656503" indent="0">
+            <a:lvl9pPr marL="3657600" indent="0">
               <a:buNone/>
               <a:defRPr sz="1000"/>
             </a:lvl9pPr>
@@ -4269,14 +2689,28 @@
             <p:ph type="dt" sz="half" idx="10"/>
           </p:nvPr>
         </p:nvSpPr>
-        <p:spPr/>
+        <p:spPr>
+          <a:xfrm>
+            <a:off x="723900" y="6453386"/>
+            <a:ext cx="1204572" cy="404614"/>
+          </a:xfrm>
+        </p:spPr>
         <p:txBody>
           <a:bodyPr/>
-          <a:lstStyle/>
-          <a:p>
-            <a:fld id="{42A54C80-263E-416B-A8E0-580EDEADCBDC}" type="datetimeFigureOut">
-              <a:rPr lang="en-US" dirty="0"/>
-              <a:t>12/6/2020</a:t>
+          <a:lstStyle>
+            <a:lvl1pPr>
+              <a:defRPr>
+                <a:solidFill>
+                  <a:schemeClr val="tx2"/>
+                </a:solidFill>
+              </a:defRPr>
+            </a:lvl1pPr>
+          </a:lstStyle>
+          <a:p>
+            <a:fld id="{B61BEF0D-F0BB-DE4B-95CE-6DB70DBA9567}" type="datetimeFigureOut">
+              <a:rPr lang="en-US" smtClean="0"/>
+              <a:pPr/>
+              <a:t>12/17/2020</a:t>
             </a:fld>
             <a:endParaRPr lang="en-US" dirty="0"/>
           </a:p>
@@ -4292,10 +2726,23 @@
             <p:ph type="ftr" sz="quarter" idx="11"/>
           </p:nvPr>
         </p:nvSpPr>
-        <p:spPr/>
+        <p:spPr>
+          <a:xfrm>
+            <a:off x="2205945" y="6453386"/>
+            <a:ext cx="2373675" cy="404614"/>
+          </a:xfrm>
+        </p:spPr>
         <p:txBody>
           <a:bodyPr/>
-          <a:lstStyle/>
+          <a:lstStyle>
+            <a:lvl1pPr>
+              <a:defRPr>
+                <a:solidFill>
+                  <a:schemeClr val="tx2"/>
+                </a:solidFill>
+              </a:defRPr>
+            </a:lvl1pPr>
+          </a:lstStyle>
           <a:p>
             <a:endParaRPr lang="en-US" dirty="0"/>
           </a:p>
@@ -4311,20 +2758,77 @@
             <p:ph type="sldNum" sz="quarter" idx="12"/>
           </p:nvPr>
         </p:nvSpPr>
-        <p:spPr/>
+        <p:spPr>
+          <a:xfrm>
+            <a:off x="9883140" y="6453386"/>
+            <a:ext cx="1596292" cy="404614"/>
+          </a:xfrm>
+        </p:spPr>
         <p:txBody>
           <a:bodyPr/>
-          <a:lstStyle/>
-          <a:p>
-            <a:fld id="{519954A3-9DFD-4C44-94BA-B95130A3BA1C}" type="slidenum">
-              <a:rPr lang="en-US" dirty="0"/>
+          <a:lstStyle>
+            <a:lvl1pPr>
+              <a:defRPr>
+                <a:solidFill>
+                  <a:schemeClr val="tx2"/>
+                </a:solidFill>
+              </a:defRPr>
+            </a:lvl1pPr>
+          </a:lstStyle>
+          <a:p>
+            <a:fld id="{D57F1E4F-1CFF-5643-939E-217C01CDF565}" type="slidenum">
+              <a:rPr lang="en-US" smtClean="0"/>
+              <a:pPr/>
               <a:t>‹#›</a:t>
             </a:fld>
             <a:endParaRPr lang="en-US" dirty="0"/>
           </a:p>
         </p:txBody>
       </p:sp>
+      <p:sp>
+        <p:nvSpPr>
+          <p:cNvPr id="9" name="Rectangle 8" title="Divider Bar"/>
+          <p:cNvSpPr/>
+          <p:nvPr/>
+        </p:nvSpPr>
+        <p:spPr>
+          <a:xfrm>
+            <a:off x="5303520" y="376"/>
+            <a:ext cx="228600" cy="6858000"/>
+          </a:xfrm>
+          <a:prstGeom prst="rect">
+            <a:avLst/>
+          </a:prstGeom>
+          <a:solidFill>
+            <a:schemeClr val="tx2"/>
+          </a:solidFill>
+          <a:ln>
+            <a:noFill/>
+          </a:ln>
+        </p:spPr>
+        <p:style>
+          <a:lnRef idx="2">
+            <a:schemeClr val="accent1">
+              <a:shade val="50000"/>
+            </a:schemeClr>
+          </a:lnRef>
+          <a:fillRef idx="1">
+            <a:schemeClr val="accent1"/>
+          </a:fillRef>
+          <a:effectRef idx="0">
+            <a:schemeClr val="accent1"/>
+          </a:effectRef>
+          <a:fontRef idx="minor">
+            <a:schemeClr val="lt1"/>
+          </a:fontRef>
+        </p:style>
+      </p:sp>
     </p:spTree>
+    <p:extLst>
+      <p:ext uri="{BB962C8B-B14F-4D97-AF65-F5344CB8AC3E}">
+        <p14:creationId xmlns:p14="http://schemas.microsoft.com/office/powerpoint/2010/main" val="122279748"/>
+      </p:ext>
+    </p:extLst>
   </p:cSld>
   <p:clrMapOvr>
     <a:masterClrMapping/>
@@ -4333,7 +2837,7 @@
 </file>
 
 <file path=ppt/slideLayouts/slideLayout9.xml><?xml version="1.0" encoding="utf-8"?>
-<p:sldLayout xmlns:a="http://schemas.openxmlformats.org/drawingml/2006/main" xmlns:r="http://schemas.openxmlformats.org/officeDocument/2006/relationships" xmlns:p="http://schemas.openxmlformats.org/presentationml/2006/main" type="picTx" preserve="1">
+<p:sldLayout xmlns:a="http://schemas.openxmlformats.org/drawingml/2006/main" xmlns:r="http://schemas.openxmlformats.org/officeDocument/2006/relationships" xmlns:p="http://schemas.openxmlformats.org/presentationml/2006/main" showMasterSp="0" type="picTx" preserve="1">
   <p:cSld name="Рисунок с подписью">
     <p:spTree>
       <p:nvGrpSpPr>
@@ -4351,6 +2855,44 @@
       </p:grpSpPr>
       <p:sp>
         <p:nvSpPr>
+          <p:cNvPr id="8" name="Rectangle 7" title="Background Shape"/>
+          <p:cNvSpPr/>
+          <p:nvPr/>
+        </p:nvSpPr>
+        <p:spPr>
+          <a:xfrm>
+            <a:off x="0" y="376"/>
+            <a:ext cx="5303520" cy="6857624"/>
+          </a:xfrm>
+          <a:prstGeom prst="rect">
+            <a:avLst/>
+          </a:prstGeom>
+          <a:solidFill>
+            <a:schemeClr val="accent1"/>
+          </a:solidFill>
+          <a:ln>
+            <a:noFill/>
+          </a:ln>
+        </p:spPr>
+        <p:style>
+          <a:lnRef idx="2">
+            <a:schemeClr val="accent1">
+              <a:shade val="50000"/>
+            </a:schemeClr>
+          </a:lnRef>
+          <a:fillRef idx="1">
+            <a:schemeClr val="accent1"/>
+          </a:fillRef>
+          <a:effectRef idx="0">
+            <a:schemeClr val="accent1"/>
+          </a:effectRef>
+          <a:fontRef idx="minor">
+            <a:schemeClr val="lt1"/>
+          </a:fontRef>
+        </p:style>
+      </p:sp>
+      <p:sp>
+        <p:nvSpPr>
           <p:cNvPr id="2" name="Title 1"/>
           <p:cNvSpPr>
             <a:spLocks noGrp="1"/>
@@ -4361,17 +2903,20 @@
         </p:nvSpPr>
         <p:spPr>
           <a:xfrm>
-            <a:off x="677334" y="4800600"/>
-            <a:ext cx="8596667" cy="566738"/>
+            <a:off x="723900" y="685800"/>
+            <a:ext cx="3855720" cy="2157884"/>
           </a:xfrm>
         </p:spPr>
         <p:txBody>
-          <a:bodyPr anchor="b">
+          <a:bodyPr anchor="t">
             <a:normAutofit/>
           </a:bodyPr>
           <a:lstStyle>
-            <a:lvl1pPr algn="l">
-              <a:defRPr sz="2400" b="0"/>
+            <a:lvl1pPr>
+              <a:lnSpc>
+                <a:spcPct val="84000"/>
+              </a:lnSpc>
+              <a:defRPr sz="4800" baseline="0"/>
             </a:lvl1pPr>
           </a:lstStyle>
           <a:p>
@@ -4395,8 +2940,8 @@
         </p:nvSpPr>
         <p:spPr>
           <a:xfrm>
-            <a:off x="677334" y="609600"/>
-            <a:ext cx="8596668" cy="3845718"/>
+            <a:off x="5532120" y="0"/>
+            <a:ext cx="6659880" cy="6857999"/>
           </a:xfrm>
         </p:spPr>
         <p:txBody>
@@ -4404,41 +2949,41 @@
             <a:normAutofit/>
           </a:bodyPr>
           <a:lstStyle>
-            <a:lvl1pPr marL="0" indent="0" algn="ctr">
+            <a:lvl1pPr marL="0" indent="0">
               <a:buNone/>
-              <a:defRPr sz="1600"/>
+              <a:defRPr sz="2000"/>
             </a:lvl1pPr>
             <a:lvl2pPr marL="457200" indent="0">
               <a:buNone/>
-              <a:defRPr sz="1600"/>
+              <a:defRPr sz="2000"/>
             </a:lvl2pPr>
             <a:lvl3pPr marL="914400" indent="0">
               <a:buNone/>
-              <a:defRPr sz="1600"/>
+              <a:defRPr sz="2000"/>
             </a:lvl3pPr>
             <a:lvl4pPr marL="1371600" indent="0">
               <a:buNone/>
-              <a:defRPr sz="1600"/>
+              <a:defRPr sz="2000"/>
             </a:lvl4pPr>
             <a:lvl5pPr marL="1828800" indent="0">
               <a:buNone/>
-              <a:defRPr sz="1600"/>
+              <a:defRPr sz="2000"/>
             </a:lvl5pPr>
             <a:lvl6pPr marL="2286000" indent="0">
               <a:buNone/>
-              <a:defRPr sz="1600"/>
+              <a:defRPr sz="2000"/>
             </a:lvl6pPr>
             <a:lvl7pPr marL="2743200" indent="0">
               <a:buNone/>
-              <a:defRPr sz="1600"/>
+              <a:defRPr sz="2000"/>
             </a:lvl7pPr>
             <a:lvl8pPr marL="3200400" indent="0">
               <a:buNone/>
-              <a:defRPr sz="1600"/>
+              <a:defRPr sz="2000"/>
             </a:lvl8pPr>
             <a:lvl9pPr marL="3657600" indent="0">
               <a:buNone/>
-              <a:defRPr sz="1600"/>
+              <a:defRPr sz="2000"/>
             </a:lvl9pPr>
           </a:lstStyle>
           <a:p>
@@ -4462,50 +3007,57 @@
         </p:nvSpPr>
         <p:spPr>
           <a:xfrm>
-            <a:off x="677334" y="5367338"/>
-            <a:ext cx="8596667" cy="674024"/>
+            <a:off x="723900" y="2855968"/>
+            <a:ext cx="3855720" cy="3011432"/>
           </a:xfrm>
         </p:spPr>
         <p:txBody>
-          <a:bodyPr>
-            <a:normAutofit/>
-          </a:bodyPr>
+          <a:bodyPr/>
           <a:lstStyle>
             <a:lvl1pPr marL="0" indent="0">
+              <a:lnSpc>
+                <a:spcPct val="113000"/>
+              </a:lnSpc>
+              <a:spcBef>
+                <a:spcPts val="0"/>
+              </a:spcBef>
+              <a:spcAft>
+                <a:spcPts val="1500"/>
+              </a:spcAft>
               <a:buNone/>
-              <a:defRPr sz="1200"/>
+              <a:defRPr sz="1600"/>
             </a:lvl1pPr>
             <a:lvl2pPr marL="457200" indent="0">
               <a:buNone/>
-              <a:defRPr sz="1200"/>
+              <a:defRPr sz="1400"/>
             </a:lvl2pPr>
             <a:lvl3pPr marL="914400" indent="0">
               <a:buNone/>
-              <a:defRPr sz="1000"/>
+              <a:defRPr sz="1200"/>
             </a:lvl3pPr>
             <a:lvl4pPr marL="1371600" indent="0">
               <a:buNone/>
-              <a:defRPr sz="900"/>
+              <a:defRPr sz="1000"/>
             </a:lvl4pPr>
             <a:lvl5pPr marL="1828800" indent="0">
               <a:buNone/>
-              <a:defRPr sz="900"/>
+              <a:defRPr sz="1000"/>
             </a:lvl5pPr>
             <a:lvl6pPr marL="2286000" indent="0">
               <a:buNone/>
-              <a:defRPr sz="900"/>
+              <a:defRPr sz="1000"/>
             </a:lvl6pPr>
             <a:lvl7pPr marL="2743200" indent="0">
               <a:buNone/>
-              <a:defRPr sz="900"/>
+              <a:defRPr sz="1000"/>
             </a:lvl7pPr>
             <a:lvl8pPr marL="3200400" indent="0">
               <a:buNone/>
-              <a:defRPr sz="900"/>
+              <a:defRPr sz="1000"/>
             </a:lvl8pPr>
             <a:lvl9pPr marL="3657600" indent="0">
               <a:buNone/>
-              <a:defRPr sz="900"/>
+              <a:defRPr sz="1000"/>
             </a:lvl9pPr>
           </a:lstStyle>
           <a:p>
@@ -4527,15 +3079,28 @@
             <p:ph type="dt" sz="half" idx="10"/>
           </p:nvPr>
         </p:nvSpPr>
-        <p:spPr/>
+        <p:spPr>
+          <a:xfrm>
+            <a:off x="723900" y="6453386"/>
+            <a:ext cx="1204572" cy="404614"/>
+          </a:xfrm>
+        </p:spPr>
         <p:txBody>
           <a:bodyPr/>
-          <a:lstStyle/>
+          <a:lstStyle>
+            <a:lvl1pPr>
+              <a:defRPr>
+                <a:solidFill>
+                  <a:schemeClr val="tx2"/>
+                </a:solidFill>
+              </a:defRPr>
+            </a:lvl1pPr>
+          </a:lstStyle>
           <a:p>
             <a:fld id="{B61BEF0D-F0BB-DE4B-95CE-6DB70DBA9567}" type="datetimeFigureOut">
-              <a:rPr lang="en-US" dirty="0"/>
+              <a:rPr lang="en-US" smtClean="0"/>
               <a:pPr/>
-              <a:t>12/6/2020</a:t>
+              <a:t>12/17/2020</a:t>
             </a:fld>
             <a:endParaRPr lang="en-US" dirty="0"/>
           </a:p>
@@ -4551,10 +3116,23 @@
             <p:ph type="ftr" sz="quarter" idx="11"/>
           </p:nvPr>
         </p:nvSpPr>
-        <p:spPr/>
+        <p:spPr>
+          <a:xfrm>
+            <a:off x="2205945" y="6453386"/>
+            <a:ext cx="2373675" cy="404614"/>
+          </a:xfrm>
+        </p:spPr>
         <p:txBody>
           <a:bodyPr/>
-          <a:lstStyle/>
+          <a:lstStyle>
+            <a:lvl1pPr>
+              <a:defRPr>
+                <a:solidFill>
+                  <a:schemeClr val="tx2"/>
+                </a:solidFill>
+              </a:defRPr>
+            </a:lvl1pPr>
+          </a:lstStyle>
           <a:p>
             <a:endParaRPr lang="en-US" dirty="0"/>
           </a:p>
@@ -4570,13 +3148,26 @@
             <p:ph type="sldNum" sz="quarter" idx="12"/>
           </p:nvPr>
         </p:nvSpPr>
-        <p:spPr/>
+        <p:spPr>
+          <a:xfrm>
+            <a:off x="9883140" y="6453386"/>
+            <a:ext cx="1596292" cy="404614"/>
+          </a:xfrm>
+        </p:spPr>
         <p:txBody>
           <a:bodyPr/>
-          <a:lstStyle/>
+          <a:lstStyle>
+            <a:lvl1pPr>
+              <a:defRPr>
+                <a:solidFill>
+                  <a:schemeClr val="tx2"/>
+                </a:solidFill>
+              </a:defRPr>
+            </a:lvl1pPr>
+          </a:lstStyle>
           <a:p>
             <a:fld id="{D57F1E4F-1CFF-5643-939E-217C01CDF565}" type="slidenum">
-              <a:rPr lang="en-US" dirty="0"/>
+              <a:rPr lang="en-US" smtClean="0"/>
               <a:pPr/>
               <a:t>‹#›</a:t>
             </a:fld>
@@ -4584,7 +3175,50 @@
           </a:p>
         </p:txBody>
       </p:sp>
+      <p:sp>
+        <p:nvSpPr>
+          <p:cNvPr id="9" name="Rectangle 8" title="Divider Bar"/>
+          <p:cNvSpPr/>
+          <p:nvPr/>
+        </p:nvSpPr>
+        <p:spPr>
+          <a:xfrm>
+            <a:off x="5303520" y="376"/>
+            <a:ext cx="228600" cy="6858000"/>
+          </a:xfrm>
+          <a:prstGeom prst="rect">
+            <a:avLst/>
+          </a:prstGeom>
+          <a:solidFill>
+            <a:schemeClr val="tx2"/>
+          </a:solidFill>
+          <a:ln>
+            <a:noFill/>
+          </a:ln>
+        </p:spPr>
+        <p:style>
+          <a:lnRef idx="2">
+            <a:schemeClr val="accent1">
+              <a:shade val="50000"/>
+            </a:schemeClr>
+          </a:lnRef>
+          <a:fillRef idx="1">
+            <a:schemeClr val="accent1"/>
+          </a:fillRef>
+          <a:effectRef idx="0">
+            <a:schemeClr val="accent1"/>
+          </a:effectRef>
+          <a:fontRef idx="minor">
+            <a:schemeClr val="lt1"/>
+          </a:fontRef>
+        </p:style>
+      </p:sp>
     </p:spTree>
+    <p:extLst>
+      <p:ext uri="{BB962C8B-B14F-4D97-AF65-F5344CB8AC3E}">
+        <p14:creationId xmlns:p14="http://schemas.microsoft.com/office/powerpoint/2010/main" val="3150756576"/>
+      </p:ext>
+    </p:extLst>
   </p:cSld>
   <p:clrMapOvr>
     <a:masterClrMapping/>
@@ -4596,9 +3230,12 @@
 <p:sldMaster xmlns:a="http://schemas.openxmlformats.org/drawingml/2006/main" xmlns:r="http://schemas.openxmlformats.org/officeDocument/2006/relationships" xmlns:p="http://schemas.openxmlformats.org/presentationml/2006/main">
   <p:cSld>
     <p:bg>
-      <p:bgRef idx="1001">
-        <a:schemeClr val="bg1"/>
-      </p:bgRef>
+      <p:bgPr>
+        <a:solidFill>
+          <a:schemeClr val="bg2"/>
+        </a:solidFill>
+        <a:effectLst/>
+      </p:bgPr>
     </p:bg>
     <p:spTree>
       <p:nvGrpSpPr>
@@ -4614,536 +3251,6 @@
           <a:chExt cx="0" cy="0"/>
         </a:xfrm>
       </p:grpSpPr>
-      <p:grpSp>
-        <p:nvGrpSpPr>
-          <p:cNvPr id="7" name="Group 6"/>
-          <p:cNvGrpSpPr/>
-          <p:nvPr/>
-        </p:nvGrpSpPr>
-        <p:grpSpPr>
-          <a:xfrm>
-            <a:off x="0" y="-8467"/>
-            <a:ext cx="12192000" cy="6866467"/>
-            <a:chOff x="0" y="-8467"/>
-            <a:chExt cx="12192000" cy="6866467"/>
-          </a:xfrm>
-        </p:grpSpPr>
-        <p:cxnSp>
-          <p:nvCxnSpPr>
-            <p:cNvPr id="20" name="Straight Connector 19"/>
-            <p:cNvCxnSpPr/>
-            <p:nvPr/>
-          </p:nvCxnSpPr>
-          <p:spPr>
-            <a:xfrm>
-              <a:off x="9371012" y="0"/>
-              <a:ext cx="1219200" cy="6858000"/>
-            </a:xfrm>
-            <a:prstGeom prst="line">
-              <a:avLst/>
-            </a:prstGeom>
-            <a:ln w="9525">
-              <a:solidFill>
-                <a:schemeClr val="bg1">
-                  <a:lumMod val="75000"/>
-                </a:schemeClr>
-              </a:solidFill>
-            </a:ln>
-          </p:spPr>
-          <p:style>
-            <a:lnRef idx="2">
-              <a:schemeClr val="accent1"/>
-            </a:lnRef>
-            <a:fillRef idx="0">
-              <a:schemeClr val="accent1"/>
-            </a:fillRef>
-            <a:effectRef idx="1">
-              <a:schemeClr val="accent1"/>
-            </a:effectRef>
-            <a:fontRef idx="minor">
-              <a:schemeClr val="tx1"/>
-            </a:fontRef>
-          </p:style>
-        </p:cxnSp>
-        <p:cxnSp>
-          <p:nvCxnSpPr>
-            <p:cNvPr id="21" name="Straight Connector 20"/>
-            <p:cNvCxnSpPr/>
-            <p:nvPr/>
-          </p:nvCxnSpPr>
-          <p:spPr>
-            <a:xfrm flipH="1">
-              <a:off x="7425267" y="3681413"/>
-              <a:ext cx="4763558" cy="3176587"/>
-            </a:xfrm>
-            <a:prstGeom prst="line">
-              <a:avLst/>
-            </a:prstGeom>
-            <a:ln w="9525">
-              <a:solidFill>
-                <a:schemeClr val="bg1">
-                  <a:lumMod val="85000"/>
-                </a:schemeClr>
-              </a:solidFill>
-            </a:ln>
-          </p:spPr>
-          <p:style>
-            <a:lnRef idx="2">
-              <a:schemeClr val="accent1"/>
-            </a:lnRef>
-            <a:fillRef idx="0">
-              <a:schemeClr val="accent1"/>
-            </a:fillRef>
-            <a:effectRef idx="1">
-              <a:schemeClr val="accent1"/>
-            </a:effectRef>
-            <a:fontRef idx="minor">
-              <a:schemeClr val="tx1"/>
-            </a:fontRef>
-          </p:style>
-        </p:cxnSp>
-        <p:sp>
-          <p:nvSpPr>
-            <p:cNvPr id="22" name="Rectangle 23"/>
-            <p:cNvSpPr/>
-            <p:nvPr/>
-          </p:nvSpPr>
-          <p:spPr>
-            <a:xfrm>
-              <a:off x="9181476" y="-8467"/>
-              <a:ext cx="3007349" cy="6866467"/>
-            </a:xfrm>
-            <a:custGeom>
-              <a:avLst/>
-              <a:gdLst/>
-              <a:ahLst/>
-              <a:cxnLst/>
-              <a:rect l="l" t="t" r="r" b="b"/>
-              <a:pathLst>
-                <a:path w="3007349" h="6866467">
-                  <a:moveTo>
-                    <a:pt x="2045532" y="0"/>
-                  </a:moveTo>
-                  <a:lnTo>
-                    <a:pt x="3007349" y="0"/>
-                  </a:lnTo>
-                  <a:lnTo>
-                    <a:pt x="3007349" y="6866467"/>
-                  </a:lnTo>
-                  <a:lnTo>
-                    <a:pt x="0" y="6866467"/>
-                  </a:lnTo>
-                  <a:lnTo>
-                    <a:pt x="2045532" y="0"/>
-                  </a:lnTo>
-                  <a:close/>
-                </a:path>
-              </a:pathLst>
-            </a:custGeom>
-            <a:solidFill>
-              <a:schemeClr val="accent1">
-                <a:alpha val="30000"/>
-              </a:schemeClr>
-            </a:solidFill>
-            <a:ln>
-              <a:noFill/>
-            </a:ln>
-            <a:effectLst/>
-          </p:spPr>
-          <p:style>
-            <a:lnRef idx="1">
-              <a:schemeClr val="accent1"/>
-            </a:lnRef>
-            <a:fillRef idx="3">
-              <a:schemeClr val="accent1"/>
-            </a:fillRef>
-            <a:effectRef idx="2">
-              <a:schemeClr val="accent1"/>
-            </a:effectRef>
-            <a:fontRef idx="minor">
-              <a:schemeClr val="lt1"/>
-            </a:fontRef>
-          </p:style>
-        </p:sp>
-        <p:sp>
-          <p:nvSpPr>
-            <p:cNvPr id="23" name="Rectangle 25"/>
-            <p:cNvSpPr/>
-            <p:nvPr/>
-          </p:nvSpPr>
-          <p:spPr>
-            <a:xfrm>
-              <a:off x="9603442" y="-8467"/>
-              <a:ext cx="2588558" cy="6866467"/>
-            </a:xfrm>
-            <a:custGeom>
-              <a:avLst/>
-              <a:gdLst/>
-              <a:ahLst/>
-              <a:cxnLst/>
-              <a:rect l="l" t="t" r="r" b="b"/>
-              <a:pathLst>
-                <a:path w="2573311" h="6866467">
-                  <a:moveTo>
-                    <a:pt x="0" y="0"/>
-                  </a:moveTo>
-                  <a:lnTo>
-                    <a:pt x="2573311" y="0"/>
-                  </a:lnTo>
-                  <a:lnTo>
-                    <a:pt x="2573311" y="6866467"/>
-                  </a:lnTo>
-                  <a:lnTo>
-                    <a:pt x="1202336" y="6866467"/>
-                  </a:lnTo>
-                  <a:lnTo>
-                    <a:pt x="0" y="0"/>
-                  </a:lnTo>
-                  <a:close/>
-                </a:path>
-              </a:pathLst>
-            </a:custGeom>
-            <a:solidFill>
-              <a:schemeClr val="accent1">
-                <a:alpha val="20000"/>
-              </a:schemeClr>
-            </a:solidFill>
-            <a:ln>
-              <a:noFill/>
-            </a:ln>
-            <a:effectLst/>
-          </p:spPr>
-          <p:style>
-            <a:lnRef idx="1">
-              <a:schemeClr val="accent1"/>
-            </a:lnRef>
-            <a:fillRef idx="3">
-              <a:schemeClr val="accent1"/>
-            </a:fillRef>
-            <a:effectRef idx="2">
-              <a:schemeClr val="accent1"/>
-            </a:effectRef>
-            <a:fontRef idx="minor">
-              <a:schemeClr val="lt1"/>
-            </a:fontRef>
-          </p:style>
-        </p:sp>
-        <p:sp>
-          <p:nvSpPr>
-            <p:cNvPr id="24" name="Isosceles Triangle 23"/>
-            <p:cNvSpPr/>
-            <p:nvPr/>
-          </p:nvSpPr>
-          <p:spPr>
-            <a:xfrm>
-              <a:off x="8932333" y="3048000"/>
-              <a:ext cx="3259667" cy="3810000"/>
-            </a:xfrm>
-            <a:prstGeom prst="triangle">
-              <a:avLst>
-                <a:gd name="adj" fmla="val 100000"/>
-              </a:avLst>
-            </a:prstGeom>
-            <a:solidFill>
-              <a:schemeClr val="accent2">
-                <a:alpha val="72000"/>
-              </a:schemeClr>
-            </a:solidFill>
-            <a:ln>
-              <a:noFill/>
-            </a:ln>
-            <a:effectLst/>
-          </p:spPr>
-          <p:style>
-            <a:lnRef idx="1">
-              <a:schemeClr val="accent1"/>
-            </a:lnRef>
-            <a:fillRef idx="3">
-              <a:schemeClr val="accent1"/>
-            </a:fillRef>
-            <a:effectRef idx="2">
-              <a:schemeClr val="accent1"/>
-            </a:effectRef>
-            <a:fontRef idx="minor">
-              <a:schemeClr val="lt1"/>
-            </a:fontRef>
-          </p:style>
-        </p:sp>
-        <p:sp>
-          <p:nvSpPr>
-            <p:cNvPr id="25" name="Rectangle 27"/>
-            <p:cNvSpPr/>
-            <p:nvPr/>
-          </p:nvSpPr>
-          <p:spPr>
-            <a:xfrm>
-              <a:off x="9334500" y="-8467"/>
-              <a:ext cx="2854326" cy="6866467"/>
-            </a:xfrm>
-            <a:custGeom>
-              <a:avLst/>
-              <a:gdLst/>
-              <a:ahLst/>
-              <a:cxnLst/>
-              <a:rect l="l" t="t" r="r" b="b"/>
-              <a:pathLst>
-                <a:path w="2858013" h="6866467">
-                  <a:moveTo>
-                    <a:pt x="0" y="0"/>
-                  </a:moveTo>
-                  <a:lnTo>
-                    <a:pt x="2858013" y="0"/>
-                  </a:lnTo>
-                  <a:lnTo>
-                    <a:pt x="2858013" y="6866467"/>
-                  </a:lnTo>
-                  <a:lnTo>
-                    <a:pt x="2473942" y="6866467"/>
-                  </a:lnTo>
-                  <a:lnTo>
-                    <a:pt x="0" y="0"/>
-                  </a:lnTo>
-                  <a:close/>
-                </a:path>
-              </a:pathLst>
-            </a:custGeom>
-            <a:solidFill>
-              <a:schemeClr val="accent2">
-                <a:lumMod val="75000"/>
-                <a:alpha val="70000"/>
-              </a:schemeClr>
-            </a:solidFill>
-            <a:ln>
-              <a:noFill/>
-            </a:ln>
-            <a:effectLst/>
-          </p:spPr>
-          <p:style>
-            <a:lnRef idx="1">
-              <a:schemeClr val="accent1"/>
-            </a:lnRef>
-            <a:fillRef idx="3">
-              <a:schemeClr val="accent1"/>
-            </a:fillRef>
-            <a:effectRef idx="2">
-              <a:schemeClr val="accent1"/>
-            </a:effectRef>
-            <a:fontRef idx="minor">
-              <a:schemeClr val="lt1"/>
-            </a:fontRef>
-          </p:style>
-        </p:sp>
-        <p:sp>
-          <p:nvSpPr>
-            <p:cNvPr id="26" name="Rectangle 28"/>
-            <p:cNvSpPr/>
-            <p:nvPr/>
-          </p:nvSpPr>
-          <p:spPr>
-            <a:xfrm>
-              <a:off x="10898730" y="-8467"/>
-              <a:ext cx="1290094" cy="6866467"/>
-            </a:xfrm>
-            <a:custGeom>
-              <a:avLst/>
-              <a:gdLst/>
-              <a:ahLst/>
-              <a:cxnLst/>
-              <a:rect l="l" t="t" r="r" b="b"/>
-              <a:pathLst>
-                <a:path w="1290094" h="6858000">
-                  <a:moveTo>
-                    <a:pt x="1019735" y="0"/>
-                  </a:moveTo>
-                  <a:lnTo>
-                    <a:pt x="1290094" y="0"/>
-                  </a:lnTo>
-                  <a:lnTo>
-                    <a:pt x="1290094" y="6858000"/>
-                  </a:lnTo>
-                  <a:lnTo>
-                    <a:pt x="0" y="6858000"/>
-                  </a:lnTo>
-                  <a:lnTo>
-                    <a:pt x="1019735" y="0"/>
-                  </a:lnTo>
-                  <a:close/>
-                </a:path>
-              </a:pathLst>
-            </a:custGeom>
-            <a:solidFill>
-              <a:schemeClr val="accent1">
-                <a:lumMod val="60000"/>
-                <a:lumOff val="40000"/>
-                <a:alpha val="70000"/>
-              </a:schemeClr>
-            </a:solidFill>
-            <a:ln>
-              <a:noFill/>
-            </a:ln>
-            <a:effectLst/>
-          </p:spPr>
-          <p:style>
-            <a:lnRef idx="1">
-              <a:schemeClr val="accent1"/>
-            </a:lnRef>
-            <a:fillRef idx="3">
-              <a:schemeClr val="accent1"/>
-            </a:fillRef>
-            <a:effectRef idx="2">
-              <a:schemeClr val="accent1"/>
-            </a:effectRef>
-            <a:fontRef idx="minor">
-              <a:schemeClr val="lt1"/>
-            </a:fontRef>
-          </p:style>
-        </p:sp>
-        <p:sp>
-          <p:nvSpPr>
-            <p:cNvPr id="27" name="Rectangle 29"/>
-            <p:cNvSpPr/>
-            <p:nvPr/>
-          </p:nvSpPr>
-          <p:spPr>
-            <a:xfrm>
-              <a:off x="10938999" y="-8467"/>
-              <a:ext cx="1249825" cy="6866467"/>
-            </a:xfrm>
-            <a:custGeom>
-              <a:avLst/>
-              <a:gdLst/>
-              <a:ahLst/>
-              <a:cxnLst/>
-              <a:rect l="l" t="t" r="r" b="b"/>
-              <a:pathLst>
-                <a:path w="1249825" h="6858000">
-                  <a:moveTo>
-                    <a:pt x="0" y="0"/>
-                  </a:moveTo>
-                  <a:lnTo>
-                    <a:pt x="1249825" y="0"/>
-                  </a:lnTo>
-                  <a:lnTo>
-                    <a:pt x="1249825" y="6858000"/>
-                  </a:lnTo>
-                  <a:lnTo>
-                    <a:pt x="1109382" y="6858000"/>
-                  </a:lnTo>
-                  <a:lnTo>
-                    <a:pt x="0" y="0"/>
-                  </a:lnTo>
-                  <a:close/>
-                </a:path>
-              </a:pathLst>
-            </a:custGeom>
-            <a:solidFill>
-              <a:schemeClr val="accent1">
-                <a:alpha val="65000"/>
-              </a:schemeClr>
-            </a:solidFill>
-            <a:ln>
-              <a:noFill/>
-            </a:ln>
-            <a:effectLst/>
-          </p:spPr>
-          <p:style>
-            <a:lnRef idx="1">
-              <a:schemeClr val="accent1"/>
-            </a:lnRef>
-            <a:fillRef idx="3">
-              <a:schemeClr val="accent1"/>
-            </a:fillRef>
-            <a:effectRef idx="2">
-              <a:schemeClr val="accent1"/>
-            </a:effectRef>
-            <a:fontRef idx="minor">
-              <a:schemeClr val="lt1"/>
-            </a:fontRef>
-          </p:style>
-        </p:sp>
-        <p:sp>
-          <p:nvSpPr>
-            <p:cNvPr id="28" name="Isosceles Triangle 27"/>
-            <p:cNvSpPr/>
-            <p:nvPr/>
-          </p:nvSpPr>
-          <p:spPr>
-            <a:xfrm>
-              <a:off x="10371666" y="3589867"/>
-              <a:ext cx="1817159" cy="3268133"/>
-            </a:xfrm>
-            <a:prstGeom prst="triangle">
-              <a:avLst>
-                <a:gd name="adj" fmla="val 100000"/>
-              </a:avLst>
-            </a:prstGeom>
-            <a:solidFill>
-              <a:schemeClr val="accent1">
-                <a:alpha val="80000"/>
-              </a:schemeClr>
-            </a:solidFill>
-            <a:ln>
-              <a:noFill/>
-            </a:ln>
-            <a:effectLst/>
-          </p:spPr>
-          <p:style>
-            <a:lnRef idx="1">
-              <a:schemeClr val="accent1"/>
-            </a:lnRef>
-            <a:fillRef idx="3">
-              <a:schemeClr val="accent1"/>
-            </a:fillRef>
-            <a:effectRef idx="2">
-              <a:schemeClr val="accent1"/>
-            </a:effectRef>
-            <a:fontRef idx="minor">
-              <a:schemeClr val="lt1"/>
-            </a:fontRef>
-          </p:style>
-        </p:sp>
-        <p:sp>
-          <p:nvSpPr>
-            <p:cNvPr id="29" name="Isosceles Triangle 28"/>
-            <p:cNvSpPr/>
-            <p:nvPr/>
-          </p:nvSpPr>
-          <p:spPr>
-            <a:xfrm>
-              <a:off x="0" y="4013200"/>
-              <a:ext cx="448733" cy="2844800"/>
-            </a:xfrm>
-            <a:prstGeom prst="triangle">
-              <a:avLst>
-                <a:gd name="adj" fmla="val 0"/>
-              </a:avLst>
-            </a:prstGeom>
-            <a:solidFill>
-              <a:schemeClr val="accent1">
-                <a:alpha val="85000"/>
-              </a:schemeClr>
-            </a:solidFill>
-            <a:ln>
-              <a:noFill/>
-            </a:ln>
-            <a:effectLst/>
-          </p:spPr>
-          <p:style>
-            <a:lnRef idx="1">
-              <a:schemeClr val="accent1"/>
-            </a:lnRef>
-            <a:fillRef idx="3">
-              <a:schemeClr val="accent1"/>
-            </a:fillRef>
-            <a:effectRef idx="2">
-              <a:schemeClr val="accent1"/>
-            </a:effectRef>
-            <a:fontRef idx="minor">
-              <a:schemeClr val="lt1"/>
-            </a:fontRef>
-          </p:style>
-        </p:sp>
-      </p:grpSp>
       <p:sp>
         <p:nvSpPr>
           <p:cNvPr id="2" name="Title Placeholder 1"/>
@@ -5156,8 +3263,8 @@
         </p:nvSpPr>
         <p:spPr>
           <a:xfrm>
-            <a:off x="677334" y="609600"/>
-            <a:ext cx="8596668" cy="1320800"/>
+            <a:off x="1371600" y="685800"/>
+            <a:ext cx="9601200" cy="1485900"/>
           </a:xfrm>
           <a:prstGeom prst="rect">
             <a:avLst/>
@@ -5189,8 +3296,8 @@
         </p:nvSpPr>
         <p:spPr>
           <a:xfrm>
-            <a:off x="677334" y="2160589"/>
-            <a:ext cx="8596668" cy="3880773"/>
+            <a:off x="1371600" y="2286000"/>
+            <a:ext cx="9601200" cy="3581400"/>
           </a:xfrm>
           <a:prstGeom prst="rect">
             <a:avLst/>
@@ -5251,8 +3358,83 @@
         </p:nvSpPr>
         <p:spPr>
           <a:xfrm>
-            <a:off x="7205133" y="6041362"/>
-            <a:ext cx="911939" cy="365125"/>
+            <a:off x="1390650" y="6453386"/>
+            <a:ext cx="1204572" cy="404614"/>
+          </a:xfrm>
+          <a:prstGeom prst="rect">
+            <a:avLst/>
+          </a:prstGeom>
+        </p:spPr>
+        <p:txBody>
+          <a:bodyPr vert="horz" lIns="91440" tIns="45720" rIns="91440" bIns="45720" rtlCol="0" anchor="ctr"/>
+          <a:lstStyle>
+            <a:lvl1pPr algn="l">
+              <a:defRPr sz="1200" baseline="0">
+                <a:solidFill>
+                  <a:schemeClr val="tx2"/>
+                </a:solidFill>
+              </a:defRPr>
+            </a:lvl1pPr>
+          </a:lstStyle>
+          <a:p>
+            <a:fld id="{B61BEF0D-F0BB-DE4B-95CE-6DB70DBA9567}" type="datetimeFigureOut">
+              <a:rPr lang="en-US" smtClean="0"/>
+              <a:pPr/>
+              <a:t>12/17/2020</a:t>
+            </a:fld>
+            <a:endParaRPr lang="en-US" dirty="0"/>
+          </a:p>
+        </p:txBody>
+      </p:sp>
+      <p:sp>
+        <p:nvSpPr>
+          <p:cNvPr id="5" name="Footer Placeholder 4"/>
+          <p:cNvSpPr>
+            <a:spLocks noGrp="1"/>
+          </p:cNvSpPr>
+          <p:nvPr>
+            <p:ph type="ftr" sz="quarter" idx="3"/>
+          </p:nvPr>
+        </p:nvSpPr>
+        <p:spPr>
+          <a:xfrm>
+            <a:off x="2893564" y="6453386"/>
+            <a:ext cx="6280830" cy="404614"/>
+          </a:xfrm>
+          <a:prstGeom prst="rect">
+            <a:avLst/>
+          </a:prstGeom>
+        </p:spPr>
+        <p:txBody>
+          <a:bodyPr vert="horz" lIns="91440" tIns="45720" rIns="91440" bIns="45720" rtlCol="0" anchor="ctr"/>
+          <a:lstStyle>
+            <a:lvl1pPr algn="l">
+              <a:defRPr sz="1200" baseline="0">
+                <a:solidFill>
+                  <a:schemeClr val="tx2"/>
+                </a:solidFill>
+              </a:defRPr>
+            </a:lvl1pPr>
+          </a:lstStyle>
+          <a:p>
+            <a:endParaRPr lang="en-US" dirty="0"/>
+          </a:p>
+        </p:txBody>
+      </p:sp>
+      <p:sp>
+        <p:nvSpPr>
+          <p:cNvPr id="6" name="Slide Number Placeholder 5"/>
+          <p:cNvSpPr>
+            <a:spLocks noGrp="1"/>
+          </p:cNvSpPr>
+          <p:nvPr>
+            <p:ph type="sldNum" sz="quarter" idx="4"/>
+          </p:nvPr>
+        </p:nvSpPr>
+        <p:spPr>
+          <a:xfrm>
+            <a:off x="9472736" y="6453386"/>
+            <a:ext cx="1596292" cy="404614"/>
           </a:xfrm>
           <a:prstGeom prst="rect">
             <a:avLst/>
@@ -5262,20 +3444,18 @@
           <a:bodyPr vert="horz" lIns="91440" tIns="45720" rIns="91440" bIns="45720" rtlCol="0" anchor="ctr"/>
           <a:lstStyle>
             <a:lvl1pPr algn="r">
-              <a:defRPr sz="900">
-                <a:solidFill>
-                  <a:schemeClr val="tx1">
-                    <a:tint val="75000"/>
-                  </a:schemeClr>
+              <a:defRPr sz="1200" baseline="0">
+                <a:solidFill>
+                  <a:schemeClr val="tx2"/>
                 </a:solidFill>
               </a:defRPr>
             </a:lvl1pPr>
           </a:lstStyle>
           <a:p>
-            <a:fld id="{B61BEF0D-F0BB-DE4B-95CE-6DB70DBA9567}" type="datetimeFigureOut">
-              <a:rPr lang="en-US" dirty="0"/>
+            <a:fld id="{D57F1E4F-1CFF-5643-939E-217C01CDF565}" type="slidenum">
+              <a:rPr lang="en-US" smtClean="0"/>
               <a:pPr/>
-              <a:t>12/6/2020</a:t>
+              <a:t>‹#›</a:t>
             </a:fld>
             <a:endParaRPr lang="en-US" dirty="0"/>
           </a:p>
@@ -5283,395 +3463,267 @@
       </p:sp>
       <p:sp>
         <p:nvSpPr>
-          <p:cNvPr id="5" name="Footer Placeholder 4"/>
-          <p:cNvSpPr>
-            <a:spLocks noGrp="1"/>
-          </p:cNvSpPr>
-          <p:nvPr>
-            <p:ph type="ftr" sz="quarter" idx="3"/>
-          </p:nvPr>
+          <p:cNvPr id="9" name="Rectangle 8" title="Side bar"/>
+          <p:cNvSpPr/>
+          <p:nvPr/>
         </p:nvSpPr>
         <p:spPr>
           <a:xfrm>
-            <a:off x="677334" y="6041362"/>
-            <a:ext cx="6297612" cy="365125"/>
+            <a:off x="478095" y="376"/>
+            <a:ext cx="228600" cy="6858000"/>
           </a:xfrm>
           <a:prstGeom prst="rect">
             <a:avLst/>
           </a:prstGeom>
+          <a:solidFill>
+            <a:schemeClr val="tx2"/>
+          </a:solidFill>
+          <a:ln>
+            <a:noFill/>
+          </a:ln>
         </p:spPr>
-        <p:txBody>
-          <a:bodyPr vert="horz" lIns="91440" tIns="45720" rIns="91440" bIns="45720" rtlCol="0" anchor="ctr"/>
-          <a:lstStyle>
-            <a:lvl1pPr algn="l">
-              <a:defRPr sz="900">
-                <a:solidFill>
-                  <a:schemeClr val="tx1">
-                    <a:tint val="75000"/>
-                  </a:schemeClr>
-                </a:solidFill>
-              </a:defRPr>
-            </a:lvl1pPr>
-          </a:lstStyle>
-          <a:p>
-            <a:endParaRPr lang="en-US" dirty="0"/>
-          </a:p>
-        </p:txBody>
-      </p:sp>
-      <p:sp>
-        <p:nvSpPr>
-          <p:cNvPr id="6" name="Slide Number Placeholder 5"/>
-          <p:cNvSpPr>
-            <a:spLocks noGrp="1"/>
-          </p:cNvSpPr>
-          <p:nvPr>
-            <p:ph type="sldNum" sz="quarter" idx="4"/>
-          </p:nvPr>
-        </p:nvSpPr>
-        <p:spPr>
-          <a:xfrm>
-            <a:off x="8590663" y="6041362"/>
-            <a:ext cx="683339" cy="365125"/>
-          </a:xfrm>
-          <a:prstGeom prst="rect">
-            <a:avLst/>
-          </a:prstGeom>
-        </p:spPr>
-        <p:txBody>
-          <a:bodyPr vert="horz" lIns="91440" tIns="45720" rIns="91440" bIns="45720" rtlCol="0" anchor="ctr"/>
-          <a:lstStyle>
-            <a:lvl1pPr algn="r">
-              <a:defRPr sz="900">
-                <a:solidFill>
-                  <a:schemeClr val="accent1"/>
-                </a:solidFill>
-              </a:defRPr>
-            </a:lvl1pPr>
-          </a:lstStyle>
-          <a:p>
-            <a:fld id="{D57F1E4F-1CFF-5643-939E-217C01CDF565}" type="slidenum">
-              <a:rPr lang="en-US" dirty="0"/>
-              <a:pPr/>
-              <a:t>‹#›</a:t>
-            </a:fld>
-            <a:endParaRPr lang="en-US" dirty="0"/>
-          </a:p>
-        </p:txBody>
+        <p:style>
+          <a:lnRef idx="2">
+            <a:schemeClr val="accent1">
+              <a:shade val="50000"/>
+            </a:schemeClr>
+          </a:lnRef>
+          <a:fillRef idx="1">
+            <a:schemeClr val="accent1"/>
+          </a:fillRef>
+          <a:effectRef idx="0">
+            <a:schemeClr val="accent1"/>
+          </a:effectRef>
+          <a:fontRef idx="minor">
+            <a:schemeClr val="lt1"/>
+          </a:fontRef>
+        </p:style>
       </p:sp>
     </p:spTree>
+    <p:extLst>
+      <p:ext uri="{BB962C8B-B14F-4D97-AF65-F5344CB8AC3E}">
+        <p14:creationId xmlns:p14="http://schemas.microsoft.com/office/powerpoint/2010/main" val="1283940850"/>
+      </p:ext>
+    </p:extLst>
   </p:cSld>
   <p:clrMap bg1="lt1" tx1="dk1" bg2="lt2" tx2="dk2" accent1="accent1" accent2="accent2" accent3="accent3" accent4="accent4" accent5="accent5" accent6="accent6" hlink="hlink" folHlink="folHlink"/>
   <p:sldLayoutIdLst>
-    <p:sldLayoutId id="2147483649" r:id="rId1"/>
-    <p:sldLayoutId id="2147483650" r:id="rId2"/>
-    <p:sldLayoutId id="2147483651" r:id="rId3"/>
-    <p:sldLayoutId id="2147483665" r:id="rId4"/>
-    <p:sldLayoutId id="2147483653" r:id="rId5"/>
-    <p:sldLayoutId id="2147483654" r:id="rId6"/>
-    <p:sldLayoutId id="2147483655" r:id="rId7"/>
-    <p:sldLayoutId id="2147483666" r:id="rId8"/>
-    <p:sldLayoutId id="2147483657" r:id="rId9"/>
-    <p:sldLayoutId id="2147483660" r:id="rId10"/>
-    <p:sldLayoutId id="2147483661" r:id="rId11"/>
-    <p:sldLayoutId id="2147483662" r:id="rId12"/>
-    <p:sldLayoutId id="2147483663" r:id="rId13"/>
-    <p:sldLayoutId id="2147483664" r:id="rId14"/>
-    <p:sldLayoutId id="2147483667" r:id="rId15"/>
-    <p:sldLayoutId id="2147483659" r:id="rId16"/>
+    <p:sldLayoutId id="2147483999" r:id="rId1"/>
+    <p:sldLayoutId id="2147484000" r:id="rId2"/>
+    <p:sldLayoutId id="2147484001" r:id="rId3"/>
+    <p:sldLayoutId id="2147484002" r:id="rId4"/>
+    <p:sldLayoutId id="2147484003" r:id="rId5"/>
+    <p:sldLayoutId id="2147484004" r:id="rId6"/>
+    <p:sldLayoutId id="2147484005" r:id="rId7"/>
+    <p:sldLayoutId id="2147484006" r:id="rId8"/>
+    <p:sldLayoutId id="2147484007" r:id="rId9"/>
+    <p:sldLayoutId id="2147484008" r:id="rId10"/>
+    <p:sldLayoutId id="2147484009" r:id="rId11"/>
   </p:sldLayoutIdLst>
   <p:txStyles>
     <p:titleStyle>
-      <a:lvl1pPr algn="l" defTabSz="457200" rtl="0" eaLnBrk="1" latinLnBrk="0" hangingPunct="1">
+      <a:lvl1pPr algn="l" defTabSz="914400" rtl="0" eaLnBrk="1" latinLnBrk="0" hangingPunct="1">
+        <a:lnSpc>
+          <a:spcPct val="89000"/>
+        </a:lnSpc>
         <a:spcBef>
           <a:spcPct val="0"/>
         </a:spcBef>
         <a:buNone/>
-        <a:defRPr sz="3600" kern="1200">
+        <a:defRPr sz="4400" kern="1200" baseline="0">
           <a:solidFill>
-            <a:schemeClr val="accent1"/>
+            <a:schemeClr val="tx2"/>
           </a:solidFill>
           <a:latin typeface="+mj-lt"/>
           <a:ea typeface="+mj-ea"/>
           <a:cs typeface="+mj-cs"/>
         </a:defRPr>
       </a:lvl1pPr>
-      <a:lvl2pPr eaLnBrk="1" hangingPunct="1">
-        <a:defRPr>
-          <a:solidFill>
-            <a:schemeClr val="tx2"/>
-          </a:solidFill>
-        </a:defRPr>
-      </a:lvl2pPr>
-      <a:lvl3pPr eaLnBrk="1" hangingPunct="1">
-        <a:defRPr>
-          <a:solidFill>
-            <a:schemeClr val="tx2"/>
-          </a:solidFill>
-        </a:defRPr>
-      </a:lvl3pPr>
-      <a:lvl4pPr eaLnBrk="1" hangingPunct="1">
-        <a:defRPr>
-          <a:solidFill>
-            <a:schemeClr val="tx2"/>
-          </a:solidFill>
-        </a:defRPr>
-      </a:lvl4pPr>
-      <a:lvl5pPr eaLnBrk="1" hangingPunct="1">
-        <a:defRPr>
-          <a:solidFill>
-            <a:schemeClr val="tx2"/>
-          </a:solidFill>
-        </a:defRPr>
-      </a:lvl5pPr>
-      <a:lvl6pPr eaLnBrk="1" hangingPunct="1">
-        <a:defRPr>
-          <a:solidFill>
-            <a:schemeClr val="tx2"/>
-          </a:solidFill>
-        </a:defRPr>
-      </a:lvl6pPr>
-      <a:lvl7pPr eaLnBrk="1" hangingPunct="1">
-        <a:defRPr>
-          <a:solidFill>
-            <a:schemeClr val="tx2"/>
-          </a:solidFill>
-        </a:defRPr>
-      </a:lvl7pPr>
-      <a:lvl8pPr eaLnBrk="1" hangingPunct="1">
-        <a:defRPr>
-          <a:solidFill>
-            <a:schemeClr val="tx2"/>
-          </a:solidFill>
-        </a:defRPr>
-      </a:lvl8pPr>
-      <a:lvl9pPr eaLnBrk="1" hangingPunct="1">
-        <a:defRPr>
-          <a:solidFill>
-            <a:schemeClr val="tx2"/>
-          </a:solidFill>
-        </a:defRPr>
-      </a:lvl9pPr>
     </p:titleStyle>
     <p:bodyStyle>
-      <a:lvl1pPr marL="342900" indent="-342900" algn="l" defTabSz="457200" rtl="0" eaLnBrk="1" latinLnBrk="0" hangingPunct="1">
+      <a:lvl1pPr marL="384048" indent="-384048" algn="l" defTabSz="914400" rtl="0" eaLnBrk="1" latinLnBrk="0" hangingPunct="1">
+        <a:lnSpc>
+          <a:spcPct val="94000"/>
+        </a:lnSpc>
         <a:spcBef>
           <a:spcPts val="1000"/>
         </a:spcBef>
         <a:spcAft>
-          <a:spcPts val="0"/>
+          <a:spcPts val="200"/>
         </a:spcAft>
-        <a:buClr>
-          <a:schemeClr val="accent1"/>
-        </a:buClr>
-        <a:buSzPct val="80000"/>
-        <a:buFont typeface="Wingdings 3" charset="2"/>
-        <a:buChar char=""/>
-        <a:defRPr sz="1800" kern="1200">
+        <a:buFont typeface="Franklin Gothic Book" panose="020B0503020102020204" pitchFamily="34" charset="0"/>
+        <a:buChar char="■"/>
+        <a:defRPr sz="2000" kern="1200" baseline="0">
           <a:solidFill>
-            <a:schemeClr val="tx1">
-              <a:lumMod val="75000"/>
-              <a:lumOff val="25000"/>
-            </a:schemeClr>
+            <a:schemeClr val="tx2"/>
           </a:solidFill>
           <a:latin typeface="+mn-lt"/>
           <a:ea typeface="+mn-ea"/>
           <a:cs typeface="+mn-cs"/>
         </a:defRPr>
       </a:lvl1pPr>
-      <a:lvl2pPr marL="742950" indent="-285750" algn="l" defTabSz="457200" rtl="0" eaLnBrk="1" latinLnBrk="0" hangingPunct="1">
+      <a:lvl2pPr marL="914400" indent="-384048" algn="l" defTabSz="914400" rtl="0" eaLnBrk="1" latinLnBrk="0" hangingPunct="1">
+        <a:lnSpc>
+          <a:spcPct val="94000"/>
+        </a:lnSpc>
         <a:spcBef>
-          <a:spcPts val="1000"/>
+          <a:spcPts val="500"/>
         </a:spcBef>
         <a:spcAft>
-          <a:spcPts val="0"/>
+          <a:spcPts val="200"/>
         </a:spcAft>
-        <a:buClr>
-          <a:schemeClr val="accent1"/>
-        </a:buClr>
-        <a:buSzPct val="80000"/>
-        <a:buFont typeface="Wingdings 3" charset="2"/>
-        <a:buChar char=""/>
-        <a:defRPr sz="1600" kern="1200">
+        <a:buFont typeface="Franklin Gothic Book" panose="020B0503020102020204" pitchFamily="34" charset="0"/>
+        <a:buChar char="–"/>
+        <a:defRPr sz="2000" i="1" kern="1200" baseline="0">
           <a:solidFill>
-            <a:schemeClr val="tx1">
-              <a:lumMod val="75000"/>
-              <a:lumOff val="25000"/>
-            </a:schemeClr>
+            <a:schemeClr val="tx2"/>
           </a:solidFill>
           <a:latin typeface="+mn-lt"/>
           <a:ea typeface="+mn-ea"/>
           <a:cs typeface="+mn-cs"/>
         </a:defRPr>
       </a:lvl2pPr>
-      <a:lvl3pPr marL="1143000" indent="-228600" algn="l" defTabSz="457200" rtl="0" eaLnBrk="1" latinLnBrk="0" hangingPunct="1">
+      <a:lvl3pPr marL="1371600" indent="-384048" algn="l" defTabSz="914400" rtl="0" eaLnBrk="1" latinLnBrk="0" hangingPunct="1">
+        <a:lnSpc>
+          <a:spcPct val="94000"/>
+        </a:lnSpc>
         <a:spcBef>
-          <a:spcPts val="1000"/>
+          <a:spcPts val="500"/>
         </a:spcBef>
         <a:spcAft>
-          <a:spcPts val="0"/>
+          <a:spcPts val="200"/>
         </a:spcAft>
-        <a:buClr>
-          <a:schemeClr val="accent1"/>
-        </a:buClr>
-        <a:buSzPct val="80000"/>
-        <a:buFont typeface="Wingdings 3" charset="2"/>
-        <a:buChar char=""/>
-        <a:defRPr sz="1400" kern="1200">
+        <a:buFont typeface="Franklin Gothic Book" panose="020B0503020102020204" pitchFamily="34" charset="0"/>
+        <a:buChar char="■"/>
+        <a:defRPr sz="1800" kern="1200" baseline="0">
           <a:solidFill>
-            <a:schemeClr val="tx1">
-              <a:lumMod val="75000"/>
-              <a:lumOff val="25000"/>
-            </a:schemeClr>
+            <a:schemeClr val="tx2"/>
           </a:solidFill>
           <a:latin typeface="+mn-lt"/>
           <a:ea typeface="+mn-ea"/>
           <a:cs typeface="+mn-cs"/>
         </a:defRPr>
       </a:lvl3pPr>
-      <a:lvl4pPr marL="1600200" indent="-228600" algn="l" defTabSz="457200" rtl="0" eaLnBrk="1" latinLnBrk="0" hangingPunct="1">
+      <a:lvl4pPr marL="1828800" indent="-384048" algn="l" defTabSz="914400" rtl="0" eaLnBrk="1" latinLnBrk="0" hangingPunct="1">
+        <a:lnSpc>
+          <a:spcPct val="94000"/>
+        </a:lnSpc>
         <a:spcBef>
-          <a:spcPts val="1000"/>
+          <a:spcPts val="500"/>
         </a:spcBef>
         <a:spcAft>
-          <a:spcPts val="0"/>
+          <a:spcPts val="200"/>
         </a:spcAft>
-        <a:buClr>
-          <a:schemeClr val="accent1"/>
-        </a:buClr>
-        <a:buSzPct val="80000"/>
-        <a:buFont typeface="Wingdings 3" charset="2"/>
-        <a:buChar char=""/>
-        <a:defRPr sz="1200" kern="1200">
+        <a:buFont typeface="Franklin Gothic Book" panose="020B0503020102020204" pitchFamily="34" charset="0"/>
+        <a:buChar char="–"/>
+        <a:defRPr sz="1800" i="1" kern="1200" baseline="0">
           <a:solidFill>
-            <a:schemeClr val="tx1">
-              <a:lumMod val="75000"/>
-              <a:lumOff val="25000"/>
-            </a:schemeClr>
+            <a:schemeClr val="tx2"/>
           </a:solidFill>
           <a:latin typeface="+mn-lt"/>
           <a:ea typeface="+mn-ea"/>
           <a:cs typeface="+mn-cs"/>
         </a:defRPr>
       </a:lvl4pPr>
-      <a:lvl5pPr marL="2057400" indent="-228600" algn="l" defTabSz="457200" rtl="0" eaLnBrk="1" latinLnBrk="0" hangingPunct="1">
+      <a:lvl5pPr marL="2286000" indent="-384048" algn="l" defTabSz="914400" rtl="0" eaLnBrk="1" latinLnBrk="0" hangingPunct="1">
+        <a:lnSpc>
+          <a:spcPct val="94000"/>
+        </a:lnSpc>
         <a:spcBef>
-          <a:spcPts val="1000"/>
+          <a:spcPts val="500"/>
         </a:spcBef>
         <a:spcAft>
-          <a:spcPts val="0"/>
+          <a:spcPts val="200"/>
         </a:spcAft>
-        <a:buClr>
-          <a:schemeClr val="accent1"/>
-        </a:buClr>
-        <a:buSzPct val="80000"/>
-        <a:buFont typeface="Wingdings 3" charset="2"/>
-        <a:buChar char=""/>
-        <a:defRPr sz="1200" kern="1200">
+        <a:buFont typeface="Franklin Gothic Book" panose="020B0503020102020204" pitchFamily="34" charset="0"/>
+        <a:buChar char="■"/>
+        <a:defRPr sz="1600" kern="1200" baseline="0">
           <a:solidFill>
-            <a:schemeClr val="tx1">
-              <a:lumMod val="75000"/>
-              <a:lumOff val="25000"/>
-            </a:schemeClr>
+            <a:schemeClr val="tx2"/>
           </a:solidFill>
           <a:latin typeface="+mn-lt"/>
           <a:ea typeface="+mn-ea"/>
           <a:cs typeface="+mn-cs"/>
         </a:defRPr>
       </a:lvl5pPr>
-      <a:lvl6pPr marL="2514600" indent="-228600" algn="l" defTabSz="457200" rtl="0" eaLnBrk="1" latinLnBrk="0" hangingPunct="1">
+      <a:lvl6pPr marL="2743200" indent="-384048" algn="l" defTabSz="914400" rtl="0" eaLnBrk="1" latinLnBrk="0" hangingPunct="1">
+        <a:lnSpc>
+          <a:spcPct val="94000"/>
+        </a:lnSpc>
         <a:spcBef>
-          <a:spcPts val="1000"/>
+          <a:spcPts val="500"/>
         </a:spcBef>
         <a:spcAft>
-          <a:spcPts val="0"/>
+          <a:spcPts val="200"/>
         </a:spcAft>
-        <a:buClr>
-          <a:schemeClr val="accent1"/>
-        </a:buClr>
-        <a:buSzPct val="80000"/>
-        <a:buFont typeface="Wingdings 3" charset="2"/>
-        <a:buChar char=""/>
-        <a:defRPr sz="1200" kern="1200">
+        <a:buFont typeface="Franklin Gothic Book" panose="020B0503020102020204" pitchFamily="34" charset="0"/>
+        <a:buChar char="–"/>
+        <a:defRPr sz="1600" i="1" kern="1200" baseline="0">
           <a:solidFill>
-            <a:schemeClr val="tx1">
-              <a:lumMod val="75000"/>
-              <a:lumOff val="25000"/>
-            </a:schemeClr>
+            <a:schemeClr val="tx2"/>
           </a:solidFill>
           <a:latin typeface="+mn-lt"/>
           <a:ea typeface="+mn-ea"/>
           <a:cs typeface="+mn-cs"/>
         </a:defRPr>
       </a:lvl6pPr>
-      <a:lvl7pPr marL="2971800" indent="-228600" algn="l" defTabSz="457200" rtl="0" eaLnBrk="1" latinLnBrk="0" hangingPunct="1">
+      <a:lvl7pPr marL="3200400" indent="-384048" algn="l" defTabSz="914400" rtl="0" eaLnBrk="1" latinLnBrk="0" hangingPunct="1">
+        <a:lnSpc>
+          <a:spcPct val="94000"/>
+        </a:lnSpc>
         <a:spcBef>
-          <a:spcPts val="1000"/>
+          <a:spcPts val="500"/>
         </a:spcBef>
         <a:spcAft>
-          <a:spcPts val="0"/>
+          <a:spcPts val="200"/>
         </a:spcAft>
-        <a:buClr>
-          <a:schemeClr val="accent1"/>
-        </a:buClr>
-        <a:buSzPct val="80000"/>
-        <a:buFont typeface="Wingdings 3" charset="2"/>
-        <a:buChar char=""/>
-        <a:defRPr sz="1200" kern="1200">
+        <a:buFont typeface="Franklin Gothic Book" panose="020B0503020102020204" pitchFamily="34" charset="0"/>
+        <a:buChar char="■"/>
+        <a:defRPr sz="1400" kern="1200" baseline="0">
           <a:solidFill>
-            <a:schemeClr val="tx1">
-              <a:lumMod val="75000"/>
-              <a:lumOff val="25000"/>
-            </a:schemeClr>
+            <a:schemeClr val="tx2"/>
           </a:solidFill>
           <a:latin typeface="+mn-lt"/>
           <a:ea typeface="+mn-ea"/>
           <a:cs typeface="+mn-cs"/>
         </a:defRPr>
       </a:lvl7pPr>
-      <a:lvl8pPr marL="3429000" indent="-228600" algn="l" defTabSz="457200" rtl="0" eaLnBrk="1" latinLnBrk="0" hangingPunct="1">
+      <a:lvl8pPr marL="3657600" indent="-384048" algn="l" defTabSz="914400" rtl="0" eaLnBrk="1" latinLnBrk="0" hangingPunct="1">
+        <a:lnSpc>
+          <a:spcPct val="94000"/>
+        </a:lnSpc>
         <a:spcBef>
-          <a:spcPts val="1000"/>
+          <a:spcPts val="500"/>
         </a:spcBef>
         <a:spcAft>
-          <a:spcPts val="0"/>
+          <a:spcPts val="200"/>
         </a:spcAft>
-        <a:buClr>
-          <a:schemeClr val="accent1"/>
-        </a:buClr>
-        <a:buSzPct val="80000"/>
-        <a:buFont typeface="Wingdings 3" charset="2"/>
-        <a:buChar char=""/>
-        <a:defRPr sz="1200" kern="1200">
+        <a:buFont typeface="Franklin Gothic Book" panose="020B0503020102020204" pitchFamily="34" charset="0"/>
+        <a:buChar char="–"/>
+        <a:defRPr sz="1400" i="1" kern="1200" baseline="0">
           <a:solidFill>
-            <a:schemeClr val="tx1">
-              <a:lumMod val="75000"/>
-              <a:lumOff val="25000"/>
-            </a:schemeClr>
+            <a:schemeClr val="tx2"/>
           </a:solidFill>
           <a:latin typeface="+mn-lt"/>
           <a:ea typeface="+mn-ea"/>
           <a:cs typeface="+mn-cs"/>
         </a:defRPr>
       </a:lvl8pPr>
-      <a:lvl9pPr marL="3886200" indent="-228600" algn="l" defTabSz="457200" rtl="0" eaLnBrk="1" latinLnBrk="0" hangingPunct="1">
+      <a:lvl9pPr marL="4114800" indent="-384048" algn="l" defTabSz="914400" rtl="0" eaLnBrk="1" latinLnBrk="0" hangingPunct="1">
+        <a:lnSpc>
+          <a:spcPct val="94000"/>
+        </a:lnSpc>
         <a:spcBef>
-          <a:spcPts val="1000"/>
+          <a:spcPts val="500"/>
         </a:spcBef>
         <a:spcAft>
-          <a:spcPts val="0"/>
+          <a:spcPts val="200"/>
         </a:spcAft>
-        <a:buClr>
-          <a:schemeClr val="accent1"/>
-        </a:buClr>
-        <a:buSzPct val="80000"/>
-        <a:buFont typeface="Wingdings 3" charset="2"/>
-        <a:buChar char=""/>
-        <a:defRPr sz="1200" kern="1200">
+        <a:buFont typeface="Franklin Gothic Book" panose="020B0503020102020204" pitchFamily="34" charset="0"/>
+        <a:buChar char="■"/>
+        <a:defRPr sz="1400" kern="1200" baseline="0">
           <a:solidFill>
-            <a:schemeClr val="tx1">
-              <a:lumMod val="75000"/>
-              <a:lumOff val="25000"/>
-            </a:schemeClr>
+            <a:schemeClr val="tx2"/>
           </a:solidFill>
           <a:latin typeface="+mn-lt"/>
           <a:ea typeface="+mn-ea"/>
@@ -5683,7 +3735,7 @@
       <a:defPPr>
         <a:defRPr lang="en-US"/>
       </a:defPPr>
-      <a:lvl1pPr marL="0" algn="l" defTabSz="457200" rtl="0" eaLnBrk="1" latinLnBrk="0" hangingPunct="1">
+      <a:lvl1pPr marL="0" algn="l" defTabSz="914400" rtl="0" eaLnBrk="1" latinLnBrk="0" hangingPunct="1">
         <a:defRPr sz="1800" kern="1200">
           <a:solidFill>
             <a:schemeClr val="tx1"/>
@@ -5693,7 +3745,7 @@
           <a:cs typeface="+mn-cs"/>
         </a:defRPr>
       </a:lvl1pPr>
-      <a:lvl2pPr marL="457200" algn="l" defTabSz="457200" rtl="0" eaLnBrk="1" latinLnBrk="0" hangingPunct="1">
+      <a:lvl2pPr marL="457200" algn="l" defTabSz="914400" rtl="0" eaLnBrk="1" latinLnBrk="0" hangingPunct="1">
         <a:defRPr sz="1800" kern="1200">
           <a:solidFill>
             <a:schemeClr val="tx1"/>
@@ -5703,7 +3755,7 @@
           <a:cs typeface="+mn-cs"/>
         </a:defRPr>
       </a:lvl2pPr>
-      <a:lvl3pPr marL="914400" algn="l" defTabSz="457200" rtl="0" eaLnBrk="1" latinLnBrk="0" hangingPunct="1">
+      <a:lvl3pPr marL="914400" algn="l" defTabSz="914400" rtl="0" eaLnBrk="1" latinLnBrk="0" hangingPunct="1">
         <a:defRPr sz="1800" kern="1200">
           <a:solidFill>
             <a:schemeClr val="tx1"/>
@@ -5713,7 +3765,7 @@
           <a:cs typeface="+mn-cs"/>
         </a:defRPr>
       </a:lvl3pPr>
-      <a:lvl4pPr marL="1371600" algn="l" defTabSz="457200" rtl="0" eaLnBrk="1" latinLnBrk="0" hangingPunct="1">
+      <a:lvl4pPr marL="1371600" algn="l" defTabSz="914400" rtl="0" eaLnBrk="1" latinLnBrk="0" hangingPunct="1">
         <a:defRPr sz="1800" kern="1200">
           <a:solidFill>
             <a:schemeClr val="tx1"/>
@@ -5723,7 +3775,7 @@
           <a:cs typeface="+mn-cs"/>
         </a:defRPr>
       </a:lvl4pPr>
-      <a:lvl5pPr marL="1828800" algn="l" defTabSz="457200" rtl="0" eaLnBrk="1" latinLnBrk="0" hangingPunct="1">
+      <a:lvl5pPr marL="1828800" algn="l" defTabSz="914400" rtl="0" eaLnBrk="1" latinLnBrk="0" hangingPunct="1">
         <a:defRPr sz="1800" kern="1200">
           <a:solidFill>
             <a:schemeClr val="tx1"/>
@@ -5733,7 +3785,7 @@
           <a:cs typeface="+mn-cs"/>
         </a:defRPr>
       </a:lvl5pPr>
-      <a:lvl6pPr marL="2286000" algn="l" defTabSz="457200" rtl="0" eaLnBrk="1" latinLnBrk="0" hangingPunct="1">
+      <a:lvl6pPr marL="2286000" algn="l" defTabSz="914400" rtl="0" eaLnBrk="1" latinLnBrk="0" hangingPunct="1">
         <a:defRPr sz="1800" kern="1200">
           <a:solidFill>
             <a:schemeClr val="tx1"/>
@@ -5743,7 +3795,7 @@
           <a:cs typeface="+mn-cs"/>
         </a:defRPr>
       </a:lvl6pPr>
-      <a:lvl7pPr marL="2743200" algn="l" defTabSz="457200" rtl="0" eaLnBrk="1" latinLnBrk="0" hangingPunct="1">
+      <a:lvl7pPr marL="2743200" algn="l" defTabSz="914400" rtl="0" eaLnBrk="1" latinLnBrk="0" hangingPunct="1">
         <a:defRPr sz="1800" kern="1200">
           <a:solidFill>
             <a:schemeClr val="tx1"/>
@@ -5753,7 +3805,7 @@
           <a:cs typeface="+mn-cs"/>
         </a:defRPr>
       </a:lvl7pPr>
-      <a:lvl8pPr marL="3200400" algn="l" defTabSz="457200" rtl="0" eaLnBrk="1" latinLnBrk="0" hangingPunct="1">
+      <a:lvl8pPr marL="3200400" algn="l" defTabSz="914400" rtl="0" eaLnBrk="1" latinLnBrk="0" hangingPunct="1">
         <a:defRPr sz="1800" kern="1200">
           <a:solidFill>
             <a:schemeClr val="tx1"/>
@@ -5763,7 +3815,7 @@
           <a:cs typeface="+mn-cs"/>
         </a:defRPr>
       </a:lvl8pPr>
-      <a:lvl9pPr marL="3657600" algn="l" defTabSz="457200" rtl="0" eaLnBrk="1" latinLnBrk="0" hangingPunct="1">
+      <a:lvl9pPr marL="3657600" algn="l" defTabSz="914400" rtl="0" eaLnBrk="1" latinLnBrk="0" hangingPunct="1">
         <a:defRPr sz="1800" kern="1200">
           <a:solidFill>
             <a:schemeClr val="tx1"/>
@@ -5775,6 +3827,52 @@
       </a:lvl9pPr>
     </p:otherStyle>
   </p:txStyles>
+  <p:extLst>
+    <p:ext uri="{27BBF7A9-308A-43DC-89C8-2F10F3537804}">
+      <p15:sldGuideLst xmlns:p15="http://schemas.microsoft.com/office/powerpoint/2012/main">
+        <p15:guide id="3" orient="horz" pos="1368">
+          <p15:clr>
+            <a:srgbClr val="F26B43"/>
+          </p15:clr>
+        </p15:guide>
+        <p15:guide id="4" orient="horz" pos="1440">
+          <p15:clr>
+            <a:srgbClr val="F26B43"/>
+          </p15:clr>
+        </p15:guide>
+        <p15:guide id="6" orient="horz" pos="3696">
+          <p15:clr>
+            <a:srgbClr val="F26B43"/>
+          </p15:clr>
+        </p15:guide>
+        <p15:guide id="7" orient="horz" pos="432">
+          <p15:clr>
+            <a:srgbClr val="F26B43"/>
+          </p15:clr>
+        </p15:guide>
+        <p15:guide id="8" orient="horz" pos="1512">
+          <p15:clr>
+            <a:srgbClr val="F26B43"/>
+          </p15:clr>
+        </p15:guide>
+        <p15:guide id="9" pos="6912">
+          <p15:clr>
+            <a:srgbClr val="F26B43"/>
+          </p15:clr>
+        </p15:guide>
+        <p15:guide id="10" pos="936">
+          <p15:clr>
+            <a:srgbClr val="F26B43"/>
+          </p15:clr>
+        </p15:guide>
+        <p15:guide id="11" pos="864">
+          <p15:clr>
+            <a:srgbClr val="F26B43"/>
+          </p15:clr>
+        </p15:guide>
+      </p15:sldGuideLst>
+    </p:ext>
+  </p:extLst>
 </p:sldMaster>
 </file>
 
@@ -5818,26 +3916,28 @@
           </a:xfrm>
         </p:spPr>
         <p:txBody>
-          <a:bodyPr/>
+          <a:bodyPr>
+            <a:normAutofit fontScale="90000"/>
+          </a:bodyPr>
           <a:lstStyle/>
           <a:p>
             <a:r>
-              <a:rPr lang="uk-UA" sz="2800" dirty="0"/>
+              <a:rPr lang="uk-UA" sz="2800" b="1" dirty="0"/>
               <a:t>Дослідження часової ефективності відображення  комп`ютерної графіки реального часу на багатоядерних системах з використанням </a:t>
             </a:r>
             <a:r>
-              <a:rPr lang="en-US" sz="2800" dirty="0"/>
+              <a:rPr lang="en-US" sz="2800" b="1" dirty="0"/>
               <a:t>OpenGL </a:t>
             </a:r>
             <a:r>
-              <a:rPr lang="uk-UA" sz="2800" dirty="0"/>
+              <a:rPr lang="uk-UA" sz="2800" b="1" dirty="0"/>
               <a:t>та </a:t>
             </a:r>
             <a:r>
-              <a:rPr lang="en-US" sz="2800" dirty="0"/>
+              <a:rPr lang="en-US" sz="2800" b="1" dirty="0"/>
               <a:t>Vulkan API</a:t>
             </a:r>
-            <a:endParaRPr lang="ru-RU" sz="2800" dirty="0"/>
+            <a:endParaRPr lang="ru-RU" sz="2800" b="1" dirty="0"/>
           </a:p>
         </p:txBody>
       </p:sp>
@@ -5855,7 +3955,7 @@
         </p:nvSpPr>
         <p:spPr>
           <a:xfrm>
-            <a:off x="6096000" y="2840736"/>
+            <a:off x="6096000" y="2690369"/>
             <a:ext cx="3429144" cy="830997"/>
           </a:xfrm>
           <a:prstGeom prst="rect">
@@ -5905,7 +4005,7 @@
         </p:nvSpPr>
         <p:spPr>
           <a:xfrm>
-            <a:off x="6096000" y="3752199"/>
+            <a:off x="6096000" y="3521366"/>
             <a:ext cx="2876108" cy="830997"/>
           </a:xfrm>
           <a:prstGeom prst="rect">
@@ -6026,8 +4126,8 @@
         </p:nvSpPr>
         <p:spPr>
           <a:xfrm>
-            <a:off x="925601" y="4629543"/>
-            <a:ext cx="3755440" cy="369332"/>
+            <a:off x="925600" y="4629543"/>
+            <a:ext cx="6179505" cy="523220"/>
           </a:xfrm>
           <a:prstGeom prst="rect">
             <a:avLst/>
@@ -6041,7 +4141,7 @@
           <a:lstStyle/>
           <a:p>
             <a:r>
-              <a:rPr lang="ru-RU" b="0" i="0" dirty="0" err="1">
+              <a:rPr lang="ru-RU" sz="2800" b="0" i="0" dirty="0" err="1">
                 <a:solidFill>
                   <a:srgbClr val="000000"/>
                 </a:solidFill>
@@ -6051,7 +4151,7 @@
               <a:t>Всі</a:t>
             </a:r>
             <a:r>
-              <a:rPr lang="ru-RU" b="0" i="0" dirty="0">
+              <a:rPr lang="ru-RU" sz="2800" b="0" i="0" dirty="0">
                 <a:solidFill>
                   <a:srgbClr val="000000"/>
                 </a:solidFill>
@@ -6061,7 +4161,7 @@
               <a:t> ядра </a:t>
             </a:r>
             <a:r>
-              <a:rPr lang="ru-RU" b="0" i="0" dirty="0" err="1">
+              <a:rPr lang="ru-RU" sz="2800" b="0" i="0" dirty="0" err="1">
                 <a:solidFill>
                   <a:srgbClr val="000000"/>
                 </a:solidFill>
@@ -6071,17 +4171,17 @@
               <a:t>завантажені</a:t>
             </a:r>
             <a:r>
-              <a:rPr lang="ru-RU" b="0" i="0" dirty="0">
-                <a:solidFill>
-                  <a:srgbClr val="000000"/>
-                </a:solidFill>
-                <a:effectLst/>
-                <a:latin typeface="Roboto"/>
-              </a:rPr>
-              <a:t> </a:t>
-            </a:r>
-            <a:r>
-              <a:rPr lang="ru-RU" b="0" i="0" dirty="0" err="1">
+              <a:rPr lang="ru-RU" sz="2800" b="0" i="0" dirty="0">
+                <a:solidFill>
+                  <a:srgbClr val="000000"/>
+                </a:solidFill>
+                <a:effectLst/>
+                <a:latin typeface="Roboto"/>
+              </a:rPr>
+              <a:t> </a:t>
+            </a:r>
+            <a:r>
+              <a:rPr lang="ru-RU" sz="2800" b="0" i="0" dirty="0" err="1">
                 <a:solidFill>
                   <a:srgbClr val="000000"/>
                 </a:solidFill>
@@ -6090,7 +4190,7 @@
               </a:rPr>
               <a:t>рівномірно</a:t>
             </a:r>
-            <a:endParaRPr lang="ru-RU" dirty="0"/>
+            <a:endParaRPr lang="ru-RU" sz="2800" dirty="0"/>
           </a:p>
         </p:txBody>
       </p:sp>
@@ -6303,15 +4403,15 @@
               <a:rPr lang="ru-RU" dirty="0"/>
             </a:br>
             <a:r>
-              <a:rPr lang="ru-RU" sz="1800" dirty="0" err="1"/>
+              <a:rPr lang="ru-RU" sz="2400" dirty="0" err="1"/>
               <a:t>прості</a:t>
             </a:r>
             <a:r>
-              <a:rPr lang="ru-RU" sz="1800" dirty="0"/>
-              <a:t> </a:t>
-            </a:r>
-            <a:r>
-              <a:rPr lang="ru-RU" sz="1800" dirty="0" err="1"/>
+              <a:rPr lang="ru-RU" sz="2400" dirty="0"/>
+              <a:t> </a:t>
+            </a:r>
+            <a:r>
+              <a:rPr lang="ru-RU" sz="2400" dirty="0" err="1"/>
               <a:t>моделі</a:t>
             </a:r>
             <a:endParaRPr lang="ru-RU" dirty="0"/>
@@ -6340,8 +4440,8 @@
         </p:blipFill>
         <p:spPr>
           <a:xfrm>
-            <a:off x="47768" y="1213133"/>
-            <a:ext cx="5413757" cy="2641653"/>
+            <a:off x="349795" y="1371331"/>
+            <a:ext cx="5136405" cy="2641653"/>
           </a:xfrm>
           <a:prstGeom prst="rect">
             <a:avLst/>
@@ -6370,7 +4470,7 @@
         </p:blipFill>
         <p:spPr>
           <a:xfrm>
-            <a:off x="5413757" y="1213133"/>
+            <a:off x="5461525" y="1371331"/>
             <a:ext cx="5770952" cy="2783033"/>
           </a:xfrm>
           <a:prstGeom prst="rect">
@@ -6400,7 +4500,7 @@
         </p:blipFill>
         <p:spPr>
           <a:xfrm>
-            <a:off x="2647136" y="3854786"/>
+            <a:off x="2990036" y="3996166"/>
             <a:ext cx="5533242" cy="2703456"/>
           </a:xfrm>
           <a:prstGeom prst="rect">
@@ -6497,15 +4597,15 @@
               <a:rPr lang="ru-RU" dirty="0"/>
             </a:br>
             <a:r>
-              <a:rPr lang="ru-RU" sz="1800" dirty="0" err="1"/>
+              <a:rPr lang="ru-RU" sz="2400" dirty="0" err="1"/>
               <a:t>прості</a:t>
             </a:r>
             <a:r>
-              <a:rPr lang="ru-RU" sz="1800" dirty="0"/>
-              <a:t> </a:t>
-            </a:r>
-            <a:r>
-              <a:rPr lang="ru-RU" sz="1800" dirty="0" err="1"/>
+              <a:rPr lang="ru-RU" sz="2400" dirty="0"/>
+              <a:t> </a:t>
+            </a:r>
+            <a:r>
+              <a:rPr lang="ru-RU" sz="2400" dirty="0" err="1"/>
               <a:t>моделі</a:t>
             </a:r>
             <a:endParaRPr lang="ru-RU" dirty="0"/>
@@ -6534,7 +4634,7 @@
         </p:blipFill>
         <p:spPr>
           <a:xfrm>
-            <a:off x="334371" y="1233981"/>
+            <a:off x="782109" y="1414955"/>
             <a:ext cx="7940722" cy="4390038"/>
           </a:xfrm>
           <a:prstGeom prst="rect">
@@ -6556,7 +4656,7 @@
         </p:nvSpPr>
         <p:spPr>
           <a:xfrm>
-            <a:off x="8275093" y="3105834"/>
+            <a:off x="8874533" y="3105833"/>
             <a:ext cx="1135247" cy="646331"/>
           </a:xfrm>
           <a:prstGeom prst="rect">
@@ -6677,15 +4777,15 @@
               <a:rPr lang="ru-RU" dirty="0"/>
             </a:br>
             <a:r>
-              <a:rPr lang="ru-RU" sz="1800" dirty="0" err="1"/>
+              <a:rPr lang="ru-RU" sz="2400" dirty="0" err="1"/>
               <a:t>складні</a:t>
             </a:r>
             <a:r>
-              <a:rPr lang="ru-RU" sz="1800" dirty="0"/>
-              <a:t> </a:t>
-            </a:r>
-            <a:r>
-              <a:rPr lang="ru-RU" sz="1800" dirty="0" err="1"/>
+              <a:rPr lang="ru-RU" sz="2400" dirty="0"/>
+              <a:t> </a:t>
+            </a:r>
+            <a:r>
+              <a:rPr lang="ru-RU" sz="2400" dirty="0" err="1"/>
               <a:t>моделі</a:t>
             </a:r>
             <a:endParaRPr lang="ru-RU" dirty="0"/>
@@ -6714,8 +4814,8 @@
         </p:blipFill>
         <p:spPr>
           <a:xfrm>
-            <a:off x="100262" y="1082012"/>
-            <a:ext cx="5332436" cy="2613939"/>
+            <a:off x="456312" y="1082012"/>
+            <a:ext cx="4976386" cy="2613939"/>
           </a:xfrm>
           <a:prstGeom prst="rect">
             <a:avLst/>
@@ -6871,15 +4971,15 @@
               <a:rPr lang="ru-RU" dirty="0"/>
             </a:br>
             <a:r>
-              <a:rPr lang="ru-RU" sz="1800" dirty="0" err="1"/>
+              <a:rPr lang="ru-RU" sz="2800" dirty="0" err="1"/>
               <a:t>складні</a:t>
             </a:r>
             <a:r>
-              <a:rPr lang="ru-RU" sz="1800" dirty="0"/>
-              <a:t> </a:t>
-            </a:r>
-            <a:r>
-              <a:rPr lang="ru-RU" sz="1800" dirty="0" err="1"/>
+              <a:rPr lang="ru-RU" sz="2800" dirty="0"/>
+              <a:t> </a:t>
+            </a:r>
+            <a:r>
+              <a:rPr lang="ru-RU" sz="2800" dirty="0" err="1"/>
               <a:t>моделі</a:t>
             </a:r>
             <a:endParaRPr lang="ru-RU" dirty="0"/>
@@ -6908,7 +5008,7 @@
         </p:blipFill>
         <p:spPr>
           <a:xfrm>
-            <a:off x="285750" y="1461384"/>
+            <a:off x="704850" y="1461384"/>
             <a:ext cx="8596668" cy="4785836"/>
           </a:xfrm>
           <a:prstGeom prst="rect">
@@ -6930,7 +5030,7 @@
         </p:nvSpPr>
         <p:spPr>
           <a:xfrm>
-            <a:off x="8665237" y="3105834"/>
+            <a:off x="9417712" y="3105834"/>
             <a:ext cx="1135247" cy="646331"/>
           </a:xfrm>
           <a:prstGeom prst="rect">
@@ -7010,8 +5110,8 @@
         </p:nvSpPr>
         <p:spPr>
           <a:xfrm>
-            <a:off x="456312" y="140584"/>
-            <a:ext cx="8596668" cy="1320800"/>
+            <a:off x="456311" y="140584"/>
+            <a:ext cx="9935463" cy="1320800"/>
           </a:xfrm>
         </p:spPr>
         <p:txBody>
@@ -7022,6 +5122,10 @@
           <a:p>
             <a:pPr algn="ctr"/>
             <a:r>
+              <a:rPr lang="en-US" dirty="0"/>
+              <a:t> </a:t>
+            </a:r>
+            <a:r>
               <a:rPr lang="ru-RU" dirty="0" err="1"/>
               <a:t>Зміна</a:t>
             </a:r>
@@ -7061,15 +5165,15 @@
               <a:rPr lang="ru-RU" dirty="0"/>
             </a:br>
             <a:r>
-              <a:rPr lang="ru-RU" sz="1800" dirty="0" err="1"/>
+              <a:rPr lang="ru-RU" sz="2400" dirty="0" err="1"/>
               <a:t>прості</a:t>
             </a:r>
             <a:r>
-              <a:rPr lang="ru-RU" sz="1800" dirty="0"/>
-              <a:t> </a:t>
-            </a:r>
-            <a:r>
-              <a:rPr lang="ru-RU" sz="1800" dirty="0" err="1"/>
+              <a:rPr lang="ru-RU" sz="2400" dirty="0"/>
+              <a:t> </a:t>
+            </a:r>
+            <a:r>
+              <a:rPr lang="ru-RU" sz="2400" dirty="0" err="1"/>
               <a:t>моделі</a:t>
             </a:r>
             <a:endParaRPr lang="ru-RU" dirty="0"/>
@@ -7098,7 +5202,7 @@
         </p:blipFill>
         <p:spPr>
           <a:xfrm>
-            <a:off x="0" y="1099589"/>
+            <a:off x="609600" y="1674049"/>
             <a:ext cx="5073952" cy="2429995"/>
           </a:xfrm>
           <a:prstGeom prst="rect">
@@ -7128,7 +5232,7 @@
         </p:blipFill>
         <p:spPr>
           <a:xfrm>
-            <a:off x="5073952" y="1099589"/>
+            <a:off x="5683552" y="1643713"/>
             <a:ext cx="5073953" cy="2460331"/>
           </a:xfrm>
           <a:prstGeom prst="rect">
@@ -7158,7 +5262,7 @@
         </p:blipFill>
         <p:spPr>
           <a:xfrm>
-            <a:off x="2328672" y="3708826"/>
+            <a:off x="3413855" y="4104044"/>
             <a:ext cx="5364289" cy="2613372"/>
           </a:xfrm>
           <a:prstGeom prst="rect">
@@ -7215,7 +5319,7 @@
         <p:spPr>
           <a:xfrm>
             <a:off x="456312" y="140584"/>
-            <a:ext cx="8596668" cy="1320800"/>
+            <a:ext cx="10154538" cy="1320800"/>
           </a:xfrm>
         </p:spPr>
         <p:txBody>
@@ -7265,15 +5369,15 @@
               <a:rPr lang="ru-RU" dirty="0"/>
             </a:br>
             <a:r>
-              <a:rPr lang="ru-RU" sz="1800" dirty="0" err="1"/>
+              <a:rPr lang="ru-RU" sz="2400" dirty="0" err="1"/>
               <a:t>прості</a:t>
             </a:r>
             <a:r>
-              <a:rPr lang="ru-RU" sz="1800" dirty="0"/>
-              <a:t> </a:t>
-            </a:r>
-            <a:r>
-              <a:rPr lang="ru-RU" sz="1800" dirty="0" err="1"/>
+              <a:rPr lang="ru-RU" sz="2400" dirty="0"/>
+              <a:t> </a:t>
+            </a:r>
+            <a:r>
+              <a:rPr lang="ru-RU" sz="2400" dirty="0" err="1"/>
               <a:t>моделі</a:t>
             </a:r>
             <a:endParaRPr lang="ru-RU" dirty="0"/>
@@ -7302,7 +5406,7 @@
         </p:blipFill>
         <p:spPr>
           <a:xfrm>
-            <a:off x="0" y="1188800"/>
+            <a:off x="752475" y="1123273"/>
             <a:ext cx="8918200" cy="5225648"/>
           </a:xfrm>
           <a:prstGeom prst="rect">
@@ -7324,7 +5428,7 @@
         </p:nvSpPr>
         <p:spPr>
           <a:xfrm>
-            <a:off x="8672061" y="3478458"/>
+            <a:off x="9761353" y="3649908"/>
             <a:ext cx="1135247" cy="646331"/>
           </a:xfrm>
           <a:prstGeom prst="rect">
@@ -7370,7 +5474,7 @@
         </p:nvSpPr>
         <p:spPr>
           <a:xfrm>
-            <a:off x="1994867" y="6229782"/>
+            <a:off x="2452067" y="6348921"/>
             <a:ext cx="1618585" cy="369332"/>
           </a:xfrm>
           <a:prstGeom prst="rect">
@@ -7516,7 +5620,7 @@
         </p:nvSpPr>
         <p:spPr>
           <a:xfrm>
-            <a:off x="3969971" y="6229782"/>
+            <a:off x="4770749" y="6316216"/>
             <a:ext cx="1618585" cy="369332"/>
           </a:xfrm>
           <a:prstGeom prst="rect">
@@ -7662,7 +5766,7 @@
         </p:nvSpPr>
         <p:spPr>
           <a:xfrm>
-            <a:off x="6382512" y="6229782"/>
+            <a:off x="7220712" y="6289352"/>
             <a:ext cx="1618585" cy="369332"/>
           </a:xfrm>
           <a:prstGeom prst="rect">
@@ -7842,8 +5946,8 @@
         </p:nvSpPr>
         <p:spPr>
           <a:xfrm>
-            <a:off x="456312" y="140584"/>
-            <a:ext cx="8596668" cy="1320800"/>
+            <a:off x="456311" y="140584"/>
+            <a:ext cx="10125963" cy="1320800"/>
           </a:xfrm>
         </p:spPr>
         <p:txBody>
@@ -7893,15 +5997,15 @@
               <a:rPr lang="ru-RU" dirty="0"/>
             </a:br>
             <a:r>
-              <a:rPr lang="ru-RU" sz="1800" dirty="0" err="1"/>
+              <a:rPr lang="ru-RU" sz="2800" dirty="0" err="1"/>
               <a:t>складні</a:t>
             </a:r>
             <a:r>
-              <a:rPr lang="ru-RU" sz="1800" dirty="0"/>
-              <a:t> </a:t>
-            </a:r>
-            <a:r>
-              <a:rPr lang="ru-RU" sz="1800" dirty="0" err="1"/>
+              <a:rPr lang="ru-RU" sz="2800" dirty="0"/>
+              <a:t> </a:t>
+            </a:r>
+            <a:r>
+              <a:rPr lang="ru-RU" sz="2800" dirty="0" err="1"/>
               <a:t>моделі</a:t>
             </a:r>
             <a:endParaRPr lang="ru-RU" dirty="0"/>
@@ -7930,8 +6034,8 @@
         </p:blipFill>
         <p:spPr>
           <a:xfrm>
-            <a:off x="-1" y="1244221"/>
-            <a:ext cx="4903608" cy="2366749"/>
+            <a:off x="1176142" y="1461385"/>
+            <a:ext cx="5064404" cy="2444358"/>
           </a:xfrm>
           <a:prstGeom prst="rect">
             <a:avLst/>
@@ -7960,7 +6064,7 @@
         </p:blipFill>
         <p:spPr>
           <a:xfrm>
-            <a:off x="4754646" y="1322467"/>
+            <a:off x="6240546" y="1431049"/>
             <a:ext cx="5136036" cy="2478662"/>
           </a:xfrm>
           <a:prstGeom prst="rect">
@@ -7990,7 +6094,7 @@
         </p:blipFill>
         <p:spPr>
           <a:xfrm>
-            <a:off x="2031743" y="3879375"/>
+            <a:off x="2700213" y="3909711"/>
             <a:ext cx="5743727" cy="2763899"/>
           </a:xfrm>
           <a:prstGeom prst="rect">
@@ -8047,7 +6151,7 @@
         <p:spPr>
           <a:xfrm>
             <a:off x="456312" y="140584"/>
-            <a:ext cx="8596668" cy="1320800"/>
+            <a:ext cx="10651568" cy="1320800"/>
           </a:xfrm>
         </p:spPr>
         <p:txBody>
@@ -8097,15 +6201,15 @@
               <a:rPr lang="ru-RU" dirty="0"/>
             </a:br>
             <a:r>
-              <a:rPr lang="ru-RU" sz="1800" dirty="0" err="1"/>
+              <a:rPr lang="ru-RU" sz="2800" dirty="0" err="1"/>
               <a:t>складні</a:t>
             </a:r>
             <a:r>
-              <a:rPr lang="ru-RU" sz="1800" dirty="0"/>
-              <a:t> </a:t>
-            </a:r>
-            <a:r>
-              <a:rPr lang="ru-RU" sz="1800" dirty="0" err="1"/>
+              <a:rPr lang="ru-RU" sz="2800" dirty="0"/>
+              <a:t> </a:t>
+            </a:r>
+            <a:r>
+              <a:rPr lang="ru-RU" sz="2800" dirty="0" err="1"/>
               <a:t>моделі</a:t>
             </a:r>
             <a:endParaRPr lang="ru-RU" dirty="0"/>
@@ -8134,7 +6238,7 @@
         </p:blipFill>
         <p:spPr>
           <a:xfrm>
-            <a:off x="0" y="1009178"/>
+            <a:off x="1310356" y="1160684"/>
             <a:ext cx="8837418" cy="5377974"/>
           </a:xfrm>
           <a:prstGeom prst="rect">
@@ -8156,7 +6260,7 @@
         </p:nvSpPr>
         <p:spPr>
           <a:xfrm>
-            <a:off x="8685709" y="3698165"/>
+            <a:off x="10209890" y="3676855"/>
             <a:ext cx="1135247" cy="646331"/>
           </a:xfrm>
           <a:prstGeom prst="rect">
@@ -8202,7 +6306,7 @@
         </p:nvSpPr>
         <p:spPr>
           <a:xfrm>
-            <a:off x="1538749" y="6242280"/>
+            <a:off x="2939693" y="6404132"/>
             <a:ext cx="1618585" cy="369332"/>
           </a:xfrm>
           <a:prstGeom prst="rect">
@@ -8348,7 +6452,7 @@
         </p:nvSpPr>
         <p:spPr>
           <a:xfrm>
-            <a:off x="3998328" y="6246602"/>
+            <a:off x="5286707" y="6392316"/>
             <a:ext cx="1618585" cy="369332"/>
           </a:xfrm>
           <a:prstGeom prst="rect">
@@ -8494,7 +6598,7 @@
         </p:nvSpPr>
         <p:spPr>
           <a:xfrm>
-            <a:off x="6689172" y="6245973"/>
+            <a:off x="7946472" y="6358948"/>
             <a:ext cx="1618585" cy="369332"/>
           </a:xfrm>
           <a:prstGeom prst="rect">
@@ -8675,7 +6779,7 @@
         <p:spPr>
           <a:xfrm>
             <a:off x="456312" y="140584"/>
-            <a:ext cx="8596668" cy="1320800"/>
+            <a:ext cx="11278488" cy="1320800"/>
           </a:xfrm>
         </p:spPr>
         <p:txBody>
@@ -8725,15 +6829,15 @@
               <a:rPr lang="ru-RU" dirty="0"/>
             </a:br>
             <a:r>
-              <a:rPr lang="ru-RU" sz="1800" dirty="0" err="1"/>
+              <a:rPr lang="ru-RU" sz="2800" dirty="0" err="1"/>
               <a:t>прості</a:t>
             </a:r>
             <a:r>
-              <a:rPr lang="ru-RU" sz="1800" dirty="0"/>
-              <a:t> </a:t>
-            </a:r>
-            <a:r>
-              <a:rPr lang="ru-RU" sz="1800" dirty="0" err="1"/>
+              <a:rPr lang="ru-RU" sz="2800" dirty="0"/>
+              <a:t> </a:t>
+            </a:r>
+            <a:r>
+              <a:rPr lang="ru-RU" sz="2800" dirty="0" err="1"/>
               <a:t>моделі</a:t>
             </a:r>
             <a:endParaRPr lang="ru-RU" dirty="0"/>
@@ -8762,7 +6866,7 @@
         </p:blipFill>
         <p:spPr>
           <a:xfrm>
-            <a:off x="0" y="1105468"/>
+            <a:off x="1463139" y="1515930"/>
             <a:ext cx="4884609" cy="2383097"/>
           </a:xfrm>
           <a:prstGeom prst="rect">
@@ -8792,7 +6896,7 @@
         </p:blipFill>
         <p:spPr>
           <a:xfrm>
-            <a:off x="4966624" y="1221938"/>
+            <a:off x="6347748" y="1574164"/>
             <a:ext cx="4681537" cy="2266627"/>
           </a:xfrm>
           <a:prstGeom prst="rect">
@@ -8822,7 +6926,7 @@
         </p:blipFill>
         <p:spPr>
           <a:xfrm>
-            <a:off x="2429302" y="3502435"/>
+            <a:off x="3553192" y="3835810"/>
             <a:ext cx="5589113" cy="2722901"/>
           </a:xfrm>
           <a:prstGeom prst="rect">
@@ -8918,7 +7022,9 @@
         </p:nvSpPr>
         <p:spPr/>
         <p:txBody>
-          <a:bodyPr/>
+          <a:bodyPr>
+            <a:normAutofit lnSpcReduction="10000"/>
+          </a:bodyPr>
           <a:lstStyle/>
           <a:p>
             <a:endParaRPr lang="ru-RU" dirty="0">
@@ -8939,7 +7045,7 @@
           </a:p>
           <a:p>
             <a:r>
-              <a:rPr lang="ru-RU" b="0" i="0" dirty="0">
+              <a:rPr lang="ru-RU" sz="2400" b="0" i="0" dirty="0">
                 <a:solidFill>
                   <a:srgbClr val="000000"/>
                 </a:solidFill>
@@ -8949,7 +7055,7 @@
               <a:t>Мета </a:t>
             </a:r>
             <a:r>
-              <a:rPr lang="ru-RU" b="0" i="0" dirty="0" err="1">
+              <a:rPr lang="ru-RU" sz="2400" b="0" i="0" dirty="0" err="1">
                 <a:solidFill>
                   <a:srgbClr val="000000"/>
                 </a:solidFill>
@@ -8959,17 +7065,17 @@
               <a:t>комп'ютерної</a:t>
             </a:r>
             <a:r>
-              <a:rPr lang="ru-RU" b="0" i="0" dirty="0">
-                <a:solidFill>
-                  <a:srgbClr val="000000"/>
-                </a:solidFill>
-                <a:effectLst/>
-                <a:latin typeface="Roboto"/>
-              </a:rPr>
-              <a:t> </a:t>
-            </a:r>
-            <a:r>
-              <a:rPr lang="ru-RU" b="0" i="0" dirty="0" err="1">
+              <a:rPr lang="ru-RU" sz="2400" b="0" i="0" dirty="0">
+                <a:solidFill>
+                  <a:srgbClr val="000000"/>
+                </a:solidFill>
+                <a:effectLst/>
+                <a:latin typeface="Roboto"/>
+              </a:rPr>
+              <a:t> </a:t>
+            </a:r>
+            <a:r>
+              <a:rPr lang="ru-RU" sz="2400" b="0" i="0" dirty="0" err="1">
                 <a:solidFill>
                   <a:srgbClr val="000000"/>
                 </a:solidFill>
@@ -8979,7 +7085,7 @@
               <a:t>графіки</a:t>
             </a:r>
             <a:r>
-              <a:rPr lang="ru-RU" b="0" i="0" dirty="0">
+              <a:rPr lang="ru-RU" sz="2400" b="0" i="0" dirty="0">
                 <a:solidFill>
                   <a:srgbClr val="000000"/>
                 </a:solidFill>
@@ -8989,7 +7095,7 @@
               <a:t> - </a:t>
             </a:r>
             <a:r>
-              <a:rPr lang="ru-RU" b="0" i="0" dirty="0" err="1">
+              <a:rPr lang="ru-RU" sz="2400" b="0" i="0" dirty="0" err="1">
                 <a:solidFill>
                   <a:srgbClr val="000000"/>
                 </a:solidFill>
@@ -8999,17 +7105,17 @@
               <a:t>генерувати</a:t>
             </a:r>
             <a:r>
-              <a:rPr lang="ru-RU" b="0" i="0" dirty="0">
-                <a:solidFill>
-                  <a:srgbClr val="000000"/>
-                </a:solidFill>
-                <a:effectLst/>
-                <a:latin typeface="Roboto"/>
-              </a:rPr>
-              <a:t> </a:t>
-            </a:r>
-            <a:r>
-              <a:rPr lang="ru-RU" b="0" i="0" dirty="0" err="1">
+              <a:rPr lang="ru-RU" sz="2400" b="0" i="0" dirty="0">
+                <a:solidFill>
+                  <a:srgbClr val="000000"/>
+                </a:solidFill>
+                <a:effectLst/>
+                <a:latin typeface="Roboto"/>
+              </a:rPr>
+              <a:t> </a:t>
+            </a:r>
+            <a:r>
+              <a:rPr lang="ru-RU" sz="2400" b="0" i="0" dirty="0" err="1">
                 <a:solidFill>
                   <a:srgbClr val="000000"/>
                 </a:solidFill>
@@ -9019,17 +7125,17 @@
               <a:t>комп'ютерні</a:t>
             </a:r>
             <a:r>
-              <a:rPr lang="ru-RU" b="0" i="0" dirty="0">
-                <a:solidFill>
-                  <a:srgbClr val="000000"/>
-                </a:solidFill>
-                <a:effectLst/>
-                <a:latin typeface="Roboto"/>
-              </a:rPr>
-              <a:t> </a:t>
-            </a:r>
-            <a:r>
-              <a:rPr lang="ru-RU" b="0" i="0" dirty="0" err="1">
+              <a:rPr lang="ru-RU" sz="2400" b="0" i="0" dirty="0">
+                <a:solidFill>
+                  <a:srgbClr val="000000"/>
+                </a:solidFill>
+                <a:effectLst/>
+                <a:latin typeface="Roboto"/>
+              </a:rPr>
+              <a:t> </a:t>
+            </a:r>
+            <a:r>
+              <a:rPr lang="ru-RU" sz="2400" b="0" i="0" dirty="0" err="1">
                 <a:solidFill>
                   <a:srgbClr val="000000"/>
                 </a:solidFill>
@@ -9039,17 +7145,17 @@
               <a:t>зображення</a:t>
             </a:r>
             <a:r>
-              <a:rPr lang="ru-RU" b="0" i="0" dirty="0">
-                <a:solidFill>
-                  <a:srgbClr val="000000"/>
-                </a:solidFill>
-                <a:effectLst/>
-                <a:latin typeface="Roboto"/>
-              </a:rPr>
-              <a:t> </a:t>
-            </a:r>
-            <a:r>
-              <a:rPr lang="ru-RU" b="0" i="0" dirty="0" err="1">
+              <a:rPr lang="ru-RU" sz="2400" b="0" i="0" dirty="0">
+                <a:solidFill>
+                  <a:srgbClr val="000000"/>
+                </a:solidFill>
+                <a:effectLst/>
+                <a:latin typeface="Roboto"/>
+              </a:rPr>
+              <a:t> </a:t>
+            </a:r>
+            <a:r>
+              <a:rPr lang="ru-RU" sz="2400" b="0" i="0" dirty="0" err="1">
                 <a:solidFill>
                   <a:srgbClr val="000000"/>
                 </a:solidFill>
@@ -9059,7 +7165,7 @@
               <a:t>або</a:t>
             </a:r>
             <a:r>
-              <a:rPr lang="ru-RU" b="0" i="0" dirty="0">
+              <a:rPr lang="ru-RU" sz="2400" b="0" i="0" dirty="0">
                 <a:solidFill>
                   <a:srgbClr val="000000"/>
                 </a:solidFill>
@@ -9069,7 +7175,7 @@
               <a:t> кадри</a:t>
             </a:r>
             <a:br>
-              <a:rPr lang="ru-RU" b="0" i="0" dirty="0">
+              <a:rPr lang="ru-RU" sz="2400" b="0" i="0" dirty="0">
                 <a:solidFill>
                   <a:srgbClr val="000000"/>
                 </a:solidFill>
@@ -9077,11 +7183,11 @@
                 <a:latin typeface="Roboto"/>
               </a:rPr>
             </a:br>
-            <a:endParaRPr lang="ru-RU" dirty="0"/>
-          </a:p>
-          <a:p>
-            <a:r>
-              <a:rPr lang="ru-RU" b="0" i="0" dirty="0">
+            <a:endParaRPr lang="ru-RU" sz="2400" dirty="0"/>
+          </a:p>
+          <a:p>
+            <a:r>
+              <a:rPr lang="ru-RU" sz="2400" b="0" i="0" dirty="0">
                 <a:solidFill>
                   <a:srgbClr val="000000"/>
                 </a:solidFill>
@@ -9091,7 +7197,7 @@
               <a:t>Одним з </a:t>
             </a:r>
             <a:r>
-              <a:rPr lang="ru-RU" b="0" i="0" dirty="0" err="1">
+              <a:rPr lang="ru-RU" sz="2400" b="0" i="0" dirty="0" err="1">
                 <a:solidFill>
                   <a:srgbClr val="000000"/>
                 </a:solidFill>
@@ -9101,17 +7207,17 @@
               <a:t>показників</a:t>
             </a:r>
             <a:r>
-              <a:rPr lang="ru-RU" b="0" i="0" dirty="0">
-                <a:solidFill>
-                  <a:srgbClr val="000000"/>
-                </a:solidFill>
-                <a:effectLst/>
-                <a:latin typeface="Roboto"/>
-              </a:rPr>
-              <a:t> </a:t>
-            </a:r>
-            <a:r>
-              <a:rPr lang="ru-RU" b="0" i="0" dirty="0" err="1">
+              <a:rPr lang="ru-RU" sz="2400" b="0" i="0" dirty="0">
+                <a:solidFill>
+                  <a:srgbClr val="000000"/>
+                </a:solidFill>
+                <a:effectLst/>
+                <a:latin typeface="Roboto"/>
+              </a:rPr>
+              <a:t> </a:t>
+            </a:r>
+            <a:r>
+              <a:rPr lang="ru-RU" sz="2400" b="0" i="0" dirty="0" err="1">
                 <a:solidFill>
                   <a:srgbClr val="000000"/>
                 </a:solidFill>
@@ -9121,7 +7227,7 @@
               <a:t>графіки</a:t>
             </a:r>
             <a:r>
-              <a:rPr lang="ru-RU" b="0" i="0" dirty="0">
+              <a:rPr lang="ru-RU" sz="2400" b="0" i="0" dirty="0">
                 <a:solidFill>
                   <a:srgbClr val="000000"/>
                 </a:solidFill>
@@ -9131,7 +7237,7 @@
               <a:t> реального часу є </a:t>
             </a:r>
             <a:r>
-              <a:rPr lang="ru-RU" b="0" i="0" dirty="0" err="1">
+              <a:rPr lang="ru-RU" sz="2400" b="0" i="0" dirty="0" err="1">
                 <a:solidFill>
                   <a:srgbClr val="000000"/>
                 </a:solidFill>
@@ -9141,17 +7247,17 @@
               <a:t>кількість</a:t>
             </a:r>
             <a:r>
-              <a:rPr lang="ru-RU" b="0" i="0" dirty="0">
-                <a:solidFill>
-                  <a:srgbClr val="000000"/>
-                </a:solidFill>
-                <a:effectLst/>
-                <a:latin typeface="Roboto"/>
-              </a:rPr>
-              <a:t> </a:t>
-            </a:r>
-            <a:r>
-              <a:rPr lang="ru-RU" b="0" i="0" dirty="0" err="1">
+              <a:rPr lang="ru-RU" sz="2400" b="0" i="0" dirty="0">
+                <a:solidFill>
+                  <a:srgbClr val="000000"/>
+                </a:solidFill>
+                <a:effectLst/>
+                <a:latin typeface="Roboto"/>
+              </a:rPr>
+              <a:t> </a:t>
+            </a:r>
+            <a:r>
+              <a:rPr lang="ru-RU" sz="2400" b="0" i="0" dirty="0" err="1">
                 <a:solidFill>
                   <a:srgbClr val="000000"/>
                 </a:solidFill>
@@ -9161,7 +7267,7 @@
               <a:t>кадрів</a:t>
             </a:r>
             <a:r>
-              <a:rPr lang="ru-RU" b="0" i="0" dirty="0">
+              <a:rPr lang="ru-RU" sz="2400" b="0" i="0" dirty="0">
                 <a:solidFill>
                   <a:srgbClr val="000000"/>
                 </a:solidFill>
@@ -9171,7 +7277,7 @@
               <a:t>, </a:t>
             </a:r>
             <a:r>
-              <a:rPr lang="ru-RU" b="0" i="0" dirty="0" err="1">
+              <a:rPr lang="ru-RU" sz="2400" b="0" i="0" dirty="0" err="1">
                 <a:solidFill>
                   <a:srgbClr val="000000"/>
                 </a:solidFill>
@@ -9181,7 +7287,7 @@
               <a:t>згенерованих</a:t>
             </a:r>
             <a:r>
-              <a:rPr lang="ru-RU" b="0" i="0" dirty="0">
+              <a:rPr lang="ru-RU" sz="2400" b="0" i="0" dirty="0">
                 <a:solidFill>
                   <a:srgbClr val="000000"/>
                 </a:solidFill>
@@ -9191,7 +7297,7 @@
               <a:t> за </a:t>
             </a:r>
             <a:r>
-              <a:rPr lang="ru-RU" b="0" i="0" dirty="0" err="1">
+              <a:rPr lang="ru-RU" sz="2400" b="0" i="0" dirty="0" err="1">
                 <a:solidFill>
                   <a:srgbClr val="000000"/>
                 </a:solidFill>
@@ -9201,7 +7307,7 @@
               <a:t>дану</a:t>
             </a:r>
             <a:r>
-              <a:rPr lang="ru-RU" b="0" i="0" dirty="0">
+              <a:rPr lang="ru-RU" sz="2400" b="0" i="0" dirty="0">
                 <a:solidFill>
                   <a:srgbClr val="000000"/>
                 </a:solidFill>
@@ -9211,7 +7317,7 @@
               <a:t> секунду.</a:t>
             </a:r>
             <a:br>
-              <a:rPr lang="ru-RU" b="0" i="0" dirty="0">
+              <a:rPr lang="ru-RU" sz="2400" b="0" i="0" dirty="0">
                 <a:solidFill>
                   <a:srgbClr val="000000"/>
                 </a:solidFill>
@@ -9219,11 +7325,11 @@
                 <a:latin typeface="Roboto"/>
               </a:rPr>
             </a:br>
-            <a:endParaRPr lang="ru-RU" dirty="0"/>
-          </a:p>
-          <a:p>
-            <a:r>
-              <a:rPr lang="uk-UA" b="0" i="0" dirty="0">
+            <a:endParaRPr lang="ru-RU" sz="2400" dirty="0"/>
+          </a:p>
+          <a:p>
+            <a:r>
+              <a:rPr lang="uk-UA" sz="2400" b="0" i="0" dirty="0">
                 <a:solidFill>
                   <a:srgbClr val="000000"/>
                 </a:solidFill>
@@ -9233,7 +7339,7 @@
               <a:t>І</a:t>
             </a:r>
             <a:r>
-              <a:rPr lang="ru-RU" b="0" i="0" dirty="0" err="1">
+              <a:rPr lang="ru-RU" sz="2400" b="0" i="0" dirty="0" err="1">
                 <a:solidFill>
                   <a:srgbClr val="000000"/>
                 </a:solidFill>
@@ -9242,7 +7348,7 @@
               </a:rPr>
               <a:t>нтерактивність</a:t>
             </a:r>
-            <a:endParaRPr lang="ru-RU" dirty="0"/>
+            <a:endParaRPr lang="ru-RU" sz="2400" dirty="0"/>
           </a:p>
         </p:txBody>
       </p:sp>
@@ -9295,7 +7401,7 @@
         <p:spPr>
           <a:xfrm>
             <a:off x="456312" y="140584"/>
-            <a:ext cx="8596668" cy="1320800"/>
+            <a:ext cx="10802238" cy="1320800"/>
           </a:xfrm>
         </p:spPr>
         <p:txBody>
@@ -9345,15 +7451,15 @@
               <a:rPr lang="ru-RU" dirty="0"/>
             </a:br>
             <a:r>
-              <a:rPr lang="ru-RU" sz="1800" dirty="0" err="1"/>
+              <a:rPr lang="ru-RU" sz="2800" dirty="0" err="1"/>
               <a:t>прості</a:t>
             </a:r>
             <a:r>
-              <a:rPr lang="ru-RU" sz="1800" dirty="0"/>
-              <a:t> </a:t>
-            </a:r>
-            <a:r>
-              <a:rPr lang="ru-RU" sz="1800" dirty="0" err="1"/>
+              <a:rPr lang="ru-RU" sz="2800" dirty="0"/>
+              <a:t> </a:t>
+            </a:r>
+            <a:r>
+              <a:rPr lang="ru-RU" sz="2800" dirty="0" err="1"/>
               <a:t>моделі</a:t>
             </a:r>
             <a:endParaRPr lang="ru-RU" dirty="0"/>
@@ -9382,8 +7488,8 @@
         </p:blipFill>
         <p:spPr>
           <a:xfrm>
-            <a:off x="0" y="1276066"/>
-            <a:ext cx="7997588" cy="4640264"/>
+            <a:off x="666749" y="1493653"/>
+            <a:ext cx="8596667" cy="4640264"/>
           </a:xfrm>
           <a:prstGeom prst="rect">
             <a:avLst/>
@@ -9404,7 +7510,7 @@
         </p:nvSpPr>
         <p:spPr>
           <a:xfrm>
-            <a:off x="8232082" y="3303343"/>
+            <a:off x="9908482" y="3429000"/>
             <a:ext cx="1135247" cy="646331"/>
           </a:xfrm>
           <a:prstGeom prst="rect">
@@ -9450,7 +7556,7 @@
         </p:nvSpPr>
         <p:spPr>
           <a:xfrm>
-            <a:off x="1333361" y="5949251"/>
+            <a:off x="2119291" y="6133917"/>
             <a:ext cx="1618585" cy="369332"/>
           </a:xfrm>
           <a:prstGeom prst="rect">
@@ -9596,7 +7702,7 @@
         </p:nvSpPr>
         <p:spPr>
           <a:xfrm>
-            <a:off x="3714975" y="5915718"/>
+            <a:off x="4657950" y="6144236"/>
             <a:ext cx="1618585" cy="369332"/>
           </a:xfrm>
           <a:prstGeom prst="rect">
@@ -9742,7 +7848,7 @@
         </p:nvSpPr>
         <p:spPr>
           <a:xfrm>
-            <a:off x="5931498" y="5915718"/>
+            <a:off x="6992163" y="6089409"/>
             <a:ext cx="1729191" cy="369332"/>
           </a:xfrm>
           <a:prstGeom prst="rect">
@@ -9923,7 +8029,7 @@
         <p:spPr>
           <a:xfrm>
             <a:off x="456312" y="140584"/>
-            <a:ext cx="8596668" cy="1320800"/>
+            <a:ext cx="10325988" cy="1320800"/>
           </a:xfrm>
         </p:spPr>
         <p:txBody>
@@ -9973,15 +8079,15 @@
               <a:rPr lang="ru-RU" dirty="0"/>
             </a:br>
             <a:r>
-              <a:rPr lang="ru-RU" sz="1800" dirty="0" err="1"/>
+              <a:rPr lang="ru-RU" sz="2800" dirty="0" err="1"/>
               <a:t>складні</a:t>
             </a:r>
             <a:r>
-              <a:rPr lang="ru-RU" sz="1800" dirty="0"/>
-              <a:t> </a:t>
-            </a:r>
-            <a:r>
-              <a:rPr lang="ru-RU" sz="1800" dirty="0" err="1"/>
+              <a:rPr lang="ru-RU" sz="2800" dirty="0"/>
+              <a:t> </a:t>
+            </a:r>
+            <a:r>
+              <a:rPr lang="ru-RU" sz="2800" dirty="0" err="1"/>
               <a:t>моделі</a:t>
             </a:r>
             <a:endParaRPr lang="ru-RU" dirty="0"/>
@@ -10010,8 +8116,8 @@
         </p:blipFill>
         <p:spPr>
           <a:xfrm>
-            <a:off x="0" y="1181669"/>
-            <a:ext cx="4670235" cy="2247331"/>
+            <a:off x="991069" y="1364611"/>
+            <a:ext cx="4990782" cy="2401579"/>
           </a:xfrm>
           <a:prstGeom prst="rect">
             <a:avLst/>
@@ -10040,7 +8146,7 @@
         </p:blipFill>
         <p:spPr>
           <a:xfrm>
-            <a:off x="4670235" y="1147431"/>
+            <a:off x="5994210" y="1364611"/>
             <a:ext cx="4984409" cy="2401579"/>
           </a:xfrm>
           <a:prstGeom prst="rect">
@@ -10070,7 +8176,7 @@
         </p:blipFill>
         <p:spPr>
           <a:xfrm>
-            <a:off x="1917581" y="3669416"/>
+            <a:off x="2335117" y="3766190"/>
             <a:ext cx="6296025" cy="3048000"/>
           </a:xfrm>
           <a:prstGeom prst="rect">
@@ -10127,7 +8233,7 @@
         <p:spPr>
           <a:xfrm>
             <a:off x="456312" y="140584"/>
-            <a:ext cx="8596668" cy="1320800"/>
+            <a:ext cx="10726038" cy="1320800"/>
           </a:xfrm>
         </p:spPr>
         <p:txBody>
@@ -10177,15 +8283,15 @@
               <a:rPr lang="ru-RU" dirty="0"/>
             </a:br>
             <a:r>
-              <a:rPr lang="ru-RU" sz="1800" dirty="0" err="1"/>
+              <a:rPr lang="ru-RU" sz="2800" dirty="0" err="1"/>
               <a:t>складні</a:t>
             </a:r>
             <a:r>
-              <a:rPr lang="ru-RU" sz="1800" dirty="0"/>
-              <a:t> </a:t>
-            </a:r>
-            <a:r>
-              <a:rPr lang="ru-RU" sz="1800" dirty="0" err="1"/>
+              <a:rPr lang="ru-RU" sz="2800" dirty="0"/>
+              <a:t> </a:t>
+            </a:r>
+            <a:r>
+              <a:rPr lang="ru-RU" sz="2800" dirty="0" err="1"/>
               <a:t>моделі</a:t>
             </a:r>
             <a:endParaRPr lang="ru-RU" dirty="0"/>
@@ -10214,7 +8320,7 @@
         </p:blipFill>
         <p:spPr>
           <a:xfrm>
-            <a:off x="0" y="1020140"/>
+            <a:off x="1581150" y="1242273"/>
             <a:ext cx="8075639" cy="4630033"/>
           </a:xfrm>
           <a:prstGeom prst="rect">
@@ -10236,7 +8342,7 @@
         </p:nvSpPr>
         <p:spPr>
           <a:xfrm>
-            <a:off x="8075639" y="3232613"/>
+            <a:off x="9809189" y="3335156"/>
             <a:ext cx="1135247" cy="646331"/>
           </a:xfrm>
           <a:prstGeom prst="rect">
@@ -10282,7 +8388,7 @@
         </p:nvSpPr>
         <p:spPr>
           <a:xfrm>
-            <a:off x="1470363" y="5653194"/>
+            <a:off x="3318754" y="5875146"/>
             <a:ext cx="1618585" cy="369332"/>
           </a:xfrm>
           <a:prstGeom prst="rect">
@@ -10428,7 +8534,7 @@
         </p:nvSpPr>
         <p:spPr>
           <a:xfrm>
-            <a:off x="3911654" y="5619661"/>
+            <a:off x="5292779" y="5875146"/>
             <a:ext cx="1846211" cy="369332"/>
           </a:xfrm>
           <a:prstGeom prst="rect">
@@ -10574,7 +8680,7 @@
         </p:nvSpPr>
         <p:spPr>
           <a:xfrm>
-            <a:off x="5960905" y="5619661"/>
+            <a:off x="7494430" y="5872306"/>
             <a:ext cx="1735603" cy="369332"/>
           </a:xfrm>
           <a:prstGeom prst="rect">
@@ -10787,8 +8893,8 @@
         </p:nvSpPr>
         <p:spPr>
           <a:xfrm>
-            <a:off x="566928" y="1548384"/>
-            <a:ext cx="9436622" cy="4524315"/>
+            <a:off x="928878" y="1166842"/>
+            <a:ext cx="9860841" cy="5016758"/>
           </a:xfrm>
           <a:prstGeom prst="rect">
             <a:avLst/>
@@ -10806,120 +8912,120 @@
               <a:buChar char="•"/>
             </a:pPr>
             <a:r>
-              <a:rPr lang="ru-RU" dirty="0"/>
+              <a:rPr lang="ru-RU" sz="2000" dirty="0"/>
               <a:t>Як </a:t>
             </a:r>
             <a:r>
-              <a:rPr lang="ru-RU" dirty="0" err="1"/>
+              <a:rPr lang="ru-RU" sz="2000" dirty="0" err="1"/>
               <a:t>що</a:t>
             </a:r>
             <a:r>
-              <a:rPr lang="ru-RU" dirty="0"/>
-              <a:t> </a:t>
-            </a:r>
-            <a:r>
-              <a:rPr lang="ru-RU" dirty="0" err="1"/>
+              <a:rPr lang="ru-RU" sz="2000" dirty="0"/>
+              <a:t> </a:t>
+            </a:r>
+            <a:r>
+              <a:rPr lang="ru-RU" sz="2000" dirty="0" err="1"/>
               <a:t>тривимірний</a:t>
             </a:r>
             <a:r>
-              <a:rPr lang="ru-RU" dirty="0"/>
-              <a:t> </a:t>
-            </a:r>
-            <a:r>
-              <a:rPr lang="ru-RU" dirty="0" err="1"/>
+              <a:rPr lang="ru-RU" sz="2000" dirty="0"/>
+              <a:t> </a:t>
+            </a:r>
+            <a:r>
+              <a:rPr lang="ru-RU" sz="2000" dirty="0" err="1"/>
               <a:t>об’єкт</a:t>
             </a:r>
             <a:r>
-              <a:rPr lang="ru-RU" dirty="0"/>
-              <a:t> </a:t>
-            </a:r>
-            <a:r>
-              <a:rPr lang="ru-RU" dirty="0" err="1"/>
+              <a:rPr lang="ru-RU" sz="2000" dirty="0"/>
+              <a:t> </a:t>
+            </a:r>
+            <a:r>
+              <a:rPr lang="ru-RU" sz="2000" dirty="0" err="1"/>
               <a:t>занадто</a:t>
             </a:r>
             <a:r>
-              <a:rPr lang="ru-RU" dirty="0"/>
-              <a:t> </a:t>
-            </a:r>
-            <a:r>
-              <a:rPr lang="ru-RU" dirty="0" err="1"/>
+              <a:rPr lang="ru-RU" sz="2000" dirty="0"/>
+              <a:t> </a:t>
+            </a:r>
+            <a:r>
+              <a:rPr lang="ru-RU" sz="2000" dirty="0" err="1"/>
               <a:t>простий</a:t>
             </a:r>
             <a:r>
-              <a:rPr lang="ru-RU" dirty="0"/>
+              <a:rPr lang="ru-RU" sz="2000" dirty="0"/>
               <a:t>, то для них буде </a:t>
             </a:r>
             <a:r>
-              <a:rPr lang="ru-RU" dirty="0" err="1"/>
+              <a:rPr lang="ru-RU" sz="2000" dirty="0" err="1"/>
               <a:t>досить</a:t>
             </a:r>
             <a:r>
-              <a:rPr lang="ru-RU" dirty="0"/>
-              <a:t> </a:t>
-            </a:r>
-            <a:r>
-              <a:rPr lang="ru-RU" dirty="0" err="1"/>
+              <a:rPr lang="ru-RU" sz="2000" dirty="0"/>
+              <a:t> </a:t>
+            </a:r>
+            <a:r>
+              <a:rPr lang="ru-RU" sz="2000" dirty="0" err="1"/>
               <a:t>невеликої</a:t>
             </a:r>
             <a:r>
-              <a:rPr lang="ru-RU" dirty="0"/>
+              <a:rPr lang="ru-RU" sz="2000" dirty="0"/>
               <a:t> </a:t>
             </a:r>
             <a:br>
-              <a:rPr lang="ru-RU" dirty="0"/>
+              <a:rPr lang="ru-RU" sz="2000" dirty="0"/>
             </a:br>
             <a:r>
-              <a:rPr lang="ru-RU" dirty="0" err="1"/>
+              <a:rPr lang="ru-RU" sz="2000" dirty="0" err="1"/>
               <a:t>кількості</a:t>
             </a:r>
             <a:r>
-              <a:rPr lang="ru-RU" dirty="0"/>
+              <a:rPr lang="ru-RU" sz="2000" dirty="0"/>
               <a:t> ядер, </a:t>
             </a:r>
             <a:r>
-              <a:rPr lang="ru-RU" dirty="0" err="1"/>
+              <a:rPr lang="ru-RU" sz="2000" dirty="0" err="1"/>
               <a:t>оскільки</a:t>
             </a:r>
             <a:r>
-              <a:rPr lang="ru-RU" dirty="0"/>
-              <a:t> </a:t>
-            </a:r>
-            <a:r>
-              <a:rPr lang="ru-RU" dirty="0" err="1"/>
+              <a:rPr lang="ru-RU" sz="2000" dirty="0"/>
+              <a:t> </a:t>
+            </a:r>
+            <a:r>
+              <a:rPr lang="ru-RU" sz="2000" dirty="0" err="1"/>
               <a:t>зі</a:t>
             </a:r>
             <a:r>
-              <a:rPr lang="ru-RU" dirty="0"/>
-              <a:t> </a:t>
-            </a:r>
-            <a:r>
-              <a:rPr lang="ru-RU" dirty="0" err="1"/>
+              <a:rPr lang="ru-RU" sz="2000" dirty="0"/>
+              <a:t> </a:t>
+            </a:r>
+            <a:r>
+              <a:rPr lang="ru-RU" sz="2000" dirty="0" err="1"/>
               <a:t>зростанням</a:t>
             </a:r>
             <a:r>
-              <a:rPr lang="ru-RU" dirty="0"/>
+              <a:rPr lang="ru-RU" sz="2000" dirty="0"/>
               <a:t> ядер </a:t>
             </a:r>
             <a:r>
-              <a:rPr lang="ru-RU" dirty="0" err="1"/>
+              <a:rPr lang="ru-RU" sz="2000" dirty="0" err="1"/>
               <a:t>продуктивність</a:t>
             </a:r>
             <a:r>
-              <a:rPr lang="ru-RU" dirty="0"/>
+              <a:rPr lang="ru-RU" sz="2000" dirty="0"/>
               <a:t> не </a:t>
             </a:r>
             <a:r>
-              <a:rPr lang="ru-RU" dirty="0" err="1"/>
+              <a:rPr lang="ru-RU" sz="2000" dirty="0" err="1"/>
               <a:t>змінюється</a:t>
             </a:r>
             <a:r>
-              <a:rPr lang="ru-RU" dirty="0"/>
+              <a:rPr lang="ru-RU" sz="2000" dirty="0"/>
               <a:t>;</a:t>
             </a:r>
             <a:br>
-              <a:rPr lang="ru-RU" dirty="0"/>
+              <a:rPr lang="ru-RU" sz="2000" dirty="0"/>
             </a:br>
-            <a:endParaRPr lang="ru-RU" dirty="0"/>
+            <a:endParaRPr lang="ru-RU" sz="2000" dirty="0"/>
           </a:p>
           <a:p>
             <a:pPr marL="285750" indent="-285750">
@@ -10927,218 +9033,218 @@
               <a:buChar char="•"/>
             </a:pPr>
             <a:r>
-              <a:rPr lang="ru-RU" dirty="0"/>
+              <a:rPr lang="ru-RU" sz="2000" dirty="0"/>
               <a:t>Мала </a:t>
             </a:r>
             <a:r>
-              <a:rPr lang="ru-RU" dirty="0" err="1"/>
+              <a:rPr lang="ru-RU" sz="2000" dirty="0" err="1"/>
               <a:t>кількість</a:t>
             </a:r>
             <a:r>
-              <a:rPr lang="ru-RU" dirty="0"/>
-              <a:t> </a:t>
-            </a:r>
-            <a:r>
-              <a:rPr lang="ru-RU" dirty="0" err="1"/>
+              <a:rPr lang="ru-RU" sz="2000" dirty="0"/>
+              <a:t> </a:t>
+            </a:r>
+            <a:r>
+              <a:rPr lang="ru-RU" sz="2000" dirty="0" err="1"/>
               <a:t>об’єктів</a:t>
             </a:r>
             <a:r>
-              <a:rPr lang="ru-RU" dirty="0"/>
+              <a:rPr lang="ru-RU" sz="2000" dirty="0"/>
               <a:t>, яка не </a:t>
             </a:r>
             <a:r>
-              <a:rPr lang="ru-RU" dirty="0" err="1"/>
+              <a:rPr lang="ru-RU" sz="2000" dirty="0" err="1"/>
               <a:t>перевищує</a:t>
             </a:r>
             <a:r>
-              <a:rPr lang="ru-RU" dirty="0"/>
-              <a:t> </a:t>
-            </a:r>
-            <a:r>
-              <a:rPr lang="ru-RU" dirty="0" err="1"/>
+              <a:rPr lang="ru-RU" sz="2000" dirty="0"/>
+              <a:t> </a:t>
+            </a:r>
+            <a:r>
+              <a:rPr lang="ru-RU" sz="2000" dirty="0" err="1"/>
               <a:t>чи</a:t>
             </a:r>
             <a:r>
-              <a:rPr lang="ru-RU" dirty="0"/>
-              <a:t> </a:t>
-            </a:r>
-            <a:r>
-              <a:rPr lang="ru-RU" dirty="0" err="1"/>
+              <a:rPr lang="ru-RU" sz="2000" dirty="0"/>
+              <a:t> </a:t>
+            </a:r>
+            <a:r>
+              <a:rPr lang="ru-RU" sz="2000" dirty="0" err="1"/>
               <a:t>перевищує</a:t>
             </a:r>
             <a:r>
-              <a:rPr lang="ru-RU" dirty="0"/>
+              <a:rPr lang="ru-RU" sz="2000" dirty="0"/>
               <a:t> на </a:t>
             </a:r>
             <a:r>
-              <a:rPr lang="ru-RU" dirty="0" err="1"/>
+              <a:rPr lang="ru-RU" sz="2000" dirty="0" err="1"/>
               <a:t>декілька</a:t>
             </a:r>
             <a:r>
-              <a:rPr lang="ru-RU" dirty="0"/>
-              <a:t> </a:t>
-            </a:r>
-            <a:r>
-              <a:rPr lang="ru-RU" dirty="0" err="1"/>
+              <a:rPr lang="ru-RU" sz="2000" dirty="0"/>
+              <a:t> </a:t>
+            </a:r>
+            <a:r>
+              <a:rPr lang="ru-RU" sz="2000" dirty="0" err="1"/>
               <a:t>значень</a:t>
             </a:r>
             <a:r>
-              <a:rPr lang="ru-RU" dirty="0"/>
+              <a:rPr lang="ru-RU" sz="2000" dirty="0"/>
               <a:t> </a:t>
             </a:r>
             <a:br>
-              <a:rPr lang="ru-RU" dirty="0"/>
+              <a:rPr lang="ru-RU" sz="2000" dirty="0"/>
             </a:br>
             <a:r>
-              <a:rPr lang="ru-RU" dirty="0" err="1"/>
+              <a:rPr lang="ru-RU" sz="2000" dirty="0" err="1"/>
               <a:t>кількість</a:t>
             </a:r>
             <a:r>
-              <a:rPr lang="ru-RU" dirty="0"/>
+              <a:rPr lang="ru-RU" sz="2000" dirty="0"/>
               <a:t> ядер буде </a:t>
             </a:r>
             <a:r>
-              <a:rPr lang="ru-RU" dirty="0" err="1"/>
+              <a:rPr lang="ru-RU" sz="2000" dirty="0" err="1"/>
               <a:t>задіювати</a:t>
             </a:r>
             <a:r>
-              <a:rPr lang="ru-RU" dirty="0"/>
-              <a:t> </a:t>
-            </a:r>
-            <a:r>
-              <a:rPr lang="ru-RU" dirty="0" err="1"/>
+              <a:rPr lang="ru-RU" sz="2000" dirty="0"/>
+              <a:t> </a:t>
+            </a:r>
+            <a:r>
+              <a:rPr lang="ru-RU" sz="2000" dirty="0" err="1"/>
               <a:t>лише</a:t>
             </a:r>
             <a:r>
-              <a:rPr lang="ru-RU" dirty="0"/>
-              <a:t> </a:t>
-            </a:r>
-            <a:r>
-              <a:rPr lang="ru-RU" dirty="0" err="1"/>
+              <a:rPr lang="ru-RU" sz="2000" dirty="0"/>
+              <a:t> </a:t>
+            </a:r>
+            <a:r>
+              <a:rPr lang="ru-RU" sz="2000" dirty="0" err="1"/>
               <a:t>частину</a:t>
             </a:r>
             <a:r>
-              <a:rPr lang="ru-RU" dirty="0"/>
-              <a:t> </a:t>
-            </a:r>
-            <a:r>
-              <a:rPr lang="ru-RU" dirty="0" err="1"/>
+              <a:rPr lang="ru-RU" sz="2000" dirty="0"/>
+              <a:t> </a:t>
+            </a:r>
+            <a:r>
+              <a:rPr lang="ru-RU" sz="2000" dirty="0" err="1"/>
               <a:t>усіх</a:t>
             </a:r>
             <a:r>
-              <a:rPr lang="ru-RU" dirty="0"/>
+              <a:rPr lang="ru-RU" sz="2000" dirty="0"/>
               <a:t> ядер, </a:t>
             </a:r>
             <a:r>
-              <a:rPr lang="ru-RU" dirty="0" err="1"/>
+              <a:rPr lang="ru-RU" sz="2000" dirty="0" err="1"/>
               <a:t>оскільки</a:t>
             </a:r>
             <a:r>
-              <a:rPr lang="ru-RU" dirty="0"/>
-              <a:t> </a:t>
-            </a:r>
-            <a:r>
-              <a:rPr lang="ru-RU" dirty="0" err="1"/>
+              <a:rPr lang="ru-RU" sz="2000" dirty="0"/>
+              <a:t> </a:t>
+            </a:r>
+            <a:r>
+              <a:rPr lang="ru-RU" sz="2000" dirty="0" err="1"/>
               <a:t>одне</a:t>
             </a:r>
             <a:r>
-              <a:rPr lang="ru-RU" dirty="0"/>
+              <a:rPr lang="ru-RU" sz="2000" dirty="0"/>
               <a:t> ядро буде </a:t>
             </a:r>
             <a:br>
-              <a:rPr lang="ru-RU" dirty="0"/>
+              <a:rPr lang="ru-RU" sz="2000" dirty="0"/>
             </a:br>
             <a:r>
-              <a:rPr lang="ru-RU" dirty="0" err="1"/>
+              <a:rPr lang="ru-RU" sz="2000" dirty="0" err="1"/>
               <a:t>встигати</a:t>
             </a:r>
             <a:r>
-              <a:rPr lang="ru-RU" dirty="0"/>
-              <a:t> </a:t>
-            </a:r>
-            <a:r>
-              <a:rPr lang="ru-RU" dirty="0" err="1"/>
+              <a:rPr lang="ru-RU" sz="2000" dirty="0"/>
+              <a:t> </a:t>
+            </a:r>
+            <a:r>
+              <a:rPr lang="ru-RU" sz="2000" dirty="0" err="1"/>
               <a:t>виконати</a:t>
             </a:r>
             <a:r>
-              <a:rPr lang="ru-RU" dirty="0"/>
-              <a:t> </a:t>
-            </a:r>
-            <a:r>
-              <a:rPr lang="ru-RU" dirty="0" err="1"/>
+              <a:rPr lang="ru-RU" sz="2000" dirty="0"/>
+              <a:t> </a:t>
+            </a:r>
+            <a:r>
+              <a:rPr lang="ru-RU" sz="2000" dirty="0" err="1"/>
               <a:t>обробку</a:t>
             </a:r>
             <a:r>
-              <a:rPr lang="ru-RU" dirty="0"/>
-              <a:t> </a:t>
-            </a:r>
-            <a:r>
-              <a:rPr lang="ru-RU" dirty="0" err="1"/>
+              <a:rPr lang="ru-RU" sz="2000" dirty="0"/>
+              <a:t> </a:t>
+            </a:r>
+            <a:r>
+              <a:rPr lang="ru-RU" sz="2000" dirty="0" err="1"/>
               <a:t>декількох</a:t>
             </a:r>
             <a:r>
-              <a:rPr lang="ru-RU" dirty="0"/>
+              <a:rPr lang="ru-RU" sz="2000" dirty="0"/>
               <a:t> моделей, перед </a:t>
             </a:r>
             <a:r>
-              <a:rPr lang="ru-RU" dirty="0" err="1"/>
+              <a:rPr lang="ru-RU" sz="2000" dirty="0" err="1"/>
               <a:t>тим</a:t>
             </a:r>
             <a:r>
-              <a:rPr lang="ru-RU" dirty="0"/>
+              <a:rPr lang="ru-RU" sz="2000" dirty="0"/>
               <a:t> як </a:t>
             </a:r>
             <a:r>
-              <a:rPr lang="ru-RU" dirty="0" err="1"/>
+              <a:rPr lang="ru-RU" sz="2000" dirty="0" err="1"/>
               <a:t>інше</a:t>
             </a:r>
             <a:r>
-              <a:rPr lang="ru-RU" dirty="0"/>
+              <a:rPr lang="ru-RU" sz="2000" dirty="0"/>
               <a:t> ядро </a:t>
             </a:r>
             <a:r>
-              <a:rPr lang="ru-RU" dirty="0" err="1"/>
+              <a:rPr lang="ru-RU" sz="2000" dirty="0" err="1"/>
               <a:t>матиме</a:t>
             </a:r>
             <a:r>
-              <a:rPr lang="ru-RU" dirty="0"/>
+              <a:rPr lang="ru-RU" sz="2000" dirty="0"/>
               <a:t> </a:t>
             </a:r>
             <a:br>
-              <a:rPr lang="ru-RU" dirty="0"/>
+              <a:rPr lang="ru-RU" sz="2000" dirty="0"/>
             </a:br>
             <a:r>
-              <a:rPr lang="ru-RU" dirty="0" err="1"/>
+              <a:rPr lang="ru-RU" sz="2000" dirty="0" err="1"/>
               <a:t>змогу</a:t>
             </a:r>
             <a:r>
-              <a:rPr lang="ru-RU" dirty="0"/>
+              <a:rPr lang="ru-RU" sz="2000" dirty="0"/>
               <a:t> «</a:t>
             </a:r>
             <a:r>
-              <a:rPr lang="ru-RU" dirty="0" err="1"/>
+              <a:rPr lang="ru-RU" sz="2000" dirty="0" err="1"/>
               <a:t>здобути</a:t>
             </a:r>
             <a:r>
-              <a:rPr lang="ru-RU" dirty="0"/>
+              <a:rPr lang="ru-RU" sz="2000" dirty="0"/>
               <a:t>» </a:t>
             </a:r>
             <a:r>
-              <a:rPr lang="ru-RU" dirty="0" err="1"/>
+              <a:rPr lang="ru-RU" sz="2000" dirty="0" err="1"/>
               <a:t>об’єкт</a:t>
             </a:r>
             <a:r>
-              <a:rPr lang="ru-RU" dirty="0"/>
+              <a:rPr lang="ru-RU" sz="2000" dirty="0"/>
               <a:t> до </a:t>
             </a:r>
             <a:r>
-              <a:rPr lang="ru-RU" dirty="0" err="1"/>
+              <a:rPr lang="ru-RU" sz="2000" dirty="0" err="1"/>
               <a:t>обробки</a:t>
             </a:r>
             <a:br>
-              <a:rPr lang="ru-RU" dirty="0"/>
+              <a:rPr lang="ru-RU" sz="2000" dirty="0"/>
             </a:br>
-            <a:endParaRPr lang="ru-RU" dirty="0"/>
+            <a:endParaRPr lang="ru-RU" sz="2000" dirty="0"/>
           </a:p>
           <a:p>
             <a:pPr marL="285750" indent="-285750">
@@ -11146,162 +9252,162 @@
               <a:buChar char="•"/>
             </a:pPr>
             <a:r>
-              <a:rPr lang="ru-RU" dirty="0"/>
+              <a:rPr lang="ru-RU" sz="2000" dirty="0"/>
               <a:t>Велика </a:t>
             </a:r>
             <a:r>
-              <a:rPr lang="ru-RU" dirty="0" err="1"/>
+              <a:rPr lang="ru-RU" sz="2000" dirty="0" err="1"/>
               <a:t>кількість</a:t>
             </a:r>
             <a:r>
-              <a:rPr lang="ru-RU" dirty="0"/>
-              <a:t> </a:t>
-            </a:r>
-            <a:r>
-              <a:rPr lang="ru-RU" dirty="0" err="1"/>
+              <a:rPr lang="ru-RU" sz="2000" dirty="0"/>
+              <a:t> </a:t>
+            </a:r>
+            <a:r>
+              <a:rPr lang="ru-RU" sz="2000" dirty="0" err="1"/>
               <a:t>складних</a:t>
             </a:r>
             <a:r>
-              <a:rPr lang="ru-RU" dirty="0"/>
+              <a:rPr lang="ru-RU" sz="2000" dirty="0"/>
               <a:t> (100-500) </a:t>
             </a:r>
             <a:r>
-              <a:rPr lang="ru-RU" dirty="0" err="1"/>
+              <a:rPr lang="ru-RU" sz="2000" dirty="0" err="1"/>
               <a:t>тривимірних</a:t>
             </a:r>
             <a:r>
-              <a:rPr lang="ru-RU" dirty="0"/>
-              <a:t> </a:t>
-            </a:r>
-            <a:r>
-              <a:rPr lang="ru-RU" dirty="0" err="1"/>
+              <a:rPr lang="ru-RU" sz="2000" dirty="0"/>
+              <a:t> </a:t>
+            </a:r>
+            <a:r>
+              <a:rPr lang="ru-RU" sz="2000" dirty="0" err="1"/>
               <a:t>об’єктів</a:t>
             </a:r>
             <a:r>
-              <a:rPr lang="ru-RU" dirty="0"/>
+              <a:rPr lang="ru-RU" sz="2000" dirty="0"/>
               <a:t>, </a:t>
             </a:r>
             <a:r>
-              <a:rPr lang="ru-RU" dirty="0" err="1"/>
+              <a:rPr lang="ru-RU" sz="2000" dirty="0" err="1"/>
               <a:t>такі</a:t>
             </a:r>
             <a:r>
-              <a:rPr lang="ru-RU" dirty="0"/>
+              <a:rPr lang="ru-RU" sz="2000" dirty="0"/>
               <a:t> як </a:t>
             </a:r>
             <a:r>
-              <a:rPr lang="ru-RU" dirty="0" err="1"/>
+              <a:rPr lang="ru-RU" sz="2000" dirty="0" err="1"/>
               <a:t>об’єкти</a:t>
             </a:r>
             <a:r>
-              <a:rPr lang="ru-RU" dirty="0"/>
-              <a:t> </a:t>
-            </a:r>
-            <a:r>
-              <a:rPr lang="ru-RU" dirty="0" err="1"/>
+              <a:rPr lang="ru-RU" sz="2000" dirty="0"/>
+              <a:t> </a:t>
+            </a:r>
+            <a:r>
+              <a:rPr lang="ru-RU" sz="2000" dirty="0" err="1"/>
               <a:t>зі</a:t>
             </a:r>
             <a:r>
-              <a:rPr lang="ru-RU" dirty="0"/>
+              <a:rPr lang="ru-RU" sz="2000" dirty="0"/>
               <a:t> </a:t>
             </a:r>
             <a:br>
-              <a:rPr lang="ru-RU" dirty="0"/>
+              <a:rPr lang="ru-RU" sz="2000" dirty="0"/>
             </a:br>
             <a:r>
-              <a:rPr lang="ru-RU" dirty="0"/>
+              <a:rPr lang="ru-RU" sz="2000" dirty="0"/>
               <a:t>скелетною </a:t>
             </a:r>
             <a:r>
-              <a:rPr lang="ru-RU" dirty="0" err="1"/>
+              <a:rPr lang="ru-RU" sz="2000" dirty="0" err="1"/>
               <a:t>анімацією</a:t>
             </a:r>
             <a:r>
-              <a:rPr lang="ru-RU" dirty="0"/>
+              <a:rPr lang="ru-RU" sz="2000" dirty="0"/>
               <a:t> та великою </a:t>
             </a:r>
             <a:r>
-              <a:rPr lang="ru-RU" dirty="0" err="1"/>
+              <a:rPr lang="ru-RU" sz="2000" dirty="0" err="1"/>
               <a:t>кількістю</a:t>
             </a:r>
             <a:r>
-              <a:rPr lang="ru-RU" dirty="0"/>
+              <a:rPr lang="ru-RU" sz="2000" dirty="0"/>
               <a:t> вершин, буде максимально </a:t>
             </a:r>
             <a:r>
-              <a:rPr lang="ru-RU" dirty="0" err="1"/>
+              <a:rPr lang="ru-RU" sz="2000" dirty="0" err="1"/>
               <a:t>ефективно</a:t>
             </a:r>
             <a:r>
-              <a:rPr lang="ru-RU" dirty="0"/>
+              <a:rPr lang="ru-RU" sz="2000" dirty="0"/>
               <a:t> </a:t>
             </a:r>
             <a:br>
-              <a:rPr lang="ru-RU" dirty="0"/>
+              <a:rPr lang="ru-RU" sz="2000" dirty="0"/>
             </a:br>
             <a:r>
-              <a:rPr lang="ru-RU" dirty="0" err="1"/>
+              <a:rPr lang="ru-RU" sz="2000" dirty="0" err="1"/>
               <a:t>використовувати</a:t>
             </a:r>
             <a:r>
-              <a:rPr lang="ru-RU" dirty="0"/>
-              <a:t> </a:t>
-            </a:r>
-            <a:r>
-              <a:rPr lang="ru-RU" dirty="0" err="1"/>
+              <a:rPr lang="ru-RU" sz="2000" dirty="0"/>
+              <a:t> </a:t>
+            </a:r>
+            <a:r>
+              <a:rPr lang="ru-RU" sz="2000" dirty="0" err="1"/>
               <a:t>усі</a:t>
             </a:r>
             <a:r>
-              <a:rPr lang="ru-RU" dirty="0"/>
+              <a:rPr lang="ru-RU" sz="2000" dirty="0"/>
               <a:t> ядра </a:t>
             </a:r>
             <a:r>
-              <a:rPr lang="ru-RU" dirty="0" err="1"/>
+              <a:rPr lang="ru-RU" sz="2000" dirty="0" err="1"/>
               <a:t>процесору</a:t>
             </a:r>
             <a:r>
-              <a:rPr lang="ru-RU" dirty="0"/>
+              <a:rPr lang="ru-RU" sz="2000" dirty="0"/>
               <a:t>. З </a:t>
             </a:r>
             <a:r>
-              <a:rPr lang="ru-RU" dirty="0" err="1"/>
+              <a:rPr lang="ru-RU" sz="2000" dirty="0" err="1"/>
               <a:t>додаванням</a:t>
             </a:r>
             <a:r>
-              <a:rPr lang="ru-RU" dirty="0"/>
+              <a:rPr lang="ru-RU" sz="2000" dirty="0"/>
               <a:t> кожного ядра </a:t>
             </a:r>
             <a:r>
-              <a:rPr lang="ru-RU" dirty="0" err="1"/>
+              <a:rPr lang="ru-RU" sz="2000" dirty="0" err="1"/>
               <a:t>зріст</a:t>
             </a:r>
             <a:r>
-              <a:rPr lang="ru-RU" dirty="0"/>
+              <a:rPr lang="ru-RU" sz="2000" dirty="0"/>
               <a:t> </a:t>
             </a:r>
             <a:br>
-              <a:rPr lang="ru-RU" dirty="0"/>
+              <a:rPr lang="ru-RU" sz="2000" dirty="0"/>
             </a:br>
             <a:r>
-              <a:rPr lang="ru-RU" dirty="0" err="1"/>
+              <a:rPr lang="ru-RU" sz="2000" dirty="0" err="1"/>
               <a:t>продуктивності</a:t>
             </a:r>
             <a:r>
-              <a:rPr lang="ru-RU" dirty="0"/>
+              <a:rPr lang="ru-RU" sz="2000" dirty="0"/>
               <a:t> буде </a:t>
             </a:r>
             <a:r>
-              <a:rPr lang="ru-RU" dirty="0" err="1"/>
+              <a:rPr lang="ru-RU" sz="2000" dirty="0" err="1"/>
               <a:t>лінійним</a:t>
             </a:r>
             <a:r>
-              <a:rPr lang="ru-RU" dirty="0"/>
+              <a:rPr lang="ru-RU" sz="2000" dirty="0"/>
               <a:t>;</a:t>
             </a:r>
             <a:br>
-              <a:rPr lang="ru-RU" dirty="0"/>
+              <a:rPr lang="ru-RU" sz="2000" dirty="0"/>
             </a:br>
-            <a:endParaRPr lang="ru-RU" dirty="0"/>
+            <a:endParaRPr lang="ru-RU" sz="2000" dirty="0"/>
           </a:p>
           <a:p>
             <a:pPr marL="285750" indent="-285750">
@@ -11309,141 +9415,141 @@
               <a:buChar char="•"/>
             </a:pPr>
             <a:r>
-              <a:rPr lang="ru-RU" dirty="0" err="1"/>
+              <a:rPr lang="ru-RU" sz="2000" dirty="0" err="1"/>
               <a:t>Розподіл</a:t>
             </a:r>
             <a:r>
-              <a:rPr lang="ru-RU" dirty="0"/>
-              <a:t> </a:t>
-            </a:r>
-            <a:r>
-              <a:rPr lang="ru-RU" dirty="0" err="1"/>
+              <a:rPr lang="ru-RU" sz="2000" dirty="0"/>
+              <a:t> </a:t>
+            </a:r>
+            <a:r>
+              <a:rPr lang="ru-RU" sz="2000" dirty="0" err="1"/>
               <a:t>роботи</a:t>
             </a:r>
             <a:r>
-              <a:rPr lang="ru-RU" dirty="0"/>
+              <a:rPr lang="ru-RU" sz="2000" dirty="0"/>
               <a:t> по ядрам </a:t>
             </a:r>
             <a:r>
-              <a:rPr lang="ru-RU" dirty="0" err="1"/>
+              <a:rPr lang="ru-RU" sz="2000" dirty="0" err="1"/>
               <a:t>процесору</a:t>
             </a:r>
             <a:r>
-              <a:rPr lang="ru-RU" dirty="0"/>
+              <a:rPr lang="ru-RU" sz="2000" dirty="0"/>
               <a:t> з </a:t>
             </a:r>
             <a:r>
-              <a:rPr lang="en-US" dirty="0"/>
+              <a:rPr lang="en-US" sz="2000" dirty="0"/>
               <a:t>OpenGL </a:t>
             </a:r>
             <a:r>
-              <a:rPr lang="ru-RU" dirty="0" err="1"/>
+              <a:rPr lang="ru-RU" sz="2000" dirty="0" err="1"/>
               <a:t>використовуючи</a:t>
             </a:r>
             <a:r>
-              <a:rPr lang="ru-RU" dirty="0"/>
-              <a:t> </a:t>
-            </a:r>
-            <a:r>
-              <a:rPr lang="ru-RU" dirty="0" err="1"/>
+              <a:rPr lang="ru-RU" sz="2000" dirty="0"/>
+              <a:t> </a:t>
+            </a:r>
+            <a:r>
+              <a:rPr lang="ru-RU" sz="2000" dirty="0" err="1"/>
               <a:t>одне</a:t>
             </a:r>
             <a:r>
-              <a:rPr lang="ru-RU" dirty="0"/>
+              <a:rPr lang="ru-RU" sz="2000" dirty="0"/>
               <a:t> ядро не є </a:t>
             </a:r>
             <a:br>
-              <a:rPr lang="ru-RU" dirty="0"/>
+              <a:rPr lang="ru-RU" sz="2000" dirty="0"/>
             </a:br>
             <a:r>
-              <a:rPr lang="ru-RU" dirty="0" err="1"/>
+              <a:rPr lang="ru-RU" sz="2000" dirty="0" err="1"/>
               <a:t>ефективним</a:t>
             </a:r>
             <a:r>
-              <a:rPr lang="ru-RU" dirty="0"/>
+              <a:rPr lang="ru-RU" sz="2000" dirty="0"/>
               <a:t>, </a:t>
             </a:r>
             <a:r>
-              <a:rPr lang="ru-RU" dirty="0" err="1"/>
+              <a:rPr lang="ru-RU" sz="2000" dirty="0" err="1"/>
               <a:t>оскільки</a:t>
             </a:r>
             <a:r>
-              <a:rPr lang="ru-RU" dirty="0"/>
-              <a:t> </a:t>
-            </a:r>
-            <a:r>
-              <a:rPr lang="ru-RU" dirty="0" err="1"/>
+              <a:rPr lang="ru-RU" sz="2000" dirty="0"/>
+              <a:t> </a:t>
+            </a:r>
+            <a:r>
+              <a:rPr lang="ru-RU" sz="2000" dirty="0" err="1"/>
               <a:t>тільки</a:t>
             </a:r>
             <a:r>
-              <a:rPr lang="ru-RU" dirty="0"/>
-              <a:t> </a:t>
-            </a:r>
-            <a:r>
-              <a:rPr lang="ru-RU" dirty="0" err="1"/>
+              <a:rPr lang="ru-RU" sz="2000" dirty="0"/>
+              <a:t> </a:t>
+            </a:r>
+            <a:r>
+              <a:rPr lang="ru-RU" sz="2000" dirty="0" err="1"/>
               <a:t>одне</a:t>
             </a:r>
             <a:r>
-              <a:rPr lang="ru-RU" dirty="0"/>
+              <a:rPr lang="ru-RU" sz="2000" dirty="0"/>
               <a:t> ядро </a:t>
             </a:r>
             <a:r>
-              <a:rPr lang="ru-RU" dirty="0" err="1"/>
+              <a:rPr lang="ru-RU" sz="2000" dirty="0" err="1"/>
               <a:t>навантажено</a:t>
             </a:r>
             <a:r>
-              <a:rPr lang="ru-RU" dirty="0"/>
+              <a:rPr lang="ru-RU" sz="2000" dirty="0"/>
               <a:t> на 100%. </a:t>
             </a:r>
             <a:br>
-              <a:rPr lang="ru-RU" dirty="0"/>
+              <a:rPr lang="ru-RU" sz="2000" dirty="0"/>
             </a:br>
             <a:r>
-              <a:rPr lang="ru-RU" dirty="0"/>
+              <a:rPr lang="ru-RU" sz="2000" dirty="0"/>
               <a:t>При </a:t>
             </a:r>
             <a:r>
-              <a:rPr lang="ru-RU" dirty="0" err="1"/>
+              <a:rPr lang="ru-RU" sz="2000" dirty="0" err="1"/>
               <a:t>багатоядерному</a:t>
             </a:r>
             <a:r>
-              <a:rPr lang="ru-RU" dirty="0"/>
-              <a:t> </a:t>
-            </a:r>
-            <a:r>
-              <a:rPr lang="ru-RU" dirty="0" err="1"/>
+              <a:rPr lang="ru-RU" sz="2000" dirty="0"/>
+              <a:t> </a:t>
+            </a:r>
+            <a:r>
+              <a:rPr lang="ru-RU" sz="2000" dirty="0" err="1"/>
               <a:t>рендері</a:t>
             </a:r>
             <a:r>
-              <a:rPr lang="ru-RU" dirty="0"/>
+              <a:rPr lang="ru-RU" sz="2000" dirty="0"/>
               <a:t> з </a:t>
             </a:r>
             <a:r>
-              <a:rPr lang="en-US" dirty="0"/>
+              <a:rPr lang="en-US" sz="2000" dirty="0"/>
               <a:t>Vulkan </a:t>
             </a:r>
             <a:r>
-              <a:rPr lang="ru-RU" dirty="0" err="1"/>
+              <a:rPr lang="ru-RU" sz="2000" dirty="0" err="1"/>
               <a:t>усі</a:t>
             </a:r>
             <a:r>
-              <a:rPr lang="ru-RU" dirty="0"/>
+              <a:rPr lang="ru-RU" sz="2000" dirty="0"/>
               <a:t> ядра </a:t>
             </a:r>
             <a:r>
-              <a:rPr lang="ru-RU" dirty="0" err="1"/>
+              <a:rPr lang="ru-RU" sz="2000" dirty="0" err="1"/>
               <a:t>навантажені</a:t>
             </a:r>
             <a:r>
-              <a:rPr lang="ru-RU" dirty="0"/>
+              <a:rPr lang="ru-RU" sz="2000" dirty="0"/>
               <a:t> на </a:t>
             </a:r>
             <a:r>
-              <a:rPr lang="ru-RU" dirty="0" err="1"/>
+              <a:rPr lang="ru-RU" sz="2000" dirty="0" err="1"/>
               <a:t>близько</a:t>
             </a:r>
             <a:r>
-              <a:rPr lang="ru-RU" dirty="0"/>
+              <a:rPr lang="ru-RU" sz="2000" dirty="0"/>
               <a:t> 70% (+-20%).</a:t>
             </a:r>
           </a:p>
@@ -11605,11 +9711,13 @@
         </p:nvSpPr>
         <p:spPr/>
         <p:txBody>
-          <a:bodyPr/>
+          <a:bodyPr>
+            <a:normAutofit fontScale="92500" lnSpcReduction="20000"/>
+          </a:bodyPr>
           <a:lstStyle/>
           <a:p>
             <a:r>
-              <a:rPr lang="ru-RU" b="0" i="0" dirty="0" err="1">
+              <a:rPr lang="ru-RU" sz="2400" b="0" i="0" dirty="0" err="1">
                 <a:solidFill>
                   <a:srgbClr val="000000"/>
                 </a:solidFill>
@@ -11619,7 +9727,7 @@
               <a:t>Анімації</a:t>
             </a:r>
             <a:br>
-              <a:rPr lang="ru-RU" b="0" i="0" dirty="0">
+              <a:rPr lang="ru-RU" sz="2400" b="0" i="0" dirty="0">
                 <a:solidFill>
                   <a:srgbClr val="000000"/>
                 </a:solidFill>
@@ -11627,7 +9735,7 @@
                 <a:latin typeface="Roboto"/>
               </a:rPr>
             </a:br>
-            <a:endParaRPr lang="ru-RU" b="0" i="0" dirty="0">
+            <a:endParaRPr lang="ru-RU" sz="2400" b="0" i="0" dirty="0">
               <a:solidFill>
                 <a:srgbClr val="000000"/>
               </a:solidFill>
@@ -11637,7 +9745,7 @@
           </a:p>
           <a:p>
             <a:r>
-              <a:rPr lang="ru-RU" b="0" i="0" dirty="0">
+              <a:rPr lang="ru-RU" sz="2400" b="0" i="0" dirty="0">
                 <a:solidFill>
                   <a:srgbClr val="000000"/>
                 </a:solidFill>
@@ -11647,7 +9755,7 @@
               <a:t>Симуляторах (</a:t>
             </a:r>
             <a:r>
-              <a:rPr lang="ru-RU" b="0" i="0" dirty="0" err="1">
+              <a:rPr lang="ru-RU" sz="2400" b="0" i="0" dirty="0" err="1">
                 <a:solidFill>
                   <a:srgbClr val="000000"/>
                 </a:solidFill>
@@ -11657,7 +9765,7 @@
               <a:t>авіасимулятори</a:t>
             </a:r>
             <a:r>
-              <a:rPr lang="ru-RU" b="0" i="0" dirty="0">
+              <a:rPr lang="ru-RU" sz="2400" b="0" i="0" dirty="0">
                 <a:solidFill>
                   <a:srgbClr val="000000"/>
                 </a:solidFill>
@@ -11667,7 +9775,7 @@
               <a:t>, </a:t>
             </a:r>
             <a:r>
-              <a:rPr lang="ru-RU" b="0" i="0" dirty="0" err="1">
+              <a:rPr lang="ru-RU" sz="2400" b="0" i="0" dirty="0" err="1">
                 <a:solidFill>
                   <a:srgbClr val="000000"/>
                 </a:solidFill>
@@ -11677,17 +9785,17 @@
               <a:t>гоночні</a:t>
             </a:r>
             <a:r>
-              <a:rPr lang="ru-RU" b="0" i="0" dirty="0">
-                <a:solidFill>
-                  <a:srgbClr val="000000"/>
-                </a:solidFill>
-                <a:effectLst/>
-                <a:latin typeface="Roboto"/>
-              </a:rPr>
-              <a:t> </a:t>
-            </a:r>
-            <a:r>
-              <a:rPr lang="ru-RU" b="0" i="0" dirty="0" err="1">
+              <a:rPr lang="ru-RU" sz="2400" b="0" i="0" dirty="0">
+                <a:solidFill>
+                  <a:srgbClr val="000000"/>
+                </a:solidFill>
+                <a:effectLst/>
+                <a:latin typeface="Roboto"/>
+              </a:rPr>
+              <a:t> </a:t>
+            </a:r>
+            <a:r>
+              <a:rPr lang="ru-RU" sz="2400" b="0" i="0" dirty="0" err="1">
                 <a:solidFill>
                   <a:srgbClr val="000000"/>
                 </a:solidFill>
@@ -11697,7 +9805,7 @@
               <a:t>симулятори</a:t>
             </a:r>
             <a:r>
-              <a:rPr lang="ru-RU" b="0" i="0" dirty="0">
+              <a:rPr lang="ru-RU" sz="2400" b="0" i="0" dirty="0">
                 <a:solidFill>
                   <a:srgbClr val="000000"/>
                 </a:solidFill>
@@ -11707,7 +9815,7 @@
               <a:t>)</a:t>
             </a:r>
             <a:br>
-              <a:rPr lang="ru-RU" b="0" i="0" dirty="0">
+              <a:rPr lang="ru-RU" sz="2400" b="0" i="0" dirty="0">
                 <a:solidFill>
                   <a:srgbClr val="000000"/>
                 </a:solidFill>
@@ -11715,12 +9823,12 @@
                 <a:latin typeface="Roboto"/>
               </a:rPr>
             </a:br>
-            <a:endParaRPr lang="ru-RU" dirty="0"/>
+            <a:endParaRPr lang="ru-RU" sz="2400" dirty="0"/>
           </a:p>
           <a:p>
             <a:pPr algn="l" rtl="0" fontAlgn="ctr"/>
             <a:r>
-              <a:rPr lang="uk-UA" b="0" i="0" dirty="0">
+              <a:rPr lang="uk-UA" sz="2400" b="0" i="0" dirty="0">
                 <a:solidFill>
                   <a:srgbClr val="000000"/>
                 </a:solidFill>
@@ -11730,7 +9838,7 @@
               <a:t>Комп'ютерні ігри</a:t>
             </a:r>
             <a:br>
-              <a:rPr lang="uk-UA" b="0" i="0" dirty="0">
+              <a:rPr lang="uk-UA" sz="2400" b="0" i="0" dirty="0">
                 <a:solidFill>
                   <a:srgbClr val="000000"/>
                 </a:solidFill>
@@ -11738,11 +9846,11 @@
                 <a:latin typeface="Roboto"/>
               </a:rPr>
             </a:br>
-            <a:endParaRPr lang="ru-RU" dirty="0"/>
-          </a:p>
-          <a:p>
-            <a:r>
-              <a:rPr lang="ru-RU" b="0" i="0" dirty="0" err="1">
+            <a:endParaRPr lang="ru-RU" sz="2400" dirty="0"/>
+          </a:p>
+          <a:p>
+            <a:r>
+              <a:rPr lang="ru-RU" sz="2400" b="0" i="0" dirty="0" err="1">
                 <a:solidFill>
                   <a:srgbClr val="000000"/>
                 </a:solidFill>
@@ -11752,17 +9860,17 @@
               <a:t>Користувач</a:t>
             </a:r>
             <a:r>
-              <a:rPr lang="ru-RU" b="0" i="0" dirty="0">
-                <a:solidFill>
-                  <a:srgbClr val="000000"/>
-                </a:solidFill>
-                <a:effectLst/>
-                <a:latin typeface="Roboto"/>
-              </a:rPr>
-              <a:t> </a:t>
-            </a:r>
-            <a:r>
-              <a:rPr lang="ru-RU" b="0" i="0" dirty="0" err="1">
+              <a:rPr lang="ru-RU" sz="2400" b="0" i="0" dirty="0">
+                <a:solidFill>
+                  <a:srgbClr val="000000"/>
+                </a:solidFill>
+                <a:effectLst/>
+                <a:latin typeface="Roboto"/>
+              </a:rPr>
+              <a:t> </a:t>
+            </a:r>
+            <a:r>
+              <a:rPr lang="ru-RU" sz="2400" b="0" i="0" dirty="0" err="1">
                 <a:solidFill>
                   <a:srgbClr val="000000"/>
                 </a:solidFill>
@@ -11772,17 +9880,17 @@
               <a:t>управляє</a:t>
             </a:r>
             <a:r>
-              <a:rPr lang="ru-RU" b="0" i="0" dirty="0">
-                <a:solidFill>
-                  <a:srgbClr val="000000"/>
-                </a:solidFill>
-                <a:effectLst/>
-                <a:latin typeface="Roboto"/>
-              </a:rPr>
-              <a:t> </a:t>
-            </a:r>
-            <a:r>
-              <a:rPr lang="ru-RU" b="0" i="0" dirty="0" err="1">
+              <a:rPr lang="ru-RU" sz="2400" b="0" i="0" dirty="0">
+                <a:solidFill>
+                  <a:srgbClr val="000000"/>
+                </a:solidFill>
+                <a:effectLst/>
+                <a:latin typeface="Roboto"/>
+              </a:rPr>
+              <a:t> </a:t>
+            </a:r>
+            <a:r>
+              <a:rPr lang="ru-RU" sz="2400" b="0" i="0" dirty="0" err="1">
                 <a:solidFill>
                   <a:srgbClr val="000000"/>
                 </a:solidFill>
@@ -11792,17 +9900,17 @@
               <a:t>пристроєм</a:t>
             </a:r>
             <a:r>
-              <a:rPr lang="ru-RU" b="0" i="0" dirty="0">
-                <a:solidFill>
-                  <a:srgbClr val="000000"/>
-                </a:solidFill>
-                <a:effectLst/>
-                <a:latin typeface="Roboto"/>
-              </a:rPr>
-              <a:t> </a:t>
-            </a:r>
-            <a:r>
-              <a:rPr lang="ru-RU" b="0" i="0" dirty="0" err="1">
+              <a:rPr lang="ru-RU" sz="2400" b="0" i="0" dirty="0">
+                <a:solidFill>
+                  <a:srgbClr val="000000"/>
+                </a:solidFill>
+                <a:effectLst/>
+                <a:latin typeface="Roboto"/>
+              </a:rPr>
+              <a:t> </a:t>
+            </a:r>
+            <a:r>
+              <a:rPr lang="ru-RU" sz="2400" b="0" i="0" dirty="0" err="1">
                 <a:solidFill>
                   <a:srgbClr val="000000"/>
                 </a:solidFill>
@@ -11812,7 +9920,7 @@
               <a:t>введення</a:t>
             </a:r>
             <a:r>
-              <a:rPr lang="ru-RU" b="0" i="0" dirty="0">
+              <a:rPr lang="ru-RU" sz="2400" b="0" i="0" dirty="0">
                 <a:solidFill>
                   <a:srgbClr val="000000"/>
                 </a:solidFill>
@@ -11822,7 +9930,7 @@
               <a:t>, </a:t>
             </a:r>
             <a:r>
-              <a:rPr lang="ru-RU" b="0" i="0" dirty="0" err="1">
+              <a:rPr lang="ru-RU" sz="2400" b="0" i="0" dirty="0" err="1">
                 <a:solidFill>
                   <a:srgbClr val="000000"/>
                 </a:solidFill>
@@ -11832,17 +9940,17 @@
               <a:t>щоб</a:t>
             </a:r>
             <a:r>
-              <a:rPr lang="ru-RU" b="0" i="0" dirty="0">
-                <a:solidFill>
-                  <a:srgbClr val="000000"/>
-                </a:solidFill>
-                <a:effectLst/>
-                <a:latin typeface="Roboto"/>
-              </a:rPr>
-              <a:t> </a:t>
-            </a:r>
-            <a:r>
-              <a:rPr lang="ru-RU" b="0" i="0" dirty="0" err="1">
+              <a:rPr lang="ru-RU" sz="2400" b="0" i="0" dirty="0">
+                <a:solidFill>
+                  <a:srgbClr val="000000"/>
+                </a:solidFill>
+                <a:effectLst/>
+                <a:latin typeface="Roboto"/>
+              </a:rPr>
+              <a:t> </a:t>
+            </a:r>
+            <a:r>
+              <a:rPr lang="ru-RU" sz="2400" b="0" i="0" dirty="0" err="1">
                 <a:solidFill>
                   <a:srgbClr val="000000"/>
                 </a:solidFill>
@@ -11852,7 +9960,7 @@
               <a:t>впливати</a:t>
             </a:r>
             <a:r>
-              <a:rPr lang="ru-RU" b="0" i="0" dirty="0">
+              <a:rPr lang="ru-RU" sz="2400" b="0" i="0" dirty="0">
                 <a:solidFill>
                   <a:srgbClr val="000000"/>
                 </a:solidFill>
@@ -11862,7 +9970,7 @@
               <a:t> на те, </a:t>
             </a:r>
             <a:r>
-              <a:rPr lang="ru-RU" b="0" i="0" dirty="0" err="1">
+              <a:rPr lang="ru-RU" sz="2400" b="0" i="0" dirty="0" err="1">
                 <a:solidFill>
                   <a:srgbClr val="000000"/>
                 </a:solidFill>
@@ -11872,7 +9980,7 @@
               <a:t>що</a:t>
             </a:r>
             <a:r>
-              <a:rPr lang="ru-RU" b="0" i="0" dirty="0">
+              <a:rPr lang="ru-RU" sz="2400" b="0" i="0" dirty="0">
                 <a:solidFill>
                   <a:srgbClr val="000000"/>
                 </a:solidFill>
@@ -11882,7 +9990,7 @@
               <a:t> буде </a:t>
             </a:r>
             <a:r>
-              <a:rPr lang="ru-RU" b="0" i="0" dirty="0" err="1">
+              <a:rPr lang="ru-RU" sz="2400" b="0" i="0" dirty="0" err="1">
                 <a:solidFill>
                   <a:srgbClr val="000000"/>
                 </a:solidFill>
@@ -11892,7 +10000,7 @@
               <a:t>намальовано</a:t>
             </a:r>
             <a:r>
-              <a:rPr lang="ru-RU" b="0" i="0" dirty="0">
+              <a:rPr lang="ru-RU" sz="2400" b="0" i="0" dirty="0">
                 <a:solidFill>
                   <a:srgbClr val="000000"/>
                 </a:solidFill>
@@ -11902,7 +10010,7 @@
               <a:t> на </a:t>
             </a:r>
             <a:r>
-              <a:rPr lang="ru-RU" b="0" i="0" dirty="0" err="1">
+              <a:rPr lang="ru-RU" sz="2400" b="0" i="0" dirty="0" err="1">
                 <a:solidFill>
                   <a:srgbClr val="000000"/>
                 </a:solidFill>
@@ -11912,7 +10020,7 @@
               <a:t>дисплеї</a:t>
             </a:r>
             <a:br>
-              <a:rPr lang="ru-RU" b="0" i="0" dirty="0">
+              <a:rPr lang="ru-RU" sz="2400" b="0" i="0" dirty="0">
                 <a:solidFill>
                   <a:srgbClr val="000000"/>
                 </a:solidFill>
@@ -11920,11 +10028,11 @@
                 <a:latin typeface="Roboto"/>
               </a:rPr>
             </a:br>
-            <a:endParaRPr lang="ru-RU" dirty="0"/>
-          </a:p>
-          <a:p>
-            <a:r>
-              <a:rPr lang="ru-RU" b="0" i="0" dirty="0" err="1">
+            <a:endParaRPr lang="ru-RU" sz="2400" dirty="0"/>
+          </a:p>
+          <a:p>
+            <a:r>
+              <a:rPr lang="ru-RU" sz="2400" b="0" i="0" dirty="0" err="1">
                 <a:solidFill>
                   <a:srgbClr val="000000"/>
                 </a:solidFill>
@@ -11934,17 +10042,17 @@
               <a:t>Поєднання</a:t>
             </a:r>
             <a:r>
-              <a:rPr lang="ru-RU" b="0" i="0" dirty="0">
-                <a:solidFill>
-                  <a:srgbClr val="000000"/>
-                </a:solidFill>
-                <a:effectLst/>
-                <a:latin typeface="Roboto"/>
-              </a:rPr>
-              <a:t> </a:t>
-            </a:r>
-            <a:r>
-              <a:rPr lang="ru-RU" b="0" i="0" dirty="0" err="1">
+              <a:rPr lang="ru-RU" sz="2400" b="0" i="0" dirty="0">
+                <a:solidFill>
+                  <a:srgbClr val="000000"/>
+                </a:solidFill>
+                <a:effectLst/>
+                <a:latin typeface="Roboto"/>
+              </a:rPr>
+              <a:t> </a:t>
+            </a:r>
+            <a:r>
+              <a:rPr lang="ru-RU" sz="2400" b="0" i="0" dirty="0" err="1">
                 <a:solidFill>
                   <a:srgbClr val="000000"/>
                 </a:solidFill>
@@ -11954,7 +10062,7 @@
               <a:t>фізики</a:t>
             </a:r>
             <a:r>
-              <a:rPr lang="ru-RU" b="0" i="0" dirty="0">
+              <a:rPr lang="ru-RU" sz="2400" b="0" i="0" dirty="0">
                 <a:solidFill>
                   <a:srgbClr val="000000"/>
                 </a:solidFill>
@@ -11964,7 +10072,7 @@
               <a:t> і </a:t>
             </a:r>
             <a:r>
-              <a:rPr lang="ru-RU" b="0" i="0" dirty="0" err="1">
+              <a:rPr lang="ru-RU" sz="2400" b="0" i="0" dirty="0" err="1">
                 <a:solidFill>
                   <a:srgbClr val="000000"/>
                 </a:solidFill>
@@ -11974,17 +10082,17 @@
               <a:t>анімації</a:t>
             </a:r>
             <a:r>
-              <a:rPr lang="ru-RU" b="0" i="0" dirty="0">
-                <a:solidFill>
-                  <a:srgbClr val="000000"/>
-                </a:solidFill>
-                <a:effectLst/>
-                <a:latin typeface="Roboto"/>
-              </a:rPr>
-              <a:t> </a:t>
-            </a:r>
-            <a:r>
-              <a:rPr lang="ru-RU" b="0" i="0" dirty="0" err="1">
+              <a:rPr lang="ru-RU" sz="2400" b="0" i="0" dirty="0">
+                <a:solidFill>
+                  <a:srgbClr val="000000"/>
+                </a:solidFill>
+                <a:effectLst/>
+                <a:latin typeface="Roboto"/>
+              </a:rPr>
+              <a:t> </a:t>
+            </a:r>
+            <a:r>
+              <a:rPr lang="ru-RU" sz="2400" b="0" i="0" dirty="0" err="1">
                 <a:solidFill>
                   <a:srgbClr val="000000"/>
                 </a:solidFill>
@@ -11994,17 +10102,17 @@
               <a:t>допомагають</a:t>
             </a:r>
             <a:r>
-              <a:rPr lang="ru-RU" b="0" i="0" dirty="0">
-                <a:solidFill>
-                  <a:srgbClr val="000000"/>
-                </a:solidFill>
-                <a:effectLst/>
-                <a:latin typeface="Roboto"/>
-              </a:rPr>
-              <a:t> </a:t>
-            </a:r>
-            <a:r>
-              <a:rPr lang="ru-RU" b="0" i="0" dirty="0" err="1">
+              <a:rPr lang="ru-RU" sz="2400" b="0" i="0" dirty="0">
+                <a:solidFill>
+                  <a:srgbClr val="000000"/>
+                </a:solidFill>
+                <a:effectLst/>
+                <a:latin typeface="Roboto"/>
+              </a:rPr>
+              <a:t> </a:t>
+            </a:r>
+            <a:r>
+              <a:rPr lang="ru-RU" sz="2400" b="0" i="0" dirty="0" err="1">
                 <a:solidFill>
                   <a:srgbClr val="000000"/>
                 </a:solidFill>
@@ -12014,17 +10122,17 @@
               <a:t>реалістично</a:t>
             </a:r>
             <a:r>
-              <a:rPr lang="ru-RU" b="0" i="0" dirty="0">
-                <a:solidFill>
-                  <a:srgbClr val="000000"/>
-                </a:solidFill>
-                <a:effectLst/>
-                <a:latin typeface="Roboto"/>
-              </a:rPr>
-              <a:t> </a:t>
-            </a:r>
-            <a:r>
-              <a:rPr lang="ru-RU" b="0" i="0" dirty="0" err="1">
+              <a:rPr lang="ru-RU" sz="2400" b="0" i="0" dirty="0">
+                <a:solidFill>
+                  <a:srgbClr val="000000"/>
+                </a:solidFill>
+                <a:effectLst/>
+                <a:latin typeface="Roboto"/>
+              </a:rPr>
+              <a:t> </a:t>
+            </a:r>
+            <a:r>
+              <a:rPr lang="ru-RU" sz="2400" b="0" i="0" dirty="0" err="1">
                 <a:solidFill>
                   <a:srgbClr val="000000"/>
                 </a:solidFill>
@@ -12034,17 +10142,17 @@
               <a:t>імітувати</a:t>
             </a:r>
             <a:r>
-              <a:rPr lang="ru-RU" b="0" i="0" dirty="0">
-                <a:solidFill>
-                  <a:srgbClr val="000000"/>
-                </a:solidFill>
-                <a:effectLst/>
-                <a:latin typeface="Roboto"/>
-              </a:rPr>
-              <a:t> </a:t>
-            </a:r>
-            <a:r>
-              <a:rPr lang="ru-RU" b="0" i="0" dirty="0" err="1">
+              <a:rPr lang="ru-RU" sz="2400" b="0" i="0" dirty="0">
+                <a:solidFill>
+                  <a:srgbClr val="000000"/>
+                </a:solidFill>
+                <a:effectLst/>
+                <a:latin typeface="Roboto"/>
+              </a:rPr>
+              <a:t> </a:t>
+            </a:r>
+            <a:r>
+              <a:rPr lang="ru-RU" sz="2400" b="0" i="0" dirty="0" err="1">
                 <a:solidFill>
                   <a:srgbClr val="000000"/>
                 </a:solidFill>
@@ -12054,7 +10162,7 @@
               <a:t>поведінку</a:t>
             </a:r>
             <a:r>
-              <a:rPr lang="ru-RU" b="0" i="0" dirty="0">
+              <a:rPr lang="ru-RU" sz="2400" b="0" i="0" dirty="0">
                 <a:solidFill>
                   <a:srgbClr val="000000"/>
                 </a:solidFill>
@@ -12064,7 +10172,7 @@
               <a:t> в реальному </a:t>
             </a:r>
             <a:r>
-              <a:rPr lang="ru-RU" b="0" i="0" dirty="0" err="1">
+              <a:rPr lang="ru-RU" sz="2400" b="0" i="0" dirty="0" err="1">
                 <a:solidFill>
                   <a:srgbClr val="000000"/>
                 </a:solidFill>
@@ -12073,7 +10181,7 @@
               </a:rPr>
               <a:t>світі</a:t>
             </a:r>
-            <a:endParaRPr lang="ru-RU" dirty="0"/>
+            <a:endParaRPr lang="ru-RU" sz="2400" dirty="0"/>
           </a:p>
         </p:txBody>
       </p:sp>
@@ -12245,11 +10353,13 @@
         </p:nvSpPr>
         <p:spPr/>
         <p:txBody>
-          <a:bodyPr/>
+          <a:bodyPr>
+            <a:normAutofit fontScale="92500" lnSpcReduction="10000"/>
+          </a:bodyPr>
           <a:lstStyle/>
           <a:p>
             <a:r>
-              <a:rPr lang="ru-RU" b="0" i="0" dirty="0" err="1">
+              <a:rPr lang="ru-RU" sz="2400" b="0" i="0" dirty="0" err="1">
                 <a:solidFill>
                   <a:srgbClr val="000000"/>
                 </a:solidFill>
@@ -12259,7 +10369,7 @@
               <a:t>Багатоплатформовий</a:t>
             </a:r>
             <a:r>
-              <a:rPr lang="ru-RU" b="0" i="0" dirty="0">
+              <a:rPr lang="ru-RU" sz="2400" b="0" i="0" dirty="0">
                 <a:solidFill>
                   <a:srgbClr val="000000"/>
                 </a:solidFill>
@@ -12269,7 +10379,7 @@
               <a:t> - </a:t>
             </a:r>
             <a:r>
-              <a:rPr lang="ru-RU" b="0" i="0" dirty="0" err="1">
+              <a:rPr lang="ru-RU" sz="2400" b="0" i="0" dirty="0" err="1">
                 <a:solidFill>
                   <a:srgbClr val="000000"/>
                 </a:solidFill>
@@ -12279,7 +10389,7 @@
               <a:t>підтримується</a:t>
             </a:r>
             <a:r>
-              <a:rPr lang="ru-RU" b="0" i="0" dirty="0">
+              <a:rPr lang="ru-RU" sz="2400" b="0" i="0" dirty="0">
                 <a:solidFill>
                   <a:srgbClr val="000000"/>
                 </a:solidFill>
@@ -12289,7 +10399,7 @@
               <a:t> на </a:t>
             </a:r>
             <a:r>
-              <a:rPr lang="en-US" b="0" i="0" dirty="0">
+              <a:rPr lang="en-US" sz="2400" b="0" i="0" dirty="0">
                 <a:solidFill>
                   <a:srgbClr val="000000"/>
                 </a:solidFill>
@@ -12299,7 +10409,7 @@
               <a:t>Windows, Linux </a:t>
             </a:r>
             <a:r>
-              <a:rPr lang="ru-RU" b="0" i="0" dirty="0">
+              <a:rPr lang="ru-RU" sz="2400" b="0" i="0" dirty="0">
                 <a:solidFill>
                   <a:srgbClr val="000000"/>
                 </a:solidFill>
@@ -12309,7 +10419,7 @@
               <a:t>і </a:t>
             </a:r>
             <a:r>
-              <a:rPr lang="ru-RU" b="0" i="0" dirty="0" err="1">
+              <a:rPr lang="ru-RU" sz="2400" b="0" i="0" dirty="0" err="1">
                 <a:solidFill>
                   <a:srgbClr val="000000"/>
                 </a:solidFill>
@@ -12319,17 +10429,17 @@
               <a:t>мобільних</a:t>
             </a:r>
             <a:r>
-              <a:rPr lang="ru-RU" b="0" i="0" dirty="0">
-                <a:solidFill>
-                  <a:srgbClr val="000000"/>
-                </a:solidFill>
-                <a:effectLst/>
-                <a:latin typeface="Roboto"/>
-              </a:rPr>
-              <a:t> </a:t>
-            </a:r>
-            <a:r>
-              <a:rPr lang="ru-RU" b="0" i="0" dirty="0" err="1">
+              <a:rPr lang="ru-RU" sz="2400" b="0" i="0" dirty="0">
+                <a:solidFill>
+                  <a:srgbClr val="000000"/>
+                </a:solidFill>
+                <a:effectLst/>
+                <a:latin typeface="Roboto"/>
+              </a:rPr>
+              <a:t> </a:t>
+            </a:r>
+            <a:r>
+              <a:rPr lang="ru-RU" sz="2400" b="0" i="0" dirty="0" err="1">
                 <a:solidFill>
                   <a:srgbClr val="000000"/>
                 </a:solidFill>
@@ -12339,17 +10449,17 @@
               <a:t>пристроїв</a:t>
             </a:r>
             <a:r>
-              <a:rPr lang="ru-RU" b="0" i="0" dirty="0">
-                <a:solidFill>
-                  <a:srgbClr val="000000"/>
-                </a:solidFill>
-                <a:effectLst/>
-                <a:latin typeface="Roboto"/>
-              </a:rPr>
-              <a:t> </a:t>
-            </a:r>
-            <a:r>
-              <a:rPr lang="ru-RU" b="0" i="0" dirty="0" err="1">
+              <a:rPr lang="ru-RU" sz="2400" b="0" i="0" dirty="0">
+                <a:solidFill>
+                  <a:srgbClr val="000000"/>
+                </a:solidFill>
+                <a:effectLst/>
+                <a:latin typeface="Roboto"/>
+              </a:rPr>
+              <a:t> </a:t>
+            </a:r>
+            <a:r>
+              <a:rPr lang="ru-RU" sz="2400" b="0" i="0" dirty="0" err="1">
                 <a:solidFill>
                   <a:srgbClr val="000000"/>
                 </a:solidFill>
@@ -12359,7 +10469,7 @@
               <a:t>використовуючи</a:t>
             </a:r>
             <a:r>
-              <a:rPr lang="ru-RU" b="0" i="0" dirty="0">
+              <a:rPr lang="ru-RU" sz="2400" b="0" i="0" dirty="0">
                 <a:solidFill>
                   <a:srgbClr val="000000"/>
                 </a:solidFill>
@@ -12369,7 +10479,7 @@
               <a:t> одну і ту ж </a:t>
             </a:r>
             <a:r>
-              <a:rPr lang="ru-RU" b="0" i="0" dirty="0" err="1">
+              <a:rPr lang="ru-RU" sz="2400" b="0" i="0" dirty="0" err="1">
                 <a:solidFill>
                   <a:srgbClr val="000000"/>
                 </a:solidFill>
@@ -12379,7 +10489,7 @@
               <a:t>специфікації</a:t>
             </a:r>
             <a:br>
-              <a:rPr lang="ru-RU" b="0" i="0" dirty="0">
+              <a:rPr lang="ru-RU" sz="2400" b="0" i="0" dirty="0">
                 <a:solidFill>
                   <a:srgbClr val="000000"/>
                 </a:solidFill>
@@ -12387,7 +10497,7 @@
                 <a:latin typeface="Roboto"/>
               </a:rPr>
             </a:br>
-            <a:endParaRPr lang="ru-RU" dirty="0">
+            <a:endParaRPr lang="ru-RU" sz="2400" dirty="0">
               <a:solidFill>
                 <a:srgbClr val="000000"/>
               </a:solidFill>
@@ -12396,7 +10506,7 @@
           </a:p>
           <a:p>
             <a:r>
-              <a:rPr lang="ru-RU" b="0" i="0" dirty="0" err="1">
+              <a:rPr lang="ru-RU" sz="2400" b="0" i="0" dirty="0" err="1">
                 <a:solidFill>
                   <a:srgbClr val="000000"/>
                 </a:solidFill>
@@ -12406,7 +10516,7 @@
               <a:t>Чи</a:t>
             </a:r>
             <a:r>
-              <a:rPr lang="ru-RU" b="0" i="0" dirty="0">
+              <a:rPr lang="ru-RU" sz="2400" b="0" i="0" dirty="0">
                 <a:solidFill>
                   <a:srgbClr val="000000"/>
                 </a:solidFill>
@@ -12416,7 +10526,7 @@
               <a:t> не </a:t>
             </a:r>
             <a:r>
-              <a:rPr lang="ru-RU" b="0" i="0" dirty="0" err="1">
+              <a:rPr lang="ru-RU" sz="2400" b="0" i="0" dirty="0" err="1">
                 <a:solidFill>
                   <a:srgbClr val="000000"/>
                 </a:solidFill>
@@ -12426,17 +10536,17 @@
               <a:t>перевіряє</a:t>
             </a:r>
             <a:r>
-              <a:rPr lang="ru-RU" b="0" i="0" dirty="0">
-                <a:solidFill>
-                  <a:srgbClr val="000000"/>
-                </a:solidFill>
-                <a:effectLst/>
-                <a:latin typeface="Roboto"/>
-              </a:rPr>
-              <a:t> </a:t>
-            </a:r>
-            <a:r>
-              <a:rPr lang="ru-RU" b="0" i="0" dirty="0" err="1">
+              <a:rPr lang="ru-RU" sz="2400" b="0" i="0" dirty="0">
+                <a:solidFill>
+                  <a:srgbClr val="000000"/>
+                </a:solidFill>
+                <a:effectLst/>
+                <a:latin typeface="Roboto"/>
+              </a:rPr>
+              <a:t> </a:t>
+            </a:r>
+            <a:r>
+              <a:rPr lang="ru-RU" sz="2400" b="0" i="0" dirty="0" err="1">
                 <a:solidFill>
                   <a:srgbClr val="000000"/>
                 </a:solidFill>
@@ -12446,17 +10556,17 @@
               <a:t>вхідні</a:t>
             </a:r>
             <a:r>
-              <a:rPr lang="ru-RU" b="0" i="0" dirty="0">
-                <a:solidFill>
-                  <a:srgbClr val="000000"/>
-                </a:solidFill>
-                <a:effectLst/>
-                <a:latin typeface="Roboto"/>
-              </a:rPr>
-              <a:t> </a:t>
-            </a:r>
-            <a:r>
-              <a:rPr lang="ru-RU" b="0" i="0" dirty="0" err="1">
+              <a:rPr lang="ru-RU" sz="2400" b="0" i="0" dirty="0">
+                <a:solidFill>
+                  <a:srgbClr val="000000"/>
+                </a:solidFill>
+                <a:effectLst/>
+                <a:latin typeface="Roboto"/>
+              </a:rPr>
+              <a:t> </a:t>
+            </a:r>
+            <a:r>
+              <a:rPr lang="ru-RU" sz="2400" b="0" i="0" dirty="0" err="1">
                 <a:solidFill>
                   <a:srgbClr val="000000"/>
                 </a:solidFill>
@@ -12466,7 +10576,7 @@
               <a:t>дані</a:t>
             </a:r>
             <a:r>
-              <a:rPr lang="ru-RU" b="0" i="0" dirty="0">
+              <a:rPr lang="ru-RU" sz="2400" b="0" i="0" dirty="0">
                 <a:solidFill>
                   <a:srgbClr val="000000"/>
                 </a:solidFill>
@@ -12476,7 +10586,7 @@
               <a:t>. Не </a:t>
             </a:r>
             <a:r>
-              <a:rPr lang="ru-RU" b="0" i="0" dirty="0" err="1">
+              <a:rPr lang="ru-RU" sz="2400" b="0" i="0" dirty="0" err="1">
                 <a:solidFill>
                   <a:srgbClr val="000000"/>
                 </a:solidFill>
@@ -12486,17 +10596,17 @@
               <a:t>дає</a:t>
             </a:r>
             <a:r>
-              <a:rPr lang="ru-RU" b="0" i="0" dirty="0">
-                <a:solidFill>
-                  <a:srgbClr val="000000"/>
-                </a:solidFill>
-                <a:effectLst/>
-                <a:latin typeface="Roboto"/>
-              </a:rPr>
-              <a:t> </a:t>
-            </a:r>
-            <a:r>
-              <a:rPr lang="ru-RU" b="0" i="0" dirty="0" err="1">
+              <a:rPr lang="ru-RU" sz="2400" b="0" i="0" dirty="0">
+                <a:solidFill>
+                  <a:srgbClr val="000000"/>
+                </a:solidFill>
+                <a:effectLst/>
+                <a:latin typeface="Roboto"/>
+              </a:rPr>
+              <a:t> </a:t>
+            </a:r>
+            <a:r>
+              <a:rPr lang="ru-RU" sz="2400" b="0" i="0" dirty="0" err="1">
                 <a:solidFill>
                   <a:srgbClr val="000000"/>
                 </a:solidFill>
@@ -12506,17 +10616,17 @@
               <a:t>опису</a:t>
             </a:r>
             <a:r>
-              <a:rPr lang="ru-RU" b="0" i="0" dirty="0">
-                <a:solidFill>
-                  <a:srgbClr val="000000"/>
-                </a:solidFill>
-                <a:effectLst/>
-                <a:latin typeface="Roboto"/>
-              </a:rPr>
-              <a:t> </a:t>
-            </a:r>
-            <a:r>
-              <a:rPr lang="ru-RU" b="0" i="0" dirty="0" err="1">
+              <a:rPr lang="ru-RU" sz="2400" b="0" i="0" dirty="0">
+                <a:solidFill>
+                  <a:srgbClr val="000000"/>
+                </a:solidFill>
+                <a:effectLst/>
+                <a:latin typeface="Roboto"/>
+              </a:rPr>
+              <a:t> </a:t>
+            </a:r>
+            <a:r>
+              <a:rPr lang="ru-RU" sz="2400" b="0" i="0" dirty="0" err="1">
                 <a:solidFill>
                   <a:srgbClr val="000000"/>
                 </a:solidFill>
@@ -12526,17 +10636,17 @@
               <a:t>або</a:t>
             </a:r>
             <a:r>
-              <a:rPr lang="ru-RU" b="0" i="0" dirty="0">
-                <a:solidFill>
-                  <a:srgbClr val="000000"/>
-                </a:solidFill>
-                <a:effectLst/>
-                <a:latin typeface="Roboto"/>
-              </a:rPr>
-              <a:t> </a:t>
-            </a:r>
-            <a:r>
-              <a:rPr lang="ru-RU" b="0" i="0" dirty="0" err="1">
+              <a:rPr lang="ru-RU" sz="2400" b="0" i="0" dirty="0">
+                <a:solidFill>
+                  <a:srgbClr val="000000"/>
+                </a:solidFill>
+                <a:effectLst/>
+                <a:latin typeface="Roboto"/>
+              </a:rPr>
+              <a:t> </a:t>
+            </a:r>
+            <a:r>
+              <a:rPr lang="ru-RU" sz="2400" b="0" i="0" dirty="0" err="1">
                 <a:solidFill>
                   <a:srgbClr val="000000"/>
                 </a:solidFill>
@@ -12546,17 +10656,17 @@
               <a:t>гарантій</a:t>
             </a:r>
             <a:r>
-              <a:rPr lang="ru-RU" b="0" i="0" dirty="0">
-                <a:solidFill>
-                  <a:srgbClr val="000000"/>
-                </a:solidFill>
-                <a:effectLst/>
-                <a:latin typeface="Roboto"/>
-              </a:rPr>
-              <a:t> </a:t>
-            </a:r>
-            <a:r>
-              <a:rPr lang="ru-RU" b="0" i="0" dirty="0" err="1">
+              <a:rPr lang="ru-RU" sz="2400" b="0" i="0" dirty="0">
+                <a:solidFill>
+                  <a:srgbClr val="000000"/>
+                </a:solidFill>
+                <a:effectLst/>
+                <a:latin typeface="Roboto"/>
+              </a:rPr>
+              <a:t> </a:t>
+            </a:r>
+            <a:r>
+              <a:rPr lang="ru-RU" sz="2400" b="0" i="0" dirty="0" err="1">
                 <a:solidFill>
                   <a:srgbClr val="000000"/>
                 </a:solidFill>
@@ -12566,17 +10676,17 @@
               <a:t>що</a:t>
             </a:r>
             <a:r>
-              <a:rPr lang="ru-RU" b="0" i="0" dirty="0">
-                <a:solidFill>
-                  <a:srgbClr val="000000"/>
-                </a:solidFill>
-                <a:effectLst/>
-                <a:latin typeface="Roboto"/>
-              </a:rPr>
-              <a:t> </a:t>
-            </a:r>
-            <a:r>
-              <a:rPr lang="ru-RU" b="0" i="0" dirty="0" err="1">
+              <a:rPr lang="ru-RU" sz="2400" b="0" i="0" dirty="0">
+                <a:solidFill>
+                  <a:srgbClr val="000000"/>
+                </a:solidFill>
+                <a:effectLst/>
+                <a:latin typeface="Roboto"/>
+              </a:rPr>
+              <a:t> </a:t>
+            </a:r>
+            <a:r>
+              <a:rPr lang="ru-RU" sz="2400" b="0" i="0" dirty="0" err="1">
                 <a:solidFill>
                   <a:srgbClr val="000000"/>
                 </a:solidFill>
@@ -12586,7 +10696,7 @@
               <a:t>програма</a:t>
             </a:r>
             <a:r>
-              <a:rPr lang="ru-RU" b="0" i="0" dirty="0">
+              <a:rPr lang="ru-RU" sz="2400" b="0" i="0" dirty="0">
                 <a:solidFill>
                   <a:srgbClr val="000000"/>
                 </a:solidFill>
@@ -12596,7 +10706,7 @@
               <a:t> буде </a:t>
             </a:r>
             <a:r>
-              <a:rPr lang="ru-RU" b="0" i="0" dirty="0" err="1">
+              <a:rPr lang="ru-RU" sz="2400" b="0" i="0" dirty="0" err="1">
                 <a:solidFill>
                   <a:srgbClr val="000000"/>
                 </a:solidFill>
@@ -12606,7 +10716,7 @@
               <a:t>працювати</a:t>
             </a:r>
             <a:r>
-              <a:rPr lang="ru-RU" b="0" i="0" dirty="0">
+              <a:rPr lang="ru-RU" sz="2400" b="0" i="0" dirty="0">
                 <a:solidFill>
                   <a:srgbClr val="000000"/>
                 </a:solidFill>
@@ -12616,7 +10726,7 @@
               <a:t> і як вона буде </a:t>
             </a:r>
             <a:r>
-              <a:rPr lang="ru-RU" b="0" i="0" dirty="0" err="1">
+              <a:rPr lang="ru-RU" sz="2400" b="0" i="0" dirty="0" err="1">
                 <a:solidFill>
                   <a:srgbClr val="000000"/>
                 </a:solidFill>
@@ -12626,7 +10736,7 @@
               <a:t>працювати</a:t>
             </a:r>
             <a:br>
-              <a:rPr lang="ru-RU" b="0" i="0" dirty="0">
+              <a:rPr lang="ru-RU" sz="2400" b="0" i="0" dirty="0">
                 <a:solidFill>
                   <a:srgbClr val="000000"/>
                 </a:solidFill>
@@ -12634,7 +10744,7 @@
                 <a:latin typeface="Roboto"/>
               </a:rPr>
             </a:br>
-            <a:endParaRPr lang="en-US" b="0" i="0" dirty="0">
+            <a:endParaRPr lang="en-US" sz="2400" b="0" i="0" dirty="0">
               <a:solidFill>
                 <a:srgbClr val="000000"/>
               </a:solidFill>
@@ -12644,7 +10754,7 @@
           </a:p>
           <a:p>
             <a:r>
-              <a:rPr lang="ru-RU" b="0" i="0" dirty="0">
+              <a:rPr lang="ru-RU" sz="2400" b="0" i="0" dirty="0">
                 <a:solidFill>
                   <a:srgbClr val="000000"/>
                 </a:solidFill>
@@ -12654,7 +10764,7 @@
               <a:t>Не </a:t>
             </a:r>
             <a:r>
-              <a:rPr lang="ru-RU" b="0" i="0" dirty="0" err="1">
+              <a:rPr lang="ru-RU" sz="2400" b="0" i="0" dirty="0" err="1">
                 <a:solidFill>
                   <a:srgbClr val="000000"/>
                 </a:solidFill>
@@ -12664,7 +10774,7 @@
               <a:t>має</a:t>
             </a:r>
             <a:r>
-              <a:rPr lang="ru-RU" b="0" i="0" dirty="0">
+              <a:rPr lang="ru-RU" sz="2400" b="0" i="0" dirty="0">
                 <a:solidFill>
                   <a:srgbClr val="000000"/>
                 </a:solidFill>
@@ -12674,7 +10784,7 @@
               <a:t> глобального стану. </a:t>
             </a:r>
             <a:r>
-              <a:rPr lang="ru-RU" b="0" i="0" dirty="0" err="1">
+              <a:rPr lang="ru-RU" sz="2400" b="0" i="0" dirty="0" err="1">
                 <a:solidFill>
                   <a:srgbClr val="000000"/>
                 </a:solidFill>
@@ -12684,7 +10794,7 @@
               <a:t>Розробник</a:t>
             </a:r>
             <a:r>
-              <a:rPr lang="ru-RU" b="0" i="0" dirty="0">
+              <a:rPr lang="ru-RU" sz="2400" b="0" i="0" dirty="0">
                 <a:solidFill>
                   <a:srgbClr val="000000"/>
                 </a:solidFill>
@@ -12694,7 +10804,7 @@
               <a:t> сам повинен </a:t>
             </a:r>
             <a:r>
-              <a:rPr lang="ru-RU" b="0" i="0" dirty="0" err="1">
+              <a:rPr lang="ru-RU" sz="2400" b="0" i="0" dirty="0" err="1">
                 <a:solidFill>
                   <a:srgbClr val="000000"/>
                 </a:solidFill>
@@ -12704,17 +10814,17 @@
               <a:t>виконати</a:t>
             </a:r>
             <a:r>
-              <a:rPr lang="ru-RU" b="0" i="0" dirty="0">
-                <a:solidFill>
-                  <a:srgbClr val="000000"/>
-                </a:solidFill>
-                <a:effectLst/>
-                <a:latin typeface="Roboto"/>
-              </a:rPr>
-              <a:t> </a:t>
-            </a:r>
-            <a:r>
-              <a:rPr lang="ru-RU" b="0" i="0" dirty="0" err="1">
+              <a:rPr lang="ru-RU" sz="2400" b="0" i="0" dirty="0">
+                <a:solidFill>
+                  <a:srgbClr val="000000"/>
+                </a:solidFill>
+                <a:effectLst/>
+                <a:latin typeface="Roboto"/>
+              </a:rPr>
+              <a:t> </a:t>
+            </a:r>
+            <a:r>
+              <a:rPr lang="ru-RU" sz="2400" b="0" i="0" dirty="0" err="1">
                 <a:solidFill>
                   <a:srgbClr val="000000"/>
                 </a:solidFill>
@@ -12724,17 +10834,17 @@
               <a:t>всі</a:t>
             </a:r>
             <a:r>
-              <a:rPr lang="ru-RU" b="0" i="0" dirty="0">
-                <a:solidFill>
-                  <a:srgbClr val="000000"/>
-                </a:solidFill>
-                <a:effectLst/>
-                <a:latin typeface="Roboto"/>
-              </a:rPr>
-              <a:t> </a:t>
-            </a:r>
-            <a:r>
-              <a:rPr lang="ru-RU" b="0" i="0" dirty="0" err="1">
+              <a:rPr lang="ru-RU" sz="2400" b="0" i="0" dirty="0">
+                <a:solidFill>
+                  <a:srgbClr val="000000"/>
+                </a:solidFill>
+                <a:effectLst/>
+                <a:latin typeface="Roboto"/>
+              </a:rPr>
+              <a:t> </a:t>
+            </a:r>
+            <a:r>
+              <a:rPr lang="ru-RU" sz="2400" b="0" i="0" dirty="0" err="1">
                 <a:solidFill>
                   <a:srgbClr val="000000"/>
                 </a:solidFill>
@@ -12744,17 +10854,17 @@
               <a:t>деталі</a:t>
             </a:r>
             <a:r>
-              <a:rPr lang="ru-RU" b="0" i="0" dirty="0">
-                <a:solidFill>
-                  <a:srgbClr val="000000"/>
-                </a:solidFill>
-                <a:effectLst/>
-                <a:latin typeface="Roboto"/>
-              </a:rPr>
-              <a:t> </a:t>
-            </a:r>
-            <a:r>
-              <a:rPr lang="ru-RU" b="0" i="0" dirty="0" err="1">
+              <a:rPr lang="ru-RU" sz="2400" b="0" i="0" dirty="0">
+                <a:solidFill>
+                  <a:srgbClr val="000000"/>
+                </a:solidFill>
+                <a:effectLst/>
+                <a:latin typeface="Roboto"/>
+              </a:rPr>
+              <a:t> </a:t>
+            </a:r>
+            <a:r>
+              <a:rPr lang="ru-RU" sz="2400" b="0" i="0" dirty="0" err="1">
                 <a:solidFill>
                   <a:srgbClr val="000000"/>
                 </a:solidFill>
@@ -12764,17 +10874,17 @@
               <a:t>свого</a:t>
             </a:r>
             <a:r>
-              <a:rPr lang="ru-RU" b="0" i="0" dirty="0">
-                <a:solidFill>
-                  <a:srgbClr val="000000"/>
-                </a:solidFill>
-                <a:effectLst/>
-                <a:latin typeface="Roboto"/>
-              </a:rPr>
-              <a:t> </a:t>
-            </a:r>
-            <a:r>
-              <a:rPr lang="ru-RU" b="0" i="0" dirty="0" err="1">
+              <a:rPr lang="ru-RU" sz="2400" b="0" i="0" dirty="0">
+                <a:solidFill>
+                  <a:srgbClr val="000000"/>
+                </a:solidFill>
+                <a:effectLst/>
+                <a:latin typeface="Roboto"/>
+              </a:rPr>
+              <a:t> </a:t>
+            </a:r>
+            <a:r>
+              <a:rPr lang="ru-RU" sz="2400" b="0" i="0" dirty="0" err="1">
                 <a:solidFill>
                   <a:srgbClr val="000000"/>
                 </a:solidFill>
@@ -12784,7 +10894,7 @@
               <a:t>застосування</a:t>
             </a:r>
             <a:r>
-              <a:rPr lang="ru-RU" b="0" i="0" dirty="0">
+              <a:rPr lang="ru-RU" sz="2400" b="0" i="0" dirty="0">
                 <a:solidFill>
                   <a:srgbClr val="000000"/>
                 </a:solidFill>
@@ -12794,7 +10904,7 @@
               <a:t> </a:t>
             </a:r>
             <a:br>
-              <a:rPr lang="ru-RU" b="0" i="0" dirty="0">
+              <a:rPr lang="ru-RU" sz="2400" b="0" i="0" dirty="0">
                 <a:solidFill>
                   <a:srgbClr val="000000"/>
                 </a:solidFill>
@@ -12802,7 +10912,7 @@
                 <a:latin typeface="Roboto"/>
               </a:rPr>
             </a:br>
-            <a:endParaRPr lang="ru-RU" b="0" i="0" dirty="0">
+            <a:endParaRPr lang="ru-RU" sz="2400" b="0" i="0" dirty="0">
               <a:solidFill>
                 <a:srgbClr val="000000"/>
               </a:solidFill>
@@ -12812,7 +10922,7 @@
           </a:p>
           <a:p>
             <a:r>
-              <a:rPr lang="ru-RU" b="0" i="0" dirty="0" err="1">
+              <a:rPr lang="ru-RU" sz="2400" b="0" i="0" dirty="0" err="1">
                 <a:solidFill>
                   <a:srgbClr val="000000"/>
                 </a:solidFill>
@@ -12822,7 +10932,7 @@
               <a:t>Явний</a:t>
             </a:r>
             <a:r>
-              <a:rPr lang="ru-RU" b="0" i="0" dirty="0">
+              <a:rPr lang="ru-RU" sz="2400" b="0" i="0" dirty="0">
                 <a:solidFill>
                   <a:srgbClr val="000000"/>
                 </a:solidFill>
@@ -12832,7 +10942,7 @@
               <a:t> контроль над </a:t>
             </a:r>
             <a:r>
-              <a:rPr lang="ru-RU" b="0" i="0" dirty="0" err="1">
+              <a:rPr lang="ru-RU" sz="2400" b="0" i="0" dirty="0" err="1">
                 <a:solidFill>
                   <a:srgbClr val="000000"/>
                 </a:solidFill>
@@ -12842,17 +10952,17 @@
               <a:t>керуванням</a:t>
             </a:r>
             <a:r>
-              <a:rPr lang="ru-RU" b="0" i="0" dirty="0">
-                <a:solidFill>
-                  <a:srgbClr val="000000"/>
-                </a:solidFill>
-                <a:effectLst/>
-                <a:latin typeface="Roboto"/>
-              </a:rPr>
-              <a:t> </a:t>
-            </a:r>
-            <a:r>
-              <a:rPr lang="ru-RU" b="0" i="0" dirty="0" err="1">
+              <a:rPr lang="ru-RU" sz="2400" b="0" i="0" dirty="0">
+                <a:solidFill>
+                  <a:srgbClr val="000000"/>
+                </a:solidFill>
+                <a:effectLst/>
+                <a:latin typeface="Roboto"/>
+              </a:rPr>
+              <a:t> </a:t>
+            </a:r>
+            <a:r>
+              <a:rPr lang="ru-RU" sz="2400" b="0" i="0" dirty="0" err="1">
                 <a:solidFill>
                   <a:srgbClr val="000000"/>
                 </a:solidFill>
@@ -12861,7 +10971,7 @@
               </a:rPr>
               <a:t>пам'яттю</a:t>
             </a:r>
-            <a:endParaRPr lang="ru-RU" dirty="0"/>
+            <a:endParaRPr lang="ru-RU" sz="2400" dirty="0"/>
           </a:p>
         </p:txBody>
       </p:sp>
@@ -13051,8 +11161,8 @@
         </p:blipFill>
         <p:spPr>
           <a:xfrm>
-            <a:off x="948021" y="1269999"/>
-            <a:ext cx="8325981" cy="4997637"/>
+            <a:off x="948021" y="1361440"/>
+            <a:ext cx="8325981" cy="4906196"/>
           </a:xfrm>
           <a:prstGeom prst="rect">
             <a:avLst/>
@@ -13150,8 +11260,8 @@
         </p:blipFill>
         <p:spPr>
           <a:xfrm>
-            <a:off x="2897572" y="2160588"/>
-            <a:ext cx="4156893" cy="3881437"/>
+            <a:off x="3351294" y="1442720"/>
+            <a:ext cx="4738688" cy="4424680"/>
           </a:xfrm>
           <a:prstGeom prst="rect">
             <a:avLst/>
@@ -13360,7 +11470,7 @@
         <p:spPr>
           <a:xfrm>
             <a:off x="794200" y="4636367"/>
-            <a:ext cx="3755440" cy="369332"/>
+            <a:ext cx="5454200" cy="523220"/>
           </a:xfrm>
           <a:prstGeom prst="rect">
             <a:avLst/>
@@ -13374,7 +11484,7 @@
           <a:lstStyle/>
           <a:p>
             <a:r>
-              <a:rPr lang="ru-RU" b="0" i="0" dirty="0" err="1">
+              <a:rPr lang="ru-RU" sz="2800" b="0" i="0" dirty="0" err="1">
                 <a:solidFill>
                   <a:srgbClr val="000000"/>
                 </a:solidFill>
@@ -13384,17 +11494,17 @@
               <a:t>Завантажене</a:t>
             </a:r>
             <a:r>
-              <a:rPr lang="ru-RU" b="0" i="0" dirty="0">
-                <a:solidFill>
-                  <a:srgbClr val="000000"/>
-                </a:solidFill>
-                <a:effectLst/>
-                <a:latin typeface="Roboto"/>
-              </a:rPr>
-              <a:t> </a:t>
-            </a:r>
-            <a:r>
-              <a:rPr lang="ru-RU" b="0" i="0" dirty="0" err="1">
+              <a:rPr lang="ru-RU" sz="2800" b="0" i="0" dirty="0">
+                <a:solidFill>
+                  <a:srgbClr val="000000"/>
+                </a:solidFill>
+                <a:effectLst/>
+                <a:latin typeface="Roboto"/>
+              </a:rPr>
+              <a:t> </a:t>
+            </a:r>
+            <a:r>
+              <a:rPr lang="ru-RU" sz="2800" b="0" i="0" dirty="0" err="1">
                 <a:solidFill>
                   <a:srgbClr val="000000"/>
                 </a:solidFill>
@@ -13404,7 +11514,7 @@
               <a:t>лише</a:t>
             </a:r>
             <a:r>
-              <a:rPr lang="ru-RU" b="0" i="0" dirty="0">
+              <a:rPr lang="ru-RU" sz="2800" b="0" i="0" dirty="0">
                 <a:solidFill>
                   <a:srgbClr val="000000"/>
                 </a:solidFill>
@@ -13413,7 +11523,7 @@
               </a:rPr>
               <a:t> ядро №5</a:t>
             </a:r>
-            <a:endParaRPr lang="ru-RU" dirty="0"/>
+            <a:endParaRPr lang="ru-RU" sz="2800" dirty="0"/>
           </a:p>
         </p:txBody>
       </p:sp>
@@ -13431,9 +11541,9 @@
 </file>
 
 <file path=ppt/theme/theme1.xml><?xml version="1.0" encoding="utf-8"?>
-<a:theme xmlns:a="http://schemas.openxmlformats.org/drawingml/2006/main" name="Аспект">
+<a:theme xmlns:a="http://schemas.openxmlformats.org/drawingml/2006/main" name="Уголки">
   <a:themeElements>
-    <a:clrScheme name="Facet">
+    <a:clrScheme name="Уголки">
       <a:dk1>
         <a:sysClr val="windowText" lastClr="000000"/>
       </a:dk1>
@@ -13441,48 +11551,48 @@
         <a:sysClr val="window" lastClr="FFFFFF"/>
       </a:lt1>
       <a:dk2>
-        <a:srgbClr val="2C3C43"/>
+        <a:srgbClr val="191B0E"/>
       </a:dk2>
       <a:lt2>
-        <a:srgbClr val="EBEBEB"/>
+        <a:srgbClr val="EFEDE3"/>
       </a:lt2>
       <a:accent1>
-        <a:srgbClr val="90C226"/>
+        <a:srgbClr val="8C8D86"/>
       </a:accent1>
       <a:accent2>
-        <a:srgbClr val="54A021"/>
+        <a:srgbClr val="E6C069"/>
       </a:accent2>
       <a:accent3>
-        <a:srgbClr val="E6B91E"/>
+        <a:srgbClr val="897B61"/>
       </a:accent3>
       <a:accent4>
-        <a:srgbClr val="E76618"/>
+        <a:srgbClr val="8DAB8E"/>
       </a:accent4>
       <a:accent5>
-        <a:srgbClr val="C42F1A"/>
+        <a:srgbClr val="77A2BB"/>
       </a:accent5>
       <a:accent6>
-        <a:srgbClr val="918655"/>
+        <a:srgbClr val="E28394"/>
       </a:accent6>
       <a:hlink>
-        <a:srgbClr val="99CA3C"/>
+        <a:srgbClr val="77A2BB"/>
       </a:hlink>
       <a:folHlink>
-        <a:srgbClr val="B9D181"/>
+        <a:srgbClr val="957A99"/>
       </a:folHlink>
     </a:clrScheme>
-    <a:fontScheme name="Facet">
+    <a:fontScheme name="Уголки">
       <a:majorFont>
-        <a:latin typeface="Trebuchet MS" panose="020B0603020202020204"/>
+        <a:latin typeface="Franklin Gothic Book" panose="020B0503020102020204"/>
         <a:ea typeface=""/>
         <a:cs typeface=""/>
         <a:font script="Jpan" typeface="メイリオ"/>
-        <a:font script="Hang" typeface="맑은 고딕"/>
-        <a:font script="Hans" typeface="方正姚体"/>
+        <a:font script="Hang" typeface="돋움"/>
+        <a:font script="Hans" typeface="华文楷体"/>
         <a:font script="Hant" typeface="微軟正黑體"/>
         <a:font script="Arab" typeface="Tahoma"/>
-        <a:font script="Hebr" typeface="Arial"/>
-        <a:font script="Thai" typeface="Cordia New"/>
+        <a:font script="Hebr" typeface="Aharoni"/>
+        <a:font script="Thai" typeface="LilyUPC"/>
         <a:font script="Ethi" typeface="Nyala"/>
         <a:font script="Beng" typeface="Vrinda"/>
         <a:font script="Gujr" typeface="Shruti"/>
@@ -13508,16 +11618,16 @@
         <a:font script="Geor" typeface="Sylfaen"/>
       </a:majorFont>
       <a:minorFont>
-        <a:latin typeface="Trebuchet MS" panose="020B0603020202020204"/>
+        <a:latin typeface="Franklin Gothic Book" panose="020B0503020102020204"/>
         <a:ea typeface=""/>
         <a:cs typeface=""/>
         <a:font script="Jpan" typeface="メイリオ"/>
-        <a:font script="Hang" typeface="HY그래픽M"/>
-        <a:font script="Hans" typeface="华文新魏"/>
+        <a:font script="Hang" typeface="돋움"/>
+        <a:font script="Hans" typeface="华文楷体"/>
         <a:font script="Hant" typeface="微軟正黑體"/>
         <a:font script="Arab" typeface="Tahoma"/>
-        <a:font script="Hebr" typeface="Gisha"/>
-        <a:font script="Thai" typeface="IrisUPC"/>
+        <a:font script="Hebr" typeface="Aharoni"/>
+        <a:font script="Thai" typeface="LilyUPC"/>
         <a:font script="Ethi" typeface="Nyala"/>
         <a:font script="Beng" typeface="Vrinda"/>
         <a:font script="Gujr" typeface="Shruti"/>
@@ -13538,12 +11648,12 @@
         <a:font script="Laoo" typeface="DokChampa"/>
         <a:font script="Sinh" typeface="Iskoola Pota"/>
         <a:font script="Mong" typeface="Mongolian Baiti"/>
-        <a:font script="Viet" typeface="Arial"/>
+        <a:font script="Viet" typeface="Tahoma"/>
         <a:font script="Uigh" typeface="Microsoft Uighur"/>
         <a:font script="Geor" typeface="Sylfaen"/>
       </a:minorFont>
     </a:fontScheme>
-    <a:fmtScheme name="Facet">
+    <a:fmtScheme name="Уголки">
       <a:fillStyleLst>
         <a:solidFill>
           <a:schemeClr val="phClr"/>
@@ -13552,13 +11662,23 @@
           <a:gsLst>
             <a:gs pos="0">
               <a:schemeClr val="phClr">
-                <a:tint val="65000"/>
+                <a:tint val="67000"/>
+                <a:satMod val="105000"/>
                 <a:lumMod val="110000"/>
               </a:schemeClr>
             </a:gs>
-            <a:gs pos="88000">
+            <a:gs pos="50000">
               <a:schemeClr val="phClr">
-                <a:tint val="90000"/>
+                <a:tint val="73000"/>
+                <a:satMod val="103000"/>
+                <a:lumMod val="105000"/>
+              </a:schemeClr>
+            </a:gs>
+            <a:gs pos="100000">
+              <a:schemeClr val="phClr">
+                <a:tint val="81000"/>
+                <a:satMod val="109000"/>
+                <a:lumMod val="105000"/>
               </a:schemeClr>
             </a:gs>
           </a:gsLst>
@@ -13568,14 +11688,23 @@
           <a:gsLst>
             <a:gs pos="0">
               <a:schemeClr val="phClr">
-                <a:tint val="96000"/>
+                <a:tint val="94000"/>
+                <a:satMod val="103000"/>
+                <a:lumMod val="102000"/>
+              </a:schemeClr>
+            </a:gs>
+            <a:gs pos="50000">
+              <a:schemeClr val="phClr">
+                <a:shade val="100000"/>
+                <a:satMod val="110000"/>
                 <a:lumMod val="100000"/>
               </a:schemeClr>
             </a:gs>
-            <a:gs pos="78000">
+            <a:gs pos="100000">
               <a:schemeClr val="phClr">
-                <a:shade val="94000"/>
-                <a:lumMod val="94000"/>
+                <a:shade val="78000"/>
+                <a:satMod val="120000"/>
+                <a:lumMod val="99000"/>
               </a:schemeClr>
             </a:gs>
           </a:gsLst>
@@ -13583,19 +11712,19 @@
         </a:gradFill>
       </a:fillStyleLst>
       <a:lnStyleLst>
-        <a:ln w="12700" cap="rnd" cmpd="sng" algn="ctr">
+        <a:ln w="6350" cap="flat" cmpd="sng" algn="in">
           <a:solidFill>
             <a:schemeClr val="phClr"/>
           </a:solidFill>
           <a:prstDash val="solid"/>
         </a:ln>
-        <a:ln w="19050" cap="rnd" cmpd="sng" algn="ctr">
+        <a:ln w="34925" cap="flat" cmpd="sng" algn="in">
           <a:solidFill>
             <a:schemeClr val="phClr"/>
           </a:solidFill>
           <a:prstDash val="solid"/>
         </a:ln>
-        <a:ln w="25400" cap="rnd" cmpd="sng" algn="ctr">
+        <a:ln w="19050" cap="flat" cmpd="sng" algn="in">
           <a:solidFill>
             <a:schemeClr val="phClr"/>
           </a:solidFill>
@@ -13607,72 +11736,54 @@
           <a:effectLst/>
         </a:effectStyle>
         <a:effectStyle>
+          <a:effectLst/>
+        </a:effectStyle>
+        <a:effectStyle>
           <a:effectLst>
-            <a:outerShdw blurRad="38100" dist="25400" dir="5400000" rotWithShape="0">
+            <a:outerShdw blurRad="57150" dist="19050" dir="5400000" algn="ctr" rotWithShape="0">
               <a:srgbClr val="000000">
                 <a:alpha val="35000"/>
               </a:srgbClr>
             </a:outerShdw>
           </a:effectLst>
         </a:effectStyle>
-        <a:effectStyle>
-          <a:effectLst>
-            <a:outerShdw blurRad="50800" dist="38100" dir="5400000" rotWithShape="0">
-              <a:srgbClr val="000000">
-                <a:alpha val="35000"/>
-              </a:srgbClr>
-            </a:outerShdw>
-          </a:effectLst>
-          <a:scene3d>
-            <a:camera prst="orthographicFront">
-              <a:rot lat="0" lon="0" rev="0"/>
-            </a:camera>
-            <a:lightRig rig="threePt" dir="tl"/>
-          </a:scene3d>
-          <a:sp3d prstMaterial="plastic">
-            <a:bevelT w="0" h="0"/>
-          </a:sp3d>
-        </a:effectStyle>
       </a:effectStyleLst>
       <a:bgFillStyleLst>
         <a:solidFill>
           <a:schemeClr val="phClr"/>
         </a:solidFill>
+        <a:solidFill>
+          <a:schemeClr val="phClr">
+            <a:tint val="95000"/>
+            <a:satMod val="170000"/>
+          </a:schemeClr>
+        </a:solidFill>
         <a:gradFill rotWithShape="1">
           <a:gsLst>
             <a:gs pos="0">
               <a:schemeClr val="phClr">
-                <a:tint val="90000"/>
-                <a:lumMod val="104000"/>
+                <a:tint val="93000"/>
+                <a:shade val="98000"/>
+                <a:satMod val="150000"/>
+                <a:lumMod val="102000"/>
               </a:schemeClr>
             </a:gs>
-            <a:gs pos="94000">
+            <a:gs pos="50000">
               <a:schemeClr val="phClr">
-                <a:shade val="96000"/>
-                <a:lumMod val="82000"/>
+                <a:tint val="98000"/>
+                <a:shade val="90000"/>
+                <a:satMod val="130000"/>
+                <a:lumMod val="103000"/>
+              </a:schemeClr>
+            </a:gs>
+            <a:gs pos="100000">
+              <a:schemeClr val="phClr">
+                <a:shade val="63000"/>
+                <a:satMod val="120000"/>
               </a:schemeClr>
             </a:gs>
           </a:gsLst>
           <a:lin ang="5400000" scaled="0"/>
-        </a:gradFill>
-        <a:gradFill rotWithShape="1">
-          <a:gsLst>
-            <a:gs pos="0">
-              <a:schemeClr val="phClr">
-                <a:tint val="90000"/>
-                <a:lumMod val="110000"/>
-              </a:schemeClr>
-            </a:gs>
-            <a:gs pos="100000">
-              <a:schemeClr val="phClr">
-                <a:shade val="94000"/>
-                <a:lumMod val="96000"/>
-              </a:schemeClr>
-            </a:gs>
-          </a:gsLst>
-          <a:path path="circle">
-            <a:fillToRect l="50000" t="50000" r="100000" b="100000"/>
-          </a:path>
         </a:gradFill>
       </a:bgFillStyleLst>
     </a:fmtScheme>
@@ -13681,7 +11792,7 @@
   <a:extraClrSchemeLst/>
   <a:extLst>
     <a:ext uri="{05A4C25C-085E-4340-85A3-A5531E510DB2}">
-      <thm15:themeFamily xmlns:thm15="http://schemas.microsoft.com/office/thememl/2012/main" name="Facet" id="{C0C680CD-088A-49FC-A102-D699147F32B2}" vid="{CFBC31BA-B70F-4F30-BCAA-4F3011E16C4D}"/>
+      <thm15:themeFamily xmlns:thm15="http://schemas.microsoft.com/office/thememl/2012/main" name="Crop" id="{EC9488ED-E761-4D60-9AC4-764D1FE2C171}" vid="{CE19780C-D67D-4C13-9DE9-A52BC3BA51B4}"/>
     </a:ext>
   </a:extLst>
 </a:theme>
